--- a/prezentacja.pptx
+++ b/prezentacja.pptx
@@ -9,8 +9,8 @@
     <p:sldId id="258" r:id="rId3"/>
     <p:sldId id="264" r:id="rId4"/>
     <p:sldId id="265" r:id="rId5"/>
-    <p:sldId id="266" r:id="rId6"/>
-    <p:sldId id="267" r:id="rId7"/>
+    <p:sldId id="267" r:id="rId6"/>
+    <p:sldId id="268" r:id="rId7"/>
   </p:sldIdLst>
   <p:sldSz cx="9144000" cy="6858000" type="screen4x3"/>
   <p:notesSz cx="6858000" cy="9144000"/>
@@ -18,94 +18,124 @@
     <a:defPPr>
       <a:defRPr lang="pl-PL"/>
     </a:defPPr>
-    <a:lvl1pPr marL="0" algn="l" defTabSz="914400" rtl="0" eaLnBrk="1" latinLnBrk="0" hangingPunct="1">
-      <a:defRPr sz="1800" kern="1200">
+    <a:lvl1pPr algn="l" rtl="0" fontAlgn="base">
+      <a:spcBef>
+        <a:spcPct val="0"/>
+      </a:spcBef>
+      <a:spcAft>
+        <a:spcPct val="0"/>
+      </a:spcAft>
+      <a:defRPr kern="1200">
         <a:solidFill>
           <a:schemeClr val="tx1"/>
         </a:solidFill>
-        <a:latin typeface="+mn-lt"/>
+        <a:latin typeface="Arial" charset="0"/>
         <a:ea typeface="+mn-ea"/>
-        <a:cs typeface="+mn-cs"/>
+        <a:cs typeface="Arial" charset="0"/>
       </a:defRPr>
     </a:lvl1pPr>
-    <a:lvl2pPr marL="457200" algn="l" defTabSz="914400" rtl="0" eaLnBrk="1" latinLnBrk="0" hangingPunct="1">
-      <a:defRPr sz="1800" kern="1200">
+    <a:lvl2pPr marL="457200" algn="l" rtl="0" fontAlgn="base">
+      <a:spcBef>
+        <a:spcPct val="0"/>
+      </a:spcBef>
+      <a:spcAft>
+        <a:spcPct val="0"/>
+      </a:spcAft>
+      <a:defRPr kern="1200">
         <a:solidFill>
           <a:schemeClr val="tx1"/>
         </a:solidFill>
-        <a:latin typeface="+mn-lt"/>
+        <a:latin typeface="Arial" charset="0"/>
         <a:ea typeface="+mn-ea"/>
-        <a:cs typeface="+mn-cs"/>
+        <a:cs typeface="Arial" charset="0"/>
       </a:defRPr>
     </a:lvl2pPr>
-    <a:lvl3pPr marL="914400" algn="l" defTabSz="914400" rtl="0" eaLnBrk="1" latinLnBrk="0" hangingPunct="1">
-      <a:defRPr sz="1800" kern="1200">
+    <a:lvl3pPr marL="914400" algn="l" rtl="0" fontAlgn="base">
+      <a:spcBef>
+        <a:spcPct val="0"/>
+      </a:spcBef>
+      <a:spcAft>
+        <a:spcPct val="0"/>
+      </a:spcAft>
+      <a:defRPr kern="1200">
         <a:solidFill>
           <a:schemeClr val="tx1"/>
         </a:solidFill>
-        <a:latin typeface="+mn-lt"/>
+        <a:latin typeface="Arial" charset="0"/>
         <a:ea typeface="+mn-ea"/>
-        <a:cs typeface="+mn-cs"/>
+        <a:cs typeface="Arial" charset="0"/>
       </a:defRPr>
     </a:lvl3pPr>
-    <a:lvl4pPr marL="1371600" algn="l" defTabSz="914400" rtl="0" eaLnBrk="1" latinLnBrk="0" hangingPunct="1">
-      <a:defRPr sz="1800" kern="1200">
+    <a:lvl4pPr marL="1371600" algn="l" rtl="0" fontAlgn="base">
+      <a:spcBef>
+        <a:spcPct val="0"/>
+      </a:spcBef>
+      <a:spcAft>
+        <a:spcPct val="0"/>
+      </a:spcAft>
+      <a:defRPr kern="1200">
         <a:solidFill>
           <a:schemeClr val="tx1"/>
         </a:solidFill>
-        <a:latin typeface="+mn-lt"/>
+        <a:latin typeface="Arial" charset="0"/>
         <a:ea typeface="+mn-ea"/>
-        <a:cs typeface="+mn-cs"/>
+        <a:cs typeface="Arial" charset="0"/>
       </a:defRPr>
     </a:lvl4pPr>
-    <a:lvl5pPr marL="1828800" algn="l" defTabSz="914400" rtl="0" eaLnBrk="1" latinLnBrk="0" hangingPunct="1">
-      <a:defRPr sz="1800" kern="1200">
+    <a:lvl5pPr marL="1828800" algn="l" rtl="0" fontAlgn="base">
+      <a:spcBef>
+        <a:spcPct val="0"/>
+      </a:spcBef>
+      <a:spcAft>
+        <a:spcPct val="0"/>
+      </a:spcAft>
+      <a:defRPr kern="1200">
         <a:solidFill>
           <a:schemeClr val="tx1"/>
         </a:solidFill>
-        <a:latin typeface="+mn-lt"/>
+        <a:latin typeface="Arial" charset="0"/>
         <a:ea typeface="+mn-ea"/>
-        <a:cs typeface="+mn-cs"/>
+        <a:cs typeface="Arial" charset="0"/>
       </a:defRPr>
     </a:lvl5pPr>
     <a:lvl6pPr marL="2286000" algn="l" defTabSz="914400" rtl="0" eaLnBrk="1" latinLnBrk="0" hangingPunct="1">
-      <a:defRPr sz="1800" kern="1200">
+      <a:defRPr kern="1200">
         <a:solidFill>
           <a:schemeClr val="tx1"/>
         </a:solidFill>
-        <a:latin typeface="+mn-lt"/>
+        <a:latin typeface="Arial" charset="0"/>
         <a:ea typeface="+mn-ea"/>
-        <a:cs typeface="+mn-cs"/>
+        <a:cs typeface="Arial" charset="0"/>
       </a:defRPr>
     </a:lvl6pPr>
     <a:lvl7pPr marL="2743200" algn="l" defTabSz="914400" rtl="0" eaLnBrk="1" latinLnBrk="0" hangingPunct="1">
-      <a:defRPr sz="1800" kern="1200">
+      <a:defRPr kern="1200">
         <a:solidFill>
           <a:schemeClr val="tx1"/>
         </a:solidFill>
-        <a:latin typeface="+mn-lt"/>
+        <a:latin typeface="Arial" charset="0"/>
         <a:ea typeface="+mn-ea"/>
-        <a:cs typeface="+mn-cs"/>
+        <a:cs typeface="Arial" charset="0"/>
       </a:defRPr>
     </a:lvl7pPr>
     <a:lvl8pPr marL="3200400" algn="l" defTabSz="914400" rtl="0" eaLnBrk="1" latinLnBrk="0" hangingPunct="1">
-      <a:defRPr sz="1800" kern="1200">
+      <a:defRPr kern="1200">
         <a:solidFill>
           <a:schemeClr val="tx1"/>
         </a:solidFill>
-        <a:latin typeface="+mn-lt"/>
+        <a:latin typeface="Arial" charset="0"/>
         <a:ea typeface="+mn-ea"/>
-        <a:cs typeface="+mn-cs"/>
+        <a:cs typeface="Arial" charset="0"/>
       </a:defRPr>
     </a:lvl8pPr>
     <a:lvl9pPr marL="3657600" algn="l" defTabSz="914400" rtl="0" eaLnBrk="1" latinLnBrk="0" hangingPunct="1">
-      <a:defRPr sz="1800" kern="1200">
+      <a:defRPr kern="1200">
         <a:solidFill>
           <a:schemeClr val="tx1"/>
         </a:solidFill>
-        <a:latin typeface="+mn-lt"/>
+        <a:latin typeface="Arial" charset="0"/>
         <a:ea typeface="+mn-ea"/>
-        <a:cs typeface="+mn-cs"/>
+        <a:cs typeface="Arial" charset="0"/>
       </a:defRPr>
     </a:lvl9pPr>
   </p:defaultTextStyle>
@@ -131,215 +161,14 @@
       </p:grpSpPr>
       <p:sp>
         <p:nvSpPr>
-          <p:cNvPr id="2" name="Title 1"/>
-          <p:cNvSpPr>
-            <a:spLocks noGrp="1"/>
-          </p:cNvSpPr>
-          <p:nvPr>
-            <p:ph type="ctrTitle"/>
-          </p:nvPr>
+          <p:cNvPr id="4" name="Rectangle 8"/>
+          <p:cNvSpPr/>
+          <p:nvPr/>
         </p:nvSpPr>
         <p:spPr>
           <a:xfrm>
-            <a:off x="457200" y="228600"/>
-            <a:ext cx="7772400" cy="4571999"/>
-          </a:xfrm>
-        </p:spPr>
-        <p:txBody>
-          <a:bodyPr anchor="ctr">
-            <a:noAutofit/>
-          </a:bodyPr>
-          <a:lstStyle>
-            <a:lvl1pPr>
-              <a:lnSpc>
-                <a:spcPct val="100000"/>
-              </a:lnSpc>
-              <a:defRPr sz="8800" spc="-80" baseline="0">
-                <a:solidFill>
-                  <a:schemeClr val="tx1"/>
-                </a:solidFill>
-              </a:defRPr>
-            </a:lvl1pPr>
-          </a:lstStyle>
-          <a:p>
-            <a:r>
-              <a:rPr lang="pl-PL" smtClean="0"/>
-              <a:t>Kliknij, aby edytować styl</a:t>
-            </a:r>
-            <a:endParaRPr lang="en-US" dirty="0"/>
-          </a:p>
-        </p:txBody>
-      </p:sp>
-      <p:sp>
-        <p:nvSpPr>
-          <p:cNvPr id="3" name="Subtitle 2"/>
-          <p:cNvSpPr>
-            <a:spLocks noGrp="1"/>
-          </p:cNvSpPr>
-          <p:nvPr>
-            <p:ph type="subTitle" idx="1"/>
-          </p:nvPr>
-        </p:nvSpPr>
-        <p:spPr>
-          <a:xfrm>
-            <a:off x="457200" y="4800600"/>
-            <a:ext cx="6858000" cy="914400"/>
-          </a:xfrm>
-        </p:spPr>
-        <p:txBody>
-          <a:bodyPr/>
-          <a:lstStyle>
-            <a:lvl1pPr marL="0" indent="0" algn="l">
-              <a:buNone/>
-              <a:defRPr b="0" cap="all" spc="120" baseline="0">
-                <a:solidFill>
-                  <a:schemeClr val="tx2"/>
-                </a:solidFill>
-                <a:latin typeface="+mj-lt"/>
-              </a:defRPr>
-            </a:lvl1pPr>
-            <a:lvl2pPr marL="457200" indent="0" algn="ctr">
-              <a:buNone/>
-              <a:defRPr>
-                <a:solidFill>
-                  <a:schemeClr val="tx1">
-                    <a:tint val="75000"/>
-                  </a:schemeClr>
-                </a:solidFill>
-              </a:defRPr>
-            </a:lvl2pPr>
-            <a:lvl3pPr marL="914400" indent="0" algn="ctr">
-              <a:buNone/>
-              <a:defRPr>
-                <a:solidFill>
-                  <a:schemeClr val="tx1">
-                    <a:tint val="75000"/>
-                  </a:schemeClr>
-                </a:solidFill>
-              </a:defRPr>
-            </a:lvl3pPr>
-            <a:lvl4pPr marL="1371600" indent="0" algn="ctr">
-              <a:buNone/>
-              <a:defRPr>
-                <a:solidFill>
-                  <a:schemeClr val="tx1">
-                    <a:tint val="75000"/>
-                  </a:schemeClr>
-                </a:solidFill>
-              </a:defRPr>
-            </a:lvl4pPr>
-            <a:lvl5pPr marL="1828800" indent="0" algn="ctr">
-              <a:buNone/>
-              <a:defRPr>
-                <a:solidFill>
-                  <a:schemeClr val="tx1">
-                    <a:tint val="75000"/>
-                  </a:schemeClr>
-                </a:solidFill>
-              </a:defRPr>
-            </a:lvl5pPr>
-            <a:lvl6pPr marL="2286000" indent="0" algn="ctr">
-              <a:buNone/>
-              <a:defRPr>
-                <a:solidFill>
-                  <a:schemeClr val="tx1">
-                    <a:tint val="75000"/>
-                  </a:schemeClr>
-                </a:solidFill>
-              </a:defRPr>
-            </a:lvl6pPr>
-            <a:lvl7pPr marL="2743200" indent="0" algn="ctr">
-              <a:buNone/>
-              <a:defRPr>
-                <a:solidFill>
-                  <a:schemeClr val="tx1">
-                    <a:tint val="75000"/>
-                  </a:schemeClr>
-                </a:solidFill>
-              </a:defRPr>
-            </a:lvl7pPr>
-            <a:lvl8pPr marL="3200400" indent="0" algn="ctr">
-              <a:buNone/>
-              <a:defRPr>
-                <a:solidFill>
-                  <a:schemeClr val="tx1">
-                    <a:tint val="75000"/>
-                  </a:schemeClr>
-                </a:solidFill>
-              </a:defRPr>
-            </a:lvl8pPr>
-            <a:lvl9pPr marL="3657600" indent="0" algn="ctr">
-              <a:buNone/>
-              <a:defRPr>
-                <a:solidFill>
-                  <a:schemeClr val="tx1">
-                    <a:tint val="75000"/>
-                  </a:schemeClr>
-                </a:solidFill>
-              </a:defRPr>
-            </a:lvl9pPr>
-          </a:lstStyle>
-          <a:p>
-            <a:r>
-              <a:rPr lang="pl-PL" smtClean="0"/>
-              <a:t>Kliknij, aby edytować styl wzorca podtytułu</a:t>
-            </a:r>
-            <a:endParaRPr lang="en-US" dirty="0"/>
-          </a:p>
-        </p:txBody>
-      </p:sp>
-      <p:sp>
-        <p:nvSpPr>
-          <p:cNvPr id="4" name="Date Placeholder 3"/>
-          <p:cNvSpPr>
-            <a:spLocks noGrp="1"/>
-          </p:cNvSpPr>
-          <p:nvPr>
-            <p:ph type="dt" sz="half" idx="10"/>
-          </p:nvPr>
-        </p:nvSpPr>
-        <p:spPr/>
-        <p:txBody>
-          <a:bodyPr/>
-          <a:lstStyle/>
-          <a:p>
-            <a:fld id="{1E9A37FB-873B-49EF-ABF9-7D09E6B3C862}" type="datetimeFigureOut">
-              <a:rPr lang="pl-PL" smtClean="0"/>
-              <a:t>2014-01-21</a:t>
-            </a:fld>
-            <a:endParaRPr lang="pl-PL"/>
-          </a:p>
-        </p:txBody>
-      </p:sp>
-      <p:sp>
-        <p:nvSpPr>
-          <p:cNvPr id="5" name="Footer Placeholder 4"/>
-          <p:cNvSpPr>
-            <a:spLocks noGrp="1"/>
-          </p:cNvSpPr>
-          <p:nvPr>
-            <p:ph type="ftr" sz="quarter" idx="11"/>
-          </p:nvPr>
-        </p:nvSpPr>
-        <p:spPr/>
-        <p:txBody>
-          <a:bodyPr/>
-          <a:lstStyle/>
-          <a:p>
-            <a:endParaRPr lang="pl-PL"/>
-          </a:p>
-        </p:txBody>
-      </p:sp>
-      <p:sp>
-        <p:nvSpPr>
-          <p:cNvPr id="9" name="Rectangle 8"/>
-          <p:cNvSpPr/>
-          <p:nvPr/>
-        </p:nvSpPr>
-        <p:spPr>
-          <a:xfrm>
-            <a:off x="9001124" y="4846320"/>
-            <a:ext cx="142876" cy="2011680"/>
+            <a:off x="9001125" y="4846638"/>
+            <a:ext cx="142875" cy="2011362"/>
           </a:xfrm>
           <a:prstGeom prst="rect">
             <a:avLst/>
@@ -368,24 +197,32 @@
           </a:fontRef>
         </p:style>
         <p:txBody>
-          <a:bodyPr rtlCol="0" anchor="ctr"/>
+          <a:bodyPr anchor="ctr"/>
           <a:lstStyle/>
           <a:p>
-            <a:pPr algn="ctr"/>
+            <a:pPr algn="ctr" fontAlgn="auto">
+              <a:spcBef>
+                <a:spcPts val="0"/>
+              </a:spcBef>
+              <a:spcAft>
+                <a:spcPts val="0"/>
+              </a:spcAft>
+              <a:defRPr/>
+            </a:pPr>
             <a:endParaRPr lang="en-US"/>
           </a:p>
         </p:txBody>
       </p:sp>
       <p:sp>
         <p:nvSpPr>
-          <p:cNvPr id="10" name="Rectangle 9"/>
+          <p:cNvPr id="5" name="Rectangle 9"/>
           <p:cNvSpPr/>
           <p:nvPr/>
         </p:nvSpPr>
         <p:spPr>
           <a:xfrm>
-            <a:off x="9001124" y="0"/>
-            <a:ext cx="142876" cy="4846320"/>
+            <a:off x="9001125" y="0"/>
+            <a:ext cx="142875" cy="4846638"/>
           </a:xfrm>
           <a:prstGeom prst="rect">
             <a:avLst/>
@@ -414,30 +251,48 @@
           </a:fontRef>
         </p:style>
         <p:txBody>
-          <a:bodyPr rtlCol="0" anchor="ctr"/>
+          <a:bodyPr anchor="ctr"/>
           <a:lstStyle/>
           <a:p>
-            <a:pPr algn="ctr"/>
+            <a:pPr algn="ctr" fontAlgn="auto">
+              <a:spcBef>
+                <a:spcPts val="0"/>
+              </a:spcBef>
+              <a:spcAft>
+                <a:spcPts val="0"/>
+              </a:spcAft>
+              <a:defRPr/>
+            </a:pPr>
             <a:endParaRPr lang="en-US"/>
           </a:p>
         </p:txBody>
       </p:sp>
       <p:sp>
         <p:nvSpPr>
-          <p:cNvPr id="6" name="Slide Number Placeholder 5"/>
-          <p:cNvSpPr>
-            <a:spLocks noGrp="1"/>
-          </p:cNvSpPr>
-          <p:nvPr>
-            <p:ph type="sldNum" sz="quarter" idx="12"/>
-          </p:nvPr>
-        </p:nvSpPr>
-        <p:spPr/>
-        <p:txBody>
-          <a:bodyPr/>
+          <p:cNvPr id="2" name="Title 1"/>
+          <p:cNvSpPr>
+            <a:spLocks noGrp="1"/>
+          </p:cNvSpPr>
+          <p:nvPr>
+            <p:ph type="ctrTitle"/>
+          </p:nvPr>
+        </p:nvSpPr>
+        <p:spPr>
+          <a:xfrm>
+            <a:off x="457200" y="228600"/>
+            <a:ext cx="7772400" cy="4571999"/>
+          </a:xfrm>
+        </p:spPr>
+        <p:txBody>
+          <a:bodyPr anchor="ctr">
+            <a:noAutofit/>
+          </a:bodyPr>
           <a:lstStyle>
             <a:lvl1pPr>
-              <a:defRPr>
+              <a:lnSpc>
+                <a:spcPct val="100000"/>
+              </a:lnSpc>
+              <a:defRPr sz="8800" spc="-80" baseline="0">
                 <a:solidFill>
                   <a:schemeClr val="tx1"/>
                 </a:solidFill>
@@ -445,8 +300,222 @@
             </a:lvl1pPr>
           </a:lstStyle>
           <a:p>
-            <a:fld id="{477864F3-BF77-4663-A3CF-227649BA0A83}" type="slidenum">
-              <a:rPr lang="pl-PL" smtClean="0"/>
+            <a:r>
+              <a:rPr lang="pl-PL" smtClean="0"/>
+              <a:t>Kliknij, aby edytować styl</a:t>
+            </a:r>
+            <a:endParaRPr lang="en-US" dirty="0"/>
+          </a:p>
+        </p:txBody>
+      </p:sp>
+      <p:sp>
+        <p:nvSpPr>
+          <p:cNvPr id="3" name="Subtitle 2"/>
+          <p:cNvSpPr>
+            <a:spLocks noGrp="1"/>
+          </p:cNvSpPr>
+          <p:nvPr>
+            <p:ph type="subTitle" idx="1"/>
+          </p:nvPr>
+        </p:nvSpPr>
+        <p:spPr>
+          <a:xfrm>
+            <a:off x="457200" y="4800600"/>
+            <a:ext cx="6858000" cy="914400"/>
+          </a:xfrm>
+        </p:spPr>
+        <p:txBody>
+          <a:bodyPr/>
+          <a:lstStyle>
+            <a:lvl1pPr marL="0" indent="0" algn="l">
+              <a:buNone/>
+              <a:defRPr b="0" cap="all" spc="120" baseline="0">
+                <a:solidFill>
+                  <a:schemeClr val="tx2"/>
+                </a:solidFill>
+                <a:latin typeface="+mj-lt"/>
+              </a:defRPr>
+            </a:lvl1pPr>
+            <a:lvl2pPr marL="457200" indent="0" algn="ctr">
+              <a:buNone/>
+              <a:defRPr>
+                <a:solidFill>
+                  <a:schemeClr val="tx1">
+                    <a:tint val="75000"/>
+                  </a:schemeClr>
+                </a:solidFill>
+              </a:defRPr>
+            </a:lvl2pPr>
+            <a:lvl3pPr marL="914400" indent="0" algn="ctr">
+              <a:buNone/>
+              <a:defRPr>
+                <a:solidFill>
+                  <a:schemeClr val="tx1">
+                    <a:tint val="75000"/>
+                  </a:schemeClr>
+                </a:solidFill>
+              </a:defRPr>
+            </a:lvl3pPr>
+            <a:lvl4pPr marL="1371600" indent="0" algn="ctr">
+              <a:buNone/>
+              <a:defRPr>
+                <a:solidFill>
+                  <a:schemeClr val="tx1">
+                    <a:tint val="75000"/>
+                  </a:schemeClr>
+                </a:solidFill>
+              </a:defRPr>
+            </a:lvl4pPr>
+            <a:lvl5pPr marL="1828800" indent="0" algn="ctr">
+              <a:buNone/>
+              <a:defRPr>
+                <a:solidFill>
+                  <a:schemeClr val="tx1">
+                    <a:tint val="75000"/>
+                  </a:schemeClr>
+                </a:solidFill>
+              </a:defRPr>
+            </a:lvl5pPr>
+            <a:lvl6pPr marL="2286000" indent="0" algn="ctr">
+              <a:buNone/>
+              <a:defRPr>
+                <a:solidFill>
+                  <a:schemeClr val="tx1">
+                    <a:tint val="75000"/>
+                  </a:schemeClr>
+                </a:solidFill>
+              </a:defRPr>
+            </a:lvl6pPr>
+            <a:lvl7pPr marL="2743200" indent="0" algn="ctr">
+              <a:buNone/>
+              <a:defRPr>
+                <a:solidFill>
+                  <a:schemeClr val="tx1">
+                    <a:tint val="75000"/>
+                  </a:schemeClr>
+                </a:solidFill>
+              </a:defRPr>
+            </a:lvl7pPr>
+            <a:lvl8pPr marL="3200400" indent="0" algn="ctr">
+              <a:buNone/>
+              <a:defRPr>
+                <a:solidFill>
+                  <a:schemeClr val="tx1">
+                    <a:tint val="75000"/>
+                  </a:schemeClr>
+                </a:solidFill>
+              </a:defRPr>
+            </a:lvl8pPr>
+            <a:lvl9pPr marL="3657600" indent="0" algn="ctr">
+              <a:buNone/>
+              <a:defRPr>
+                <a:solidFill>
+                  <a:schemeClr val="tx1">
+                    <a:tint val="75000"/>
+                  </a:schemeClr>
+                </a:solidFill>
+              </a:defRPr>
+            </a:lvl9pPr>
+          </a:lstStyle>
+          <a:p>
+            <a:r>
+              <a:rPr lang="pl-PL" smtClean="0"/>
+              <a:t>Kliknij, aby edytować styl wzorca podtytułu</a:t>
+            </a:r>
+            <a:endParaRPr lang="en-US" dirty="0"/>
+          </a:p>
+        </p:txBody>
+      </p:sp>
+      <p:sp>
+        <p:nvSpPr>
+          <p:cNvPr id="6" name="Date Placeholder 3"/>
+          <p:cNvSpPr>
+            <a:spLocks noGrp="1"/>
+          </p:cNvSpPr>
+          <p:nvPr>
+            <p:ph type="dt" sz="half" idx="10"/>
+          </p:nvPr>
+        </p:nvSpPr>
+        <p:spPr/>
+        <p:txBody>
+          <a:bodyPr/>
+          <a:lstStyle>
+            <a:lvl1pPr>
+              <a:defRPr/>
+            </a:lvl1pPr>
+          </a:lstStyle>
+          <a:p>
+            <a:pPr>
+              <a:defRPr/>
+            </a:pPr>
+            <a:fld id="{D7EF2C9B-B8F1-4C04-BFBE-1146A988BB7D}" type="datetimeFigureOut">
+              <a:rPr lang="pl-PL"/>
+              <a:pPr>
+                <a:defRPr/>
+              </a:pPr>
+              <a:t>2014-01-21</a:t>
+            </a:fld>
+            <a:endParaRPr lang="pl-PL"/>
+          </a:p>
+        </p:txBody>
+      </p:sp>
+      <p:sp>
+        <p:nvSpPr>
+          <p:cNvPr id="7" name="Footer Placeholder 4"/>
+          <p:cNvSpPr>
+            <a:spLocks noGrp="1"/>
+          </p:cNvSpPr>
+          <p:nvPr>
+            <p:ph type="ftr" sz="quarter" idx="11"/>
+          </p:nvPr>
+        </p:nvSpPr>
+        <p:spPr/>
+        <p:txBody>
+          <a:bodyPr/>
+          <a:lstStyle>
+            <a:lvl1pPr>
+              <a:defRPr/>
+            </a:lvl1pPr>
+          </a:lstStyle>
+          <a:p>
+            <a:pPr>
+              <a:defRPr/>
+            </a:pPr>
+            <a:endParaRPr lang="pl-PL"/>
+          </a:p>
+        </p:txBody>
+      </p:sp>
+      <p:sp>
+        <p:nvSpPr>
+          <p:cNvPr id="8" name="Slide Number Placeholder 5"/>
+          <p:cNvSpPr>
+            <a:spLocks noGrp="1"/>
+          </p:cNvSpPr>
+          <p:nvPr>
+            <p:ph type="sldNum" sz="quarter" idx="12"/>
+          </p:nvPr>
+        </p:nvSpPr>
+        <p:spPr/>
+        <p:txBody>
+          <a:bodyPr/>
+          <a:lstStyle>
+            <a:lvl1pPr>
+              <a:defRPr smtClean="0">
+                <a:solidFill>
+                  <a:schemeClr val="tx1"/>
+                </a:solidFill>
+              </a:defRPr>
+            </a:lvl1pPr>
+          </a:lstStyle>
+          <a:p>
+            <a:pPr>
+              <a:defRPr/>
+            </a:pPr>
+            <a:fld id="{1FD15F95-DAAD-4895-A427-47682FA22524}" type="slidenum">
+              <a:rPr lang="pl-PL"/>
+              <a:pPr>
+                <a:defRPr/>
+              </a:pPr>
               <a:t>‹#›</a:t>
             </a:fld>
             <a:endParaRPr lang="pl-PL"/>
@@ -458,14 +527,7 @@
   <p:clrMapOvr>
     <a:masterClrMapping/>
   </p:clrMapOvr>
-  <mc:AlternateContent xmlns:mc="http://schemas.openxmlformats.org/markup-compatibility/2006">
-    <mc:Choice xmlns:p14="http://schemas.microsoft.com/office/powerpoint/2010/main" Requires="p14">
-      <p:transition p14:dur="10"/>
-    </mc:Choice>
-    <mc:Fallback>
-      <p:transition/>
-    </mc:Fallback>
-  </mc:AlternateContent>
+  <p:transition/>
 </p:sldLayout>
 </file>
 
@@ -574,10 +636,20 @@
         <p:spPr/>
         <p:txBody>
           <a:bodyPr/>
-          <a:lstStyle/>
-          <a:p>
-            <a:fld id="{1E9A37FB-873B-49EF-ABF9-7D09E6B3C862}" type="datetimeFigureOut">
-              <a:rPr lang="pl-PL" smtClean="0"/>
+          <a:lstStyle>
+            <a:lvl1pPr>
+              <a:defRPr/>
+            </a:lvl1pPr>
+          </a:lstStyle>
+          <a:p>
+            <a:pPr>
+              <a:defRPr/>
+            </a:pPr>
+            <a:fld id="{ED0353ED-FFAF-43B5-BB42-B1578AB1F8FC}" type="datetimeFigureOut">
+              <a:rPr lang="pl-PL"/>
+              <a:pPr>
+                <a:defRPr/>
+              </a:pPr>
               <a:t>2014-01-21</a:t>
             </a:fld>
             <a:endParaRPr lang="pl-PL"/>
@@ -597,8 +669,15 @@
         <p:spPr/>
         <p:txBody>
           <a:bodyPr/>
-          <a:lstStyle/>
-          <a:p>
+          <a:lstStyle>
+            <a:lvl1pPr>
+              <a:defRPr/>
+            </a:lvl1pPr>
+          </a:lstStyle>
+          <a:p>
+            <a:pPr>
+              <a:defRPr/>
+            </a:pPr>
             <a:endParaRPr lang="pl-PL"/>
           </a:p>
         </p:txBody>
@@ -616,10 +695,20 @@
         <p:spPr/>
         <p:txBody>
           <a:bodyPr/>
-          <a:lstStyle/>
-          <a:p>
-            <a:fld id="{477864F3-BF77-4663-A3CF-227649BA0A83}" type="slidenum">
-              <a:rPr lang="pl-PL" smtClean="0"/>
+          <a:lstStyle>
+            <a:lvl1pPr>
+              <a:defRPr/>
+            </a:lvl1pPr>
+          </a:lstStyle>
+          <a:p>
+            <a:pPr>
+              <a:defRPr/>
+            </a:pPr>
+            <a:fld id="{B9E8F778-E01B-4C92-8A7F-2C0207AC8076}" type="slidenum">
+              <a:rPr lang="pl-PL"/>
+              <a:pPr>
+                <a:defRPr/>
+              </a:pPr>
               <a:t>‹#›</a:t>
             </a:fld>
             <a:endParaRPr lang="pl-PL"/>
@@ -631,14 +720,7 @@
   <p:clrMapOvr>
     <a:masterClrMapping/>
   </p:clrMapOvr>
-  <mc:AlternateContent xmlns:mc="http://schemas.openxmlformats.org/markup-compatibility/2006">
-    <mc:Choice xmlns:p14="http://schemas.microsoft.com/office/powerpoint/2010/main" Requires="p14">
-      <p:transition p14:dur="10"/>
-    </mc:Choice>
-    <mc:Fallback>
-      <p:transition/>
-    </mc:Fallback>
-  </mc:AlternateContent>
+  <p:transition/>
 </p:sldLayout>
 </file>
 
@@ -757,10 +839,20 @@
         <p:spPr/>
         <p:txBody>
           <a:bodyPr/>
-          <a:lstStyle/>
-          <a:p>
-            <a:fld id="{1E9A37FB-873B-49EF-ABF9-7D09E6B3C862}" type="datetimeFigureOut">
-              <a:rPr lang="pl-PL" smtClean="0"/>
+          <a:lstStyle>
+            <a:lvl1pPr>
+              <a:defRPr/>
+            </a:lvl1pPr>
+          </a:lstStyle>
+          <a:p>
+            <a:pPr>
+              <a:defRPr/>
+            </a:pPr>
+            <a:fld id="{0E65652E-92DC-4C56-8B3E-7FE9530D0F21}" type="datetimeFigureOut">
+              <a:rPr lang="pl-PL"/>
+              <a:pPr>
+                <a:defRPr/>
+              </a:pPr>
               <a:t>2014-01-21</a:t>
             </a:fld>
             <a:endParaRPr lang="pl-PL"/>
@@ -780,8 +872,15 @@
         <p:spPr/>
         <p:txBody>
           <a:bodyPr/>
-          <a:lstStyle/>
-          <a:p>
+          <a:lstStyle>
+            <a:lvl1pPr>
+              <a:defRPr/>
+            </a:lvl1pPr>
+          </a:lstStyle>
+          <a:p>
+            <a:pPr>
+              <a:defRPr/>
+            </a:pPr>
             <a:endParaRPr lang="pl-PL"/>
           </a:p>
         </p:txBody>
@@ -799,10 +898,20 @@
         <p:spPr/>
         <p:txBody>
           <a:bodyPr/>
-          <a:lstStyle/>
-          <a:p>
-            <a:fld id="{477864F3-BF77-4663-A3CF-227649BA0A83}" type="slidenum">
-              <a:rPr lang="pl-PL" smtClean="0"/>
+          <a:lstStyle>
+            <a:lvl1pPr>
+              <a:defRPr/>
+            </a:lvl1pPr>
+          </a:lstStyle>
+          <a:p>
+            <a:pPr>
+              <a:defRPr/>
+            </a:pPr>
+            <a:fld id="{C2C8D3EF-FCD8-49B3-8B2B-7B0D2193AF2E}" type="slidenum">
+              <a:rPr lang="pl-PL"/>
+              <a:pPr>
+                <a:defRPr/>
+              </a:pPr>
               <a:t>‹#›</a:t>
             </a:fld>
             <a:endParaRPr lang="pl-PL"/>
@@ -814,14 +923,281 @@
   <p:clrMapOvr>
     <a:masterClrMapping/>
   </p:clrMapOvr>
-  <mc:AlternateContent xmlns:mc="http://schemas.openxmlformats.org/markup-compatibility/2006">
-    <mc:Choice xmlns:p14="http://schemas.microsoft.com/office/powerpoint/2010/main" Requires="p14">
-      <p:transition p14:dur="10"/>
-    </mc:Choice>
-    <mc:Fallback>
-      <p:transition/>
-    </mc:Fallback>
-  </mc:AlternateContent>
+  <p:transition/>
+</p:sldLayout>
+</file>
+
+<file path=ppt/slideLayouts/slideLayout12.xml><?xml version="1.0" encoding="utf-8"?>
+<p:sldLayout xmlns:a="http://schemas.openxmlformats.org/drawingml/2006/main" xmlns:r="http://schemas.openxmlformats.org/officeDocument/2006/relationships" xmlns:p="http://schemas.openxmlformats.org/presentationml/2006/main" type="txAndObj" preserve="1">
+  <p:cSld name="Title, Text, and Content">
+    <p:spTree>
+      <p:nvGrpSpPr>
+        <p:cNvPr id="1" name=""/>
+        <p:cNvGrpSpPr/>
+        <p:nvPr/>
+      </p:nvGrpSpPr>
+      <p:grpSpPr>
+        <a:xfrm>
+          <a:off x="0" y="0"/>
+          <a:ext cx="0" cy="0"/>
+          <a:chOff x="0" y="0"/>
+          <a:chExt cx="0" cy="0"/>
+        </a:xfrm>
+      </p:grpSpPr>
+      <p:sp>
+        <p:nvSpPr>
+          <p:cNvPr id="2" name="Title 1"/>
+          <p:cNvSpPr>
+            <a:spLocks noGrp="1"/>
+          </p:cNvSpPr>
+          <p:nvPr>
+            <p:ph type="title"/>
+          </p:nvPr>
+        </p:nvSpPr>
+        <p:spPr>
+          <a:xfrm>
+            <a:off x="457200" y="152400"/>
+            <a:ext cx="5791200" cy="1371600"/>
+          </a:xfrm>
+        </p:spPr>
+        <p:txBody>
+          <a:bodyPr/>
+          <a:lstStyle/>
+          <a:p>
+            <a:r>
+              <a:rPr lang="en-US"/>
+              <a:t>Click to edit Master title style</a:t>
+            </a:r>
+            <a:endParaRPr lang="pl-PL"/>
+          </a:p>
+        </p:txBody>
+      </p:sp>
+      <p:sp>
+        <p:nvSpPr>
+          <p:cNvPr id="3" name="Text Placeholder 2"/>
+          <p:cNvSpPr>
+            <a:spLocks noGrp="1"/>
+          </p:cNvSpPr>
+          <p:nvPr>
+            <p:ph type="body" sz="half" idx="1"/>
+          </p:nvPr>
+        </p:nvSpPr>
+        <p:spPr>
+          <a:xfrm>
+            <a:off x="457200" y="1752600"/>
+            <a:ext cx="3733800" cy="4373563"/>
+          </a:xfrm>
+        </p:spPr>
+        <p:txBody>
+          <a:bodyPr/>
+          <a:lstStyle/>
+          <a:p>
+            <a:pPr lvl="0"/>
+            <a:r>
+              <a:rPr lang="en-US"/>
+              <a:t>Click to edit Master text styles</a:t>
+            </a:r>
+          </a:p>
+          <a:p>
+            <a:pPr lvl="1"/>
+            <a:r>
+              <a:rPr lang="en-US"/>
+              <a:t>Second level</a:t>
+            </a:r>
+          </a:p>
+          <a:p>
+            <a:pPr lvl="2"/>
+            <a:r>
+              <a:rPr lang="en-US"/>
+              <a:t>Third level</a:t>
+            </a:r>
+          </a:p>
+          <a:p>
+            <a:pPr lvl="3"/>
+            <a:r>
+              <a:rPr lang="en-US"/>
+              <a:t>Fourth level</a:t>
+            </a:r>
+          </a:p>
+          <a:p>
+            <a:pPr lvl="4"/>
+            <a:r>
+              <a:rPr lang="en-US"/>
+              <a:t>Fifth level</a:t>
+            </a:r>
+            <a:endParaRPr lang="pl-PL"/>
+          </a:p>
+        </p:txBody>
+      </p:sp>
+      <p:sp>
+        <p:nvSpPr>
+          <p:cNvPr id="4" name="Content Placeholder 3"/>
+          <p:cNvSpPr>
+            <a:spLocks noGrp="1"/>
+          </p:cNvSpPr>
+          <p:nvPr>
+            <p:ph sz="half" idx="2"/>
+          </p:nvPr>
+        </p:nvSpPr>
+        <p:spPr>
+          <a:xfrm>
+            <a:off x="4343400" y="1752600"/>
+            <a:ext cx="3733800" cy="4373563"/>
+          </a:xfrm>
+        </p:spPr>
+        <p:txBody>
+          <a:bodyPr/>
+          <a:lstStyle/>
+          <a:p>
+            <a:pPr lvl="0"/>
+            <a:r>
+              <a:rPr lang="en-US"/>
+              <a:t>Click to edit Master text styles</a:t>
+            </a:r>
+          </a:p>
+          <a:p>
+            <a:pPr lvl="1"/>
+            <a:r>
+              <a:rPr lang="en-US"/>
+              <a:t>Second level</a:t>
+            </a:r>
+          </a:p>
+          <a:p>
+            <a:pPr lvl="2"/>
+            <a:r>
+              <a:rPr lang="en-US"/>
+              <a:t>Third level</a:t>
+            </a:r>
+          </a:p>
+          <a:p>
+            <a:pPr lvl="3"/>
+            <a:r>
+              <a:rPr lang="en-US"/>
+              <a:t>Fourth level</a:t>
+            </a:r>
+          </a:p>
+          <a:p>
+            <a:pPr lvl="4"/>
+            <a:r>
+              <a:rPr lang="en-US"/>
+              <a:t>Fifth level</a:t>
+            </a:r>
+            <a:endParaRPr lang="pl-PL"/>
+          </a:p>
+        </p:txBody>
+      </p:sp>
+      <p:sp>
+        <p:nvSpPr>
+          <p:cNvPr id="5" name="Date Placeholder 4"/>
+          <p:cNvSpPr>
+            <a:spLocks noGrp="1"/>
+          </p:cNvSpPr>
+          <p:nvPr>
+            <p:ph type="dt" sz="half" idx="10"/>
+          </p:nvPr>
+        </p:nvSpPr>
+        <p:spPr>
+          <a:xfrm>
+            <a:off x="457200" y="6172200"/>
+            <a:ext cx="3429000" cy="304800"/>
+          </a:xfrm>
+        </p:spPr>
+        <p:txBody>
+          <a:bodyPr/>
+          <a:lstStyle>
+            <a:lvl1pPr>
+              <a:defRPr/>
+            </a:lvl1pPr>
+          </a:lstStyle>
+          <a:p>
+            <a:pPr>
+              <a:defRPr/>
+            </a:pPr>
+            <a:fld id="{56123EE9-4634-4C5C-AC4A-6E2D242A6FAC}" type="datetimeFigureOut">
+              <a:rPr lang="pl-PL"/>
+              <a:pPr>
+                <a:defRPr/>
+              </a:pPr>
+              <a:t>2014-01-21</a:t>
+            </a:fld>
+            <a:endParaRPr lang="pl-PL"/>
+          </a:p>
+        </p:txBody>
+      </p:sp>
+      <p:sp>
+        <p:nvSpPr>
+          <p:cNvPr id="6" name="Footer Placeholder 5"/>
+          <p:cNvSpPr>
+            <a:spLocks noGrp="1"/>
+          </p:cNvSpPr>
+          <p:nvPr>
+            <p:ph type="ftr" sz="quarter" idx="11"/>
+          </p:nvPr>
+        </p:nvSpPr>
+        <p:spPr>
+          <a:xfrm>
+            <a:off x="457200" y="6492875"/>
+            <a:ext cx="3429000" cy="284163"/>
+          </a:xfrm>
+        </p:spPr>
+        <p:txBody>
+          <a:bodyPr/>
+          <a:lstStyle>
+            <a:lvl1pPr>
+              <a:defRPr/>
+            </a:lvl1pPr>
+          </a:lstStyle>
+          <a:p>
+            <a:pPr>
+              <a:defRPr/>
+            </a:pPr>
+            <a:endParaRPr lang="pl-PL"/>
+          </a:p>
+        </p:txBody>
+      </p:sp>
+      <p:sp>
+        <p:nvSpPr>
+          <p:cNvPr id="7" name="Slide Number Placeholder 6"/>
+          <p:cNvSpPr>
+            <a:spLocks noGrp="1"/>
+          </p:cNvSpPr>
+          <p:nvPr>
+            <p:ph type="sldNum" sz="quarter" idx="12"/>
+          </p:nvPr>
+        </p:nvSpPr>
+        <p:spPr>
+          <a:xfrm rot="16200000">
+            <a:off x="8227219" y="5885656"/>
+            <a:ext cx="1316038" cy="365125"/>
+          </a:xfrm>
+        </p:spPr>
+        <p:txBody>
+          <a:bodyPr/>
+          <a:lstStyle>
+            <a:lvl1pPr>
+              <a:defRPr/>
+            </a:lvl1pPr>
+          </a:lstStyle>
+          <a:p>
+            <a:pPr>
+              <a:defRPr/>
+            </a:pPr>
+            <a:fld id="{6B732814-321B-4A73-BEAD-D472391E17FE}" type="slidenum">
+              <a:rPr lang="pl-PL"/>
+              <a:pPr>
+                <a:defRPr/>
+              </a:pPr>
+              <a:t>‹#›</a:t>
+            </a:fld>
+            <a:endParaRPr lang="pl-PL"/>
+          </a:p>
+        </p:txBody>
+      </p:sp>
+    </p:spTree>
+  </p:cSld>
+  <p:clrMapOvr>
+    <a:masterClrMapping/>
+  </p:clrMapOvr>
 </p:sldLayout>
 </file>
 
@@ -930,10 +1306,20 @@
         <p:spPr/>
         <p:txBody>
           <a:bodyPr/>
-          <a:lstStyle/>
-          <a:p>
-            <a:fld id="{1E9A37FB-873B-49EF-ABF9-7D09E6B3C862}" type="datetimeFigureOut">
-              <a:rPr lang="pl-PL" smtClean="0"/>
+          <a:lstStyle>
+            <a:lvl1pPr>
+              <a:defRPr/>
+            </a:lvl1pPr>
+          </a:lstStyle>
+          <a:p>
+            <a:pPr>
+              <a:defRPr/>
+            </a:pPr>
+            <a:fld id="{26C4DE37-29AD-46B8-A624-01AF1864E902}" type="datetimeFigureOut">
+              <a:rPr lang="pl-PL"/>
+              <a:pPr>
+                <a:defRPr/>
+              </a:pPr>
               <a:t>2014-01-21</a:t>
             </a:fld>
             <a:endParaRPr lang="pl-PL"/>
@@ -953,8 +1339,15 @@
         <p:spPr/>
         <p:txBody>
           <a:bodyPr/>
-          <a:lstStyle/>
-          <a:p>
+          <a:lstStyle>
+            <a:lvl1pPr>
+              <a:defRPr/>
+            </a:lvl1pPr>
+          </a:lstStyle>
+          <a:p>
+            <a:pPr>
+              <a:defRPr/>
+            </a:pPr>
             <a:endParaRPr lang="pl-PL"/>
           </a:p>
         </p:txBody>
@@ -972,10 +1365,20 @@
         <p:spPr/>
         <p:txBody>
           <a:bodyPr/>
-          <a:lstStyle/>
-          <a:p>
-            <a:fld id="{477864F3-BF77-4663-A3CF-227649BA0A83}" type="slidenum">
-              <a:rPr lang="pl-PL" smtClean="0"/>
+          <a:lstStyle>
+            <a:lvl1pPr>
+              <a:defRPr/>
+            </a:lvl1pPr>
+          </a:lstStyle>
+          <a:p>
+            <a:pPr>
+              <a:defRPr/>
+            </a:pPr>
+            <a:fld id="{D34F3C95-5528-4235-B24B-A6F8AB816340}" type="slidenum">
+              <a:rPr lang="pl-PL"/>
+              <a:pPr>
+                <a:defRPr/>
+              </a:pPr>
               <a:t>‹#›</a:t>
             </a:fld>
             <a:endParaRPr lang="pl-PL"/>
@@ -987,14 +1390,7 @@
   <p:clrMapOvr>
     <a:masterClrMapping/>
   </p:clrMapOvr>
-  <mc:AlternateContent xmlns:mc="http://schemas.openxmlformats.org/markup-compatibility/2006">
-    <mc:Choice xmlns:p14="http://schemas.microsoft.com/office/powerpoint/2010/main" Requires="p14">
-      <p:transition p14:dur="10"/>
-    </mc:Choice>
-    <mc:Fallback>
-      <p:transition/>
-    </mc:Fallback>
-  </mc:AlternateContent>
+  <p:transition/>
 </p:sldLayout>
 </file>
 
@@ -1176,7 +1572,7 @@
       </p:sp>
       <p:sp>
         <p:nvSpPr>
-          <p:cNvPr id="7" name="Date Placeholder 6"/>
+          <p:cNvPr id="4" name="Date Placeholder 3"/>
           <p:cNvSpPr>
             <a:spLocks noGrp="1"/>
           </p:cNvSpPr>
@@ -1187,10 +1583,20 @@
         <p:spPr/>
         <p:txBody>
           <a:bodyPr/>
-          <a:lstStyle/>
-          <a:p>
-            <a:fld id="{1E9A37FB-873B-49EF-ABF9-7D09E6B3C862}" type="datetimeFigureOut">
-              <a:rPr lang="pl-PL" smtClean="0"/>
+          <a:lstStyle>
+            <a:lvl1pPr>
+              <a:defRPr/>
+            </a:lvl1pPr>
+          </a:lstStyle>
+          <a:p>
+            <a:pPr>
+              <a:defRPr/>
+            </a:pPr>
+            <a:fld id="{6239FDA4-428D-44A1-82B9-D2336C52F261}" type="datetimeFigureOut">
+              <a:rPr lang="pl-PL"/>
+              <a:pPr>
+                <a:defRPr/>
+              </a:pPr>
               <a:t>2014-01-21</a:t>
             </a:fld>
             <a:endParaRPr lang="pl-PL"/>
@@ -1199,42 +1605,59 @@
       </p:sp>
       <p:sp>
         <p:nvSpPr>
-          <p:cNvPr id="8" name="Slide Number Placeholder 7"/>
-          <p:cNvSpPr>
-            <a:spLocks noGrp="1"/>
-          </p:cNvSpPr>
-          <p:nvPr>
-            <p:ph type="sldNum" sz="quarter" idx="11"/>
+          <p:cNvPr id="5" name="Footer Placeholder 4"/>
+          <p:cNvSpPr>
+            <a:spLocks noGrp="1"/>
+          </p:cNvSpPr>
+          <p:nvPr>
+            <p:ph type="ftr" sz="quarter" idx="11"/>
           </p:nvPr>
         </p:nvSpPr>
         <p:spPr/>
         <p:txBody>
           <a:bodyPr/>
-          <a:lstStyle/>
-          <a:p>
-            <a:fld id="{477864F3-BF77-4663-A3CF-227649BA0A83}" type="slidenum">
-              <a:rPr lang="pl-PL" smtClean="0"/>
+          <a:lstStyle>
+            <a:lvl1pPr>
+              <a:defRPr/>
+            </a:lvl1pPr>
+          </a:lstStyle>
+          <a:p>
+            <a:pPr>
+              <a:defRPr/>
+            </a:pPr>
+            <a:endParaRPr lang="pl-PL"/>
+          </a:p>
+        </p:txBody>
+      </p:sp>
+      <p:sp>
+        <p:nvSpPr>
+          <p:cNvPr id="6" name="Slide Number Placeholder 5"/>
+          <p:cNvSpPr>
+            <a:spLocks noGrp="1"/>
+          </p:cNvSpPr>
+          <p:nvPr>
+            <p:ph type="sldNum" sz="quarter" idx="12"/>
+          </p:nvPr>
+        </p:nvSpPr>
+        <p:spPr/>
+        <p:txBody>
+          <a:bodyPr/>
+          <a:lstStyle>
+            <a:lvl1pPr>
+              <a:defRPr/>
+            </a:lvl1pPr>
+          </a:lstStyle>
+          <a:p>
+            <a:pPr>
+              <a:defRPr/>
+            </a:pPr>
+            <a:fld id="{BB836305-F72D-48FD-9C71-8E1DEE557A25}" type="slidenum">
+              <a:rPr lang="pl-PL"/>
+              <a:pPr>
+                <a:defRPr/>
+              </a:pPr>
               <a:t>‹#›</a:t>
             </a:fld>
-            <a:endParaRPr lang="pl-PL"/>
-          </a:p>
-        </p:txBody>
-      </p:sp>
-      <p:sp>
-        <p:nvSpPr>
-          <p:cNvPr id="9" name="Footer Placeholder 8"/>
-          <p:cNvSpPr>
-            <a:spLocks noGrp="1"/>
-          </p:cNvSpPr>
-          <p:nvPr>
-            <p:ph type="ftr" sz="quarter" idx="12"/>
-          </p:nvPr>
-        </p:nvSpPr>
-        <p:spPr/>
-        <p:txBody>
-          <a:bodyPr/>
-          <a:lstStyle/>
-          <a:p>
             <a:endParaRPr lang="pl-PL"/>
           </a:p>
         </p:txBody>
@@ -1244,14 +1667,7 @@
   <p:clrMapOvr>
     <a:masterClrMapping/>
   </p:clrMapOvr>
-  <mc:AlternateContent xmlns:mc="http://schemas.openxmlformats.org/markup-compatibility/2006">
-    <mc:Choice xmlns:p14="http://schemas.microsoft.com/office/powerpoint/2010/main" Requires="p14">
-      <p:transition p14:dur="10"/>
-    </mc:Choice>
-    <mc:Fallback>
-      <p:transition/>
-    </mc:Fallback>
-  </mc:AlternateContent>
+  <p:transition/>
 </p:sldLayout>
 </file>
 
@@ -1467,7 +1883,7 @@
       </p:sp>
       <p:sp>
         <p:nvSpPr>
-          <p:cNvPr id="5" name="Date Placeholder 4"/>
+          <p:cNvPr id="5" name="Date Placeholder 3"/>
           <p:cNvSpPr>
             <a:spLocks noGrp="1"/>
           </p:cNvSpPr>
@@ -1478,10 +1894,20 @@
         <p:spPr/>
         <p:txBody>
           <a:bodyPr/>
-          <a:lstStyle/>
-          <a:p>
-            <a:fld id="{1E9A37FB-873B-49EF-ABF9-7D09E6B3C862}" type="datetimeFigureOut">
-              <a:rPr lang="pl-PL" smtClean="0"/>
+          <a:lstStyle>
+            <a:lvl1pPr>
+              <a:defRPr/>
+            </a:lvl1pPr>
+          </a:lstStyle>
+          <a:p>
+            <a:pPr>
+              <a:defRPr/>
+            </a:pPr>
+            <a:fld id="{14EA5A56-2791-47A0-B1C4-77396D886DFD}" type="datetimeFigureOut">
+              <a:rPr lang="pl-PL"/>
+              <a:pPr>
+                <a:defRPr/>
+              </a:pPr>
               <a:t>2014-01-21</a:t>
             </a:fld>
             <a:endParaRPr lang="pl-PL"/>
@@ -1490,7 +1916,7 @@
       </p:sp>
       <p:sp>
         <p:nvSpPr>
-          <p:cNvPr id="6" name="Footer Placeholder 5"/>
+          <p:cNvPr id="6" name="Footer Placeholder 4"/>
           <p:cNvSpPr>
             <a:spLocks noGrp="1"/>
           </p:cNvSpPr>
@@ -1501,15 +1927,22 @@
         <p:spPr/>
         <p:txBody>
           <a:bodyPr/>
-          <a:lstStyle/>
-          <a:p>
+          <a:lstStyle>
+            <a:lvl1pPr>
+              <a:defRPr/>
+            </a:lvl1pPr>
+          </a:lstStyle>
+          <a:p>
+            <a:pPr>
+              <a:defRPr/>
+            </a:pPr>
             <a:endParaRPr lang="pl-PL"/>
           </a:p>
         </p:txBody>
       </p:sp>
       <p:sp>
         <p:nvSpPr>
-          <p:cNvPr id="7" name="Slide Number Placeholder 6"/>
+          <p:cNvPr id="7" name="Slide Number Placeholder 5"/>
           <p:cNvSpPr>
             <a:spLocks noGrp="1"/>
           </p:cNvSpPr>
@@ -1520,10 +1953,20 @@
         <p:spPr/>
         <p:txBody>
           <a:bodyPr/>
-          <a:lstStyle/>
-          <a:p>
-            <a:fld id="{477864F3-BF77-4663-A3CF-227649BA0A83}" type="slidenum">
-              <a:rPr lang="pl-PL" smtClean="0"/>
+          <a:lstStyle>
+            <a:lvl1pPr>
+              <a:defRPr/>
+            </a:lvl1pPr>
+          </a:lstStyle>
+          <a:p>
+            <a:pPr>
+              <a:defRPr/>
+            </a:pPr>
+            <a:fld id="{F255C942-45FB-4A49-8E0A-BB8E2C8D847F}" type="slidenum">
+              <a:rPr lang="pl-PL"/>
+              <a:pPr>
+                <a:defRPr/>
+              </a:pPr>
               <a:t>‹#›</a:t>
             </a:fld>
             <a:endParaRPr lang="pl-PL"/>
@@ -1535,14 +1978,7 @@
   <p:clrMapOvr>
     <a:masterClrMapping/>
   </p:clrMapOvr>
-  <mc:AlternateContent xmlns:mc="http://schemas.openxmlformats.org/markup-compatibility/2006">
-    <mc:Choice xmlns:p14="http://schemas.microsoft.com/office/powerpoint/2010/main" Requires="p14">
-      <p:transition p14:dur="10"/>
-    </mc:Choice>
-    <mc:Fallback>
-      <p:transition/>
-    </mc:Fallback>
-  </mc:AlternateContent>
+  <p:transition/>
 </p:sldLayout>
 </file>
 
@@ -1813,13 +2249,7 @@
             </a:lvl9pPr>
           </a:lstStyle>
           <a:p>
-            <a:pPr marL="0" lvl="0" indent="0" algn="l" defTabSz="914400" rtl="0" eaLnBrk="1" latinLnBrk="0" hangingPunct="1">
-              <a:spcBef>
-                <a:spcPct val="20000"/>
-              </a:spcBef>
-              <a:buFont typeface="Arial" pitchFamily="34" charset="0"/>
-              <a:buNone/>
-            </a:pPr>
+            <a:pPr lvl="0"/>
             <a:r>
               <a:rPr lang="pl-PL" smtClean="0"/>
               <a:t>Kliknij, aby edytować style wzorca tekstu</a:t>
@@ -1914,7 +2344,7 @@
       </p:sp>
       <p:sp>
         <p:nvSpPr>
-          <p:cNvPr id="7" name="Date Placeholder 6"/>
+          <p:cNvPr id="7" name="Date Placeholder 3"/>
           <p:cNvSpPr>
             <a:spLocks noGrp="1"/>
           </p:cNvSpPr>
@@ -1925,10 +2355,20 @@
         <p:spPr/>
         <p:txBody>
           <a:bodyPr/>
-          <a:lstStyle/>
-          <a:p>
-            <a:fld id="{1E9A37FB-873B-49EF-ABF9-7D09E6B3C862}" type="datetimeFigureOut">
-              <a:rPr lang="pl-PL" smtClean="0"/>
+          <a:lstStyle>
+            <a:lvl1pPr>
+              <a:defRPr/>
+            </a:lvl1pPr>
+          </a:lstStyle>
+          <a:p>
+            <a:pPr>
+              <a:defRPr/>
+            </a:pPr>
+            <a:fld id="{83D13049-61C6-4DDF-92E7-E6DF392F3800}" type="datetimeFigureOut">
+              <a:rPr lang="pl-PL"/>
+              <a:pPr>
+                <a:defRPr/>
+              </a:pPr>
               <a:t>2014-01-21</a:t>
             </a:fld>
             <a:endParaRPr lang="pl-PL"/>
@@ -1937,7 +2377,7 @@
       </p:sp>
       <p:sp>
         <p:nvSpPr>
-          <p:cNvPr id="8" name="Footer Placeholder 7"/>
+          <p:cNvPr id="8" name="Footer Placeholder 4"/>
           <p:cNvSpPr>
             <a:spLocks noGrp="1"/>
           </p:cNvSpPr>
@@ -1948,15 +2388,22 @@
         <p:spPr/>
         <p:txBody>
           <a:bodyPr/>
-          <a:lstStyle/>
-          <a:p>
+          <a:lstStyle>
+            <a:lvl1pPr>
+              <a:defRPr/>
+            </a:lvl1pPr>
+          </a:lstStyle>
+          <a:p>
+            <a:pPr>
+              <a:defRPr/>
+            </a:pPr>
             <a:endParaRPr lang="pl-PL"/>
           </a:p>
         </p:txBody>
       </p:sp>
       <p:sp>
         <p:nvSpPr>
-          <p:cNvPr id="9" name="Slide Number Placeholder 8"/>
+          <p:cNvPr id="9" name="Slide Number Placeholder 5"/>
           <p:cNvSpPr>
             <a:spLocks noGrp="1"/>
           </p:cNvSpPr>
@@ -1967,10 +2414,20 @@
         <p:spPr/>
         <p:txBody>
           <a:bodyPr/>
-          <a:lstStyle/>
-          <a:p>
-            <a:fld id="{477864F3-BF77-4663-A3CF-227649BA0A83}" type="slidenum">
-              <a:rPr lang="pl-PL" smtClean="0"/>
+          <a:lstStyle>
+            <a:lvl1pPr>
+              <a:defRPr/>
+            </a:lvl1pPr>
+          </a:lstStyle>
+          <a:p>
+            <a:pPr>
+              <a:defRPr/>
+            </a:pPr>
+            <a:fld id="{C8CEC779-D24A-43D3-95F9-E1045E90AAE2}" type="slidenum">
+              <a:rPr lang="pl-PL"/>
+              <a:pPr>
+                <a:defRPr/>
+              </a:pPr>
               <a:t>‹#›</a:t>
             </a:fld>
             <a:endParaRPr lang="pl-PL"/>
@@ -1982,14 +2439,7 @@
   <p:clrMapOvr>
     <a:masterClrMapping/>
   </p:clrMapOvr>
-  <mc:AlternateContent xmlns:mc="http://schemas.openxmlformats.org/markup-compatibility/2006">
-    <mc:Choice xmlns:p14="http://schemas.microsoft.com/office/powerpoint/2010/main" Requires="p14">
-      <p:transition p14:dur="10"/>
-    </mc:Choice>
-    <mc:Fallback>
-      <p:transition/>
-    </mc:Fallback>
-  </mc:AlternateContent>
+  <p:transition/>
 </p:sldLayout>
 </file>
 
@@ -2035,7 +2485,7 @@
       </p:sp>
       <p:sp>
         <p:nvSpPr>
-          <p:cNvPr id="3" name="Date Placeholder 2"/>
+          <p:cNvPr id="3" name="Date Placeholder 3"/>
           <p:cNvSpPr>
             <a:spLocks noGrp="1"/>
           </p:cNvSpPr>
@@ -2046,10 +2496,20 @@
         <p:spPr/>
         <p:txBody>
           <a:bodyPr/>
-          <a:lstStyle/>
-          <a:p>
-            <a:fld id="{1E9A37FB-873B-49EF-ABF9-7D09E6B3C862}" type="datetimeFigureOut">
-              <a:rPr lang="pl-PL" smtClean="0"/>
+          <a:lstStyle>
+            <a:lvl1pPr>
+              <a:defRPr/>
+            </a:lvl1pPr>
+          </a:lstStyle>
+          <a:p>
+            <a:pPr>
+              <a:defRPr/>
+            </a:pPr>
+            <a:fld id="{3289B6A5-F448-4C72-99B5-398AC7F2F5FC}" type="datetimeFigureOut">
+              <a:rPr lang="pl-PL"/>
+              <a:pPr>
+                <a:defRPr/>
+              </a:pPr>
               <a:t>2014-01-21</a:t>
             </a:fld>
             <a:endParaRPr lang="pl-PL"/>
@@ -2058,7 +2518,7 @@
       </p:sp>
       <p:sp>
         <p:nvSpPr>
-          <p:cNvPr id="4" name="Footer Placeholder 3"/>
+          <p:cNvPr id="4" name="Footer Placeholder 4"/>
           <p:cNvSpPr>
             <a:spLocks noGrp="1"/>
           </p:cNvSpPr>
@@ -2069,15 +2529,22 @@
         <p:spPr/>
         <p:txBody>
           <a:bodyPr/>
-          <a:lstStyle/>
-          <a:p>
+          <a:lstStyle>
+            <a:lvl1pPr>
+              <a:defRPr/>
+            </a:lvl1pPr>
+          </a:lstStyle>
+          <a:p>
+            <a:pPr>
+              <a:defRPr/>
+            </a:pPr>
             <a:endParaRPr lang="pl-PL"/>
           </a:p>
         </p:txBody>
       </p:sp>
       <p:sp>
         <p:nvSpPr>
-          <p:cNvPr id="5" name="Slide Number Placeholder 4"/>
+          <p:cNvPr id="5" name="Slide Number Placeholder 5"/>
           <p:cNvSpPr>
             <a:spLocks noGrp="1"/>
           </p:cNvSpPr>
@@ -2088,10 +2555,20 @@
         <p:spPr/>
         <p:txBody>
           <a:bodyPr/>
-          <a:lstStyle/>
-          <a:p>
-            <a:fld id="{477864F3-BF77-4663-A3CF-227649BA0A83}" type="slidenum">
-              <a:rPr lang="pl-PL" smtClean="0"/>
+          <a:lstStyle>
+            <a:lvl1pPr>
+              <a:defRPr/>
+            </a:lvl1pPr>
+          </a:lstStyle>
+          <a:p>
+            <a:pPr>
+              <a:defRPr/>
+            </a:pPr>
+            <a:fld id="{2BFDFD63-81FF-457B-B5F0-F0F62D2E8056}" type="slidenum">
+              <a:rPr lang="pl-PL"/>
+              <a:pPr>
+                <a:defRPr/>
+              </a:pPr>
               <a:t>‹#›</a:t>
             </a:fld>
             <a:endParaRPr lang="pl-PL"/>
@@ -2103,14 +2580,7 @@
   <p:clrMapOvr>
     <a:masterClrMapping/>
   </p:clrMapOvr>
-  <mc:AlternateContent xmlns:mc="http://schemas.openxmlformats.org/markup-compatibility/2006">
-    <mc:Choice xmlns:p14="http://schemas.microsoft.com/office/powerpoint/2010/main" Requires="p14">
-      <p:transition p14:dur="10"/>
-    </mc:Choice>
-    <mc:Fallback>
-      <p:transition/>
-    </mc:Fallback>
-  </mc:AlternateContent>
+  <p:transition/>
 </p:sldLayout>
 </file>
 
@@ -2133,7 +2603,7 @@
       </p:grpSpPr>
       <p:sp>
         <p:nvSpPr>
-          <p:cNvPr id="2" name="Date Placeholder 1"/>
+          <p:cNvPr id="2" name="Date Placeholder 3"/>
           <p:cNvSpPr>
             <a:spLocks noGrp="1"/>
           </p:cNvSpPr>
@@ -2144,10 +2614,20 @@
         <p:spPr/>
         <p:txBody>
           <a:bodyPr/>
-          <a:lstStyle/>
-          <a:p>
-            <a:fld id="{1E9A37FB-873B-49EF-ABF9-7D09E6B3C862}" type="datetimeFigureOut">
-              <a:rPr lang="pl-PL" smtClean="0"/>
+          <a:lstStyle>
+            <a:lvl1pPr>
+              <a:defRPr/>
+            </a:lvl1pPr>
+          </a:lstStyle>
+          <a:p>
+            <a:pPr>
+              <a:defRPr/>
+            </a:pPr>
+            <a:fld id="{B71AB937-AFB6-4587-990F-263C78E36F80}" type="datetimeFigureOut">
+              <a:rPr lang="pl-PL"/>
+              <a:pPr>
+                <a:defRPr/>
+              </a:pPr>
               <a:t>2014-01-21</a:t>
             </a:fld>
             <a:endParaRPr lang="pl-PL"/>
@@ -2156,7 +2636,7 @@
       </p:sp>
       <p:sp>
         <p:nvSpPr>
-          <p:cNvPr id="3" name="Footer Placeholder 2"/>
+          <p:cNvPr id="3" name="Footer Placeholder 4"/>
           <p:cNvSpPr>
             <a:spLocks noGrp="1"/>
           </p:cNvSpPr>
@@ -2167,15 +2647,22 @@
         <p:spPr/>
         <p:txBody>
           <a:bodyPr/>
-          <a:lstStyle/>
-          <a:p>
+          <a:lstStyle>
+            <a:lvl1pPr>
+              <a:defRPr/>
+            </a:lvl1pPr>
+          </a:lstStyle>
+          <a:p>
+            <a:pPr>
+              <a:defRPr/>
+            </a:pPr>
             <a:endParaRPr lang="pl-PL"/>
           </a:p>
         </p:txBody>
       </p:sp>
       <p:sp>
         <p:nvSpPr>
-          <p:cNvPr id="4" name="Slide Number Placeholder 3"/>
+          <p:cNvPr id="4" name="Slide Number Placeholder 5"/>
           <p:cNvSpPr>
             <a:spLocks noGrp="1"/>
           </p:cNvSpPr>
@@ -2186,10 +2673,20 @@
         <p:spPr/>
         <p:txBody>
           <a:bodyPr/>
-          <a:lstStyle/>
-          <a:p>
-            <a:fld id="{477864F3-BF77-4663-A3CF-227649BA0A83}" type="slidenum">
-              <a:rPr lang="pl-PL" smtClean="0"/>
+          <a:lstStyle>
+            <a:lvl1pPr>
+              <a:defRPr/>
+            </a:lvl1pPr>
+          </a:lstStyle>
+          <a:p>
+            <a:pPr>
+              <a:defRPr/>
+            </a:pPr>
+            <a:fld id="{72020034-A541-4CF7-BF9C-0A31324026B8}" type="slidenum">
+              <a:rPr lang="pl-PL"/>
+              <a:pPr>
+                <a:defRPr/>
+              </a:pPr>
               <a:t>‹#›</a:t>
             </a:fld>
             <a:endParaRPr lang="pl-PL"/>
@@ -2201,14 +2698,7 @@
   <p:clrMapOvr>
     <a:masterClrMapping/>
   </p:clrMapOvr>
-  <mc:AlternateContent xmlns:mc="http://schemas.openxmlformats.org/markup-compatibility/2006">
-    <mc:Choice xmlns:p14="http://schemas.microsoft.com/office/powerpoint/2010/main" Requires="p14">
-      <p:transition p14:dur="10"/>
-    </mc:Choice>
-    <mc:Fallback>
-      <p:transition/>
-    </mc:Fallback>
-  </mc:AlternateContent>
+  <p:transition/>
 </p:sldLayout>
 </file>
 
@@ -2383,12 +2873,12 @@
       </p:sp>
       <p:sp>
         <p:nvSpPr>
-          <p:cNvPr id="5" name="Date Placeholder 4"/>
-          <p:cNvSpPr>
-            <a:spLocks noGrp="1"/>
-          </p:cNvSpPr>
-          <p:nvPr>
-            <p:ph type="dt" sz="half" idx="10"/>
+          <p:cNvPr id="8" name="Title 7"/>
+          <p:cNvSpPr>
+            <a:spLocks noGrp="1"/>
+          </p:cNvSpPr>
+          <p:nvPr>
+            <p:ph type="title"/>
           </p:nvPr>
         </p:nvSpPr>
         <p:spPr/>
@@ -2396,8 +2886,41 @@
           <a:bodyPr/>
           <a:lstStyle/>
           <a:p>
-            <a:fld id="{1E9A37FB-873B-49EF-ABF9-7D09E6B3C862}" type="datetimeFigureOut">
-              <a:rPr lang="pl-PL" smtClean="0"/>
+            <a:r>
+              <a:rPr lang="pl-PL" smtClean="0"/>
+              <a:t>Kliknij, aby edytować styl</a:t>
+            </a:r>
+            <a:endParaRPr lang="en-US"/>
+          </a:p>
+        </p:txBody>
+      </p:sp>
+      <p:sp>
+        <p:nvSpPr>
+          <p:cNvPr id="5" name="Date Placeholder 3"/>
+          <p:cNvSpPr>
+            <a:spLocks noGrp="1"/>
+          </p:cNvSpPr>
+          <p:nvPr>
+            <p:ph type="dt" sz="half" idx="10"/>
+          </p:nvPr>
+        </p:nvSpPr>
+        <p:spPr/>
+        <p:txBody>
+          <a:bodyPr/>
+          <a:lstStyle>
+            <a:lvl1pPr>
+              <a:defRPr/>
+            </a:lvl1pPr>
+          </a:lstStyle>
+          <a:p>
+            <a:pPr>
+              <a:defRPr/>
+            </a:pPr>
+            <a:fld id="{FEADED59-6967-411E-85B8-6B5051D6706C}" type="datetimeFigureOut">
+              <a:rPr lang="pl-PL"/>
+              <a:pPr>
+                <a:defRPr/>
+              </a:pPr>
               <a:t>2014-01-21</a:t>
             </a:fld>
             <a:endParaRPr lang="pl-PL"/>
@@ -2406,7 +2929,7 @@
       </p:sp>
       <p:sp>
         <p:nvSpPr>
-          <p:cNvPr id="6" name="Footer Placeholder 5"/>
+          <p:cNvPr id="6" name="Footer Placeholder 4"/>
           <p:cNvSpPr>
             <a:spLocks noGrp="1"/>
           </p:cNvSpPr>
@@ -2417,15 +2940,22 @@
         <p:spPr/>
         <p:txBody>
           <a:bodyPr/>
-          <a:lstStyle/>
-          <a:p>
+          <a:lstStyle>
+            <a:lvl1pPr>
+              <a:defRPr/>
+            </a:lvl1pPr>
+          </a:lstStyle>
+          <a:p>
+            <a:pPr>
+              <a:defRPr/>
+            </a:pPr>
             <a:endParaRPr lang="pl-PL"/>
           </a:p>
         </p:txBody>
       </p:sp>
       <p:sp>
         <p:nvSpPr>
-          <p:cNvPr id="7" name="Slide Number Placeholder 6"/>
+          <p:cNvPr id="7" name="Slide Number Placeholder 5"/>
           <p:cNvSpPr>
             <a:spLocks noGrp="1"/>
           </p:cNvSpPr>
@@ -2436,36 +2966,23 @@
         <p:spPr/>
         <p:txBody>
           <a:bodyPr/>
-          <a:lstStyle/>
-          <a:p>
-            <a:fld id="{477864F3-BF77-4663-A3CF-227649BA0A83}" type="slidenum">
-              <a:rPr lang="pl-PL" smtClean="0"/>
+          <a:lstStyle>
+            <a:lvl1pPr>
+              <a:defRPr/>
+            </a:lvl1pPr>
+          </a:lstStyle>
+          <a:p>
+            <a:pPr>
+              <a:defRPr/>
+            </a:pPr>
+            <a:fld id="{F10AE5C0-EE66-4102-8E54-E150306955CF}" type="slidenum">
+              <a:rPr lang="pl-PL"/>
+              <a:pPr>
+                <a:defRPr/>
+              </a:pPr>
               <a:t>‹#›</a:t>
             </a:fld>
             <a:endParaRPr lang="pl-PL"/>
-          </a:p>
-        </p:txBody>
-      </p:sp>
-      <p:sp>
-        <p:nvSpPr>
-          <p:cNvPr id="8" name="Title 7"/>
-          <p:cNvSpPr>
-            <a:spLocks noGrp="1"/>
-          </p:cNvSpPr>
-          <p:nvPr>
-            <p:ph type="title"/>
-          </p:nvPr>
-        </p:nvSpPr>
-        <p:spPr/>
-        <p:txBody>
-          <a:bodyPr/>
-          <a:lstStyle/>
-          <a:p>
-            <a:r>
-              <a:rPr lang="pl-PL" smtClean="0"/>
-              <a:t>Kliknij, aby edytować styl</a:t>
-            </a:r>
-            <a:endParaRPr lang="en-US"/>
           </a:p>
         </p:txBody>
       </p:sp>
@@ -2474,14 +2991,7 @@
   <p:clrMapOvr>
     <a:masterClrMapping/>
   </p:clrMapOvr>
-  <mc:AlternateContent xmlns:mc="http://schemas.openxmlformats.org/markup-compatibility/2006">
-    <mc:Choice xmlns:p14="http://schemas.microsoft.com/office/powerpoint/2010/main" Requires="p14">
-      <p:transition p14:dur="10"/>
-    </mc:Choice>
-    <mc:Fallback>
-      <p:transition/>
-    </mc:Fallback>
-  </mc:AlternateContent>
+  <p:transition/>
 </p:sldLayout>
 </file>
 
@@ -2504,14 +3014,14 @@
       </p:grpSpPr>
       <p:sp>
         <p:nvSpPr>
-          <p:cNvPr id="9" name="Rectangle 8"/>
+          <p:cNvPr id="5" name="Rectangle 8"/>
           <p:cNvSpPr/>
           <p:nvPr/>
         </p:nvSpPr>
         <p:spPr>
           <a:xfrm>
-            <a:off x="9001124" y="4846320"/>
-            <a:ext cx="142876" cy="2011680"/>
+            <a:off x="9001125" y="4846638"/>
+            <a:ext cx="142875" cy="2011362"/>
           </a:xfrm>
           <a:prstGeom prst="rect">
             <a:avLst/>
@@ -2540,266 +3050,32 @@
           </a:fontRef>
         </p:style>
         <p:txBody>
-          <a:bodyPr rtlCol="0" anchor="ctr"/>
+          <a:bodyPr anchor="ctr"/>
           <a:lstStyle/>
           <a:p>
-            <a:pPr algn="ctr"/>
+            <a:pPr algn="ctr" fontAlgn="auto">
+              <a:spcBef>
+                <a:spcPts val="0"/>
+              </a:spcBef>
+              <a:spcAft>
+                <a:spcPts val="0"/>
+              </a:spcAft>
+              <a:defRPr/>
+            </a:pPr>
             <a:endParaRPr lang="en-US"/>
           </a:p>
         </p:txBody>
       </p:sp>
       <p:sp>
         <p:nvSpPr>
-          <p:cNvPr id="3" name="Picture Placeholder 2"/>
-          <p:cNvSpPr>
-            <a:spLocks noGrp="1"/>
-          </p:cNvSpPr>
-          <p:nvPr>
-            <p:ph type="pic" idx="1"/>
-          </p:nvPr>
+          <p:cNvPr id="6" name="Rectangle 9"/>
+          <p:cNvSpPr/>
+          <p:nvPr/>
         </p:nvSpPr>
         <p:spPr>
           <a:xfrm>
-            <a:off x="-1" y="0"/>
-            <a:ext cx="9000877" cy="4846320"/>
-          </a:xfrm>
-          <a:solidFill>
-            <a:schemeClr val="bg1">
-              <a:lumMod val="75000"/>
-            </a:schemeClr>
-          </a:solidFill>
-        </p:spPr>
-        <p:txBody>
-          <a:bodyPr/>
-          <a:lstStyle>
-            <a:lvl1pPr marL="0" indent="0">
-              <a:buNone/>
-              <a:defRPr sz="3200"/>
-            </a:lvl1pPr>
-            <a:lvl2pPr marL="457200" indent="0">
-              <a:buNone/>
-              <a:defRPr sz="2800"/>
-            </a:lvl2pPr>
-            <a:lvl3pPr marL="914400" indent="0">
-              <a:buNone/>
-              <a:defRPr sz="2400"/>
-            </a:lvl3pPr>
-            <a:lvl4pPr marL="1371600" indent="0">
-              <a:buNone/>
-              <a:defRPr sz="2000"/>
-            </a:lvl4pPr>
-            <a:lvl5pPr marL="1828800" indent="0">
-              <a:buNone/>
-              <a:defRPr sz="2000"/>
-            </a:lvl5pPr>
-            <a:lvl6pPr marL="2286000" indent="0">
-              <a:buNone/>
-              <a:defRPr sz="2000"/>
-            </a:lvl6pPr>
-            <a:lvl7pPr marL="2743200" indent="0">
-              <a:buNone/>
-              <a:defRPr sz="2000"/>
-            </a:lvl7pPr>
-            <a:lvl8pPr marL="3200400" indent="0">
-              <a:buNone/>
-              <a:defRPr sz="2000"/>
-            </a:lvl8pPr>
-            <a:lvl9pPr marL="3657600" indent="0">
-              <a:buNone/>
-              <a:defRPr sz="2000"/>
-            </a:lvl9pPr>
-          </a:lstStyle>
-          <a:p>
-            <a:r>
-              <a:rPr lang="pl-PL" smtClean="0"/>
-              <a:t>Kliknij ikonę, aby dodać obraz</a:t>
-            </a:r>
-            <a:endParaRPr lang="en-US"/>
-          </a:p>
-        </p:txBody>
-      </p:sp>
-      <p:sp>
-        <p:nvSpPr>
-          <p:cNvPr id="4" name="Text Placeholder 3"/>
-          <p:cNvSpPr>
-            <a:spLocks noGrp="1"/>
-          </p:cNvSpPr>
-          <p:nvPr>
-            <p:ph type="body" sz="half" idx="2"/>
-          </p:nvPr>
-        </p:nvSpPr>
-        <p:spPr>
-          <a:xfrm>
-            <a:off x="457200" y="5715000"/>
-            <a:ext cx="8153400" cy="457200"/>
-          </a:xfrm>
-        </p:spPr>
-        <p:txBody>
-          <a:bodyPr/>
-          <a:lstStyle>
-            <a:lvl1pPr marL="0" indent="0">
-              <a:buNone/>
-              <a:defRPr sz="1600"/>
-            </a:lvl1pPr>
-            <a:lvl2pPr marL="457200" indent="0">
-              <a:buNone/>
-              <a:defRPr sz="1200"/>
-            </a:lvl2pPr>
-            <a:lvl3pPr marL="914400" indent="0">
-              <a:buNone/>
-              <a:defRPr sz="1000"/>
-            </a:lvl3pPr>
-            <a:lvl4pPr marL="1371600" indent="0">
-              <a:buNone/>
-              <a:defRPr sz="900"/>
-            </a:lvl4pPr>
-            <a:lvl5pPr marL="1828800" indent="0">
-              <a:buNone/>
-              <a:defRPr sz="900"/>
-            </a:lvl5pPr>
-            <a:lvl6pPr marL="2286000" indent="0">
-              <a:buNone/>
-              <a:defRPr sz="900"/>
-            </a:lvl6pPr>
-            <a:lvl7pPr marL="2743200" indent="0">
-              <a:buNone/>
-              <a:defRPr sz="900"/>
-            </a:lvl7pPr>
-            <a:lvl8pPr marL="3200400" indent="0">
-              <a:buNone/>
-              <a:defRPr sz="900"/>
-            </a:lvl8pPr>
-            <a:lvl9pPr marL="3657600" indent="0">
-              <a:buNone/>
-              <a:defRPr sz="900"/>
-            </a:lvl9pPr>
-          </a:lstStyle>
-          <a:p>
-            <a:pPr lvl="0"/>
-            <a:r>
-              <a:rPr lang="pl-PL" smtClean="0"/>
-              <a:t>Kliknij, aby edytować style wzorca tekstu</a:t>
-            </a:r>
-          </a:p>
-        </p:txBody>
-      </p:sp>
-      <p:sp>
-        <p:nvSpPr>
-          <p:cNvPr id="5" name="Date Placeholder 4"/>
-          <p:cNvSpPr>
-            <a:spLocks noGrp="1"/>
-          </p:cNvSpPr>
-          <p:nvPr>
-            <p:ph type="dt" sz="half" idx="10"/>
-          </p:nvPr>
-        </p:nvSpPr>
-        <p:spPr/>
-        <p:txBody>
-          <a:bodyPr/>
-          <a:lstStyle/>
-          <a:p>
-            <a:fld id="{1E9A37FB-873B-49EF-ABF9-7D09E6B3C862}" type="datetimeFigureOut">
-              <a:rPr lang="pl-PL" smtClean="0"/>
-              <a:t>2014-01-21</a:t>
-            </a:fld>
-            <a:endParaRPr lang="pl-PL"/>
-          </a:p>
-        </p:txBody>
-      </p:sp>
-      <p:sp>
-        <p:nvSpPr>
-          <p:cNvPr id="6" name="Footer Placeholder 5"/>
-          <p:cNvSpPr>
-            <a:spLocks noGrp="1"/>
-          </p:cNvSpPr>
-          <p:nvPr>
-            <p:ph type="ftr" sz="quarter" idx="11"/>
-          </p:nvPr>
-        </p:nvSpPr>
-        <p:spPr/>
-        <p:txBody>
-          <a:bodyPr/>
-          <a:lstStyle/>
-          <a:p>
-            <a:endParaRPr lang="pl-PL"/>
-          </a:p>
-        </p:txBody>
-      </p:sp>
-      <p:sp>
-        <p:nvSpPr>
-          <p:cNvPr id="7" name="Slide Number Placeholder 6"/>
-          <p:cNvSpPr>
-            <a:spLocks noGrp="1"/>
-          </p:cNvSpPr>
-          <p:nvPr>
-            <p:ph type="sldNum" sz="quarter" idx="12"/>
-          </p:nvPr>
-        </p:nvSpPr>
-        <p:spPr/>
-        <p:txBody>
-          <a:bodyPr/>
-          <a:lstStyle>
-            <a:lvl1pPr>
-              <a:defRPr>
-                <a:solidFill>
-                  <a:schemeClr val="tx1"/>
-                </a:solidFill>
-              </a:defRPr>
-            </a:lvl1pPr>
-          </a:lstStyle>
-          <a:p>
-            <a:fld id="{477864F3-BF77-4663-A3CF-227649BA0A83}" type="slidenum">
-              <a:rPr lang="pl-PL" smtClean="0"/>
-              <a:t>‹#›</a:t>
-            </a:fld>
-            <a:endParaRPr lang="pl-PL"/>
-          </a:p>
-        </p:txBody>
-      </p:sp>
-      <p:sp>
-        <p:nvSpPr>
-          <p:cNvPr id="8" name="Title 7"/>
-          <p:cNvSpPr>
-            <a:spLocks noGrp="1"/>
-          </p:cNvSpPr>
-          <p:nvPr>
-            <p:ph type="title"/>
-          </p:nvPr>
-        </p:nvSpPr>
-        <p:spPr>
-          <a:xfrm>
-            <a:off x="457200" y="4953000"/>
-            <a:ext cx="8153400" cy="762000"/>
-          </a:xfrm>
-        </p:spPr>
-        <p:txBody>
-          <a:bodyPr anchor="t">
-            <a:normAutofit/>
-          </a:bodyPr>
-          <a:lstStyle>
-            <a:lvl1pPr>
-              <a:defRPr sz="3200"/>
-            </a:lvl1pPr>
-          </a:lstStyle>
-          <a:p>
-            <a:r>
-              <a:rPr lang="pl-PL" smtClean="0"/>
-              <a:t>Kliknij, aby edytować styl</a:t>
-            </a:r>
-            <a:endParaRPr lang="en-US" dirty="0"/>
-          </a:p>
-        </p:txBody>
-      </p:sp>
-      <p:sp>
-        <p:nvSpPr>
-          <p:cNvPr id="10" name="Rectangle 9"/>
-          <p:cNvSpPr/>
-          <p:nvPr/>
-        </p:nvSpPr>
-        <p:spPr>
-          <a:xfrm>
-            <a:off x="9001124" y="0"/>
-            <a:ext cx="142876" cy="4846320"/>
+            <a:off x="9001125" y="0"/>
+            <a:ext cx="142875" cy="4846638"/>
           </a:xfrm>
           <a:prstGeom prst="rect">
             <a:avLst/>
@@ -2828,11 +3104,285 @@
           </a:fontRef>
         </p:style>
         <p:txBody>
-          <a:bodyPr rtlCol="0" anchor="ctr"/>
+          <a:bodyPr anchor="ctr"/>
           <a:lstStyle/>
           <a:p>
-            <a:pPr algn="ctr"/>
+            <a:pPr algn="ctr" fontAlgn="auto">
+              <a:spcBef>
+                <a:spcPts val="0"/>
+              </a:spcBef>
+              <a:spcAft>
+                <a:spcPts val="0"/>
+              </a:spcAft>
+              <a:defRPr/>
+            </a:pPr>
             <a:endParaRPr lang="en-US"/>
+          </a:p>
+        </p:txBody>
+      </p:sp>
+      <p:sp>
+        <p:nvSpPr>
+          <p:cNvPr id="3" name="Picture Placeholder 2"/>
+          <p:cNvSpPr>
+            <a:spLocks noGrp="1"/>
+          </p:cNvSpPr>
+          <p:nvPr>
+            <p:ph type="pic" idx="1"/>
+          </p:nvPr>
+        </p:nvSpPr>
+        <p:spPr>
+          <a:xfrm>
+            <a:off x="-1" y="0"/>
+            <a:ext cx="9000877" cy="4846320"/>
+          </a:xfrm>
+          <a:solidFill>
+            <a:schemeClr val="bg1">
+              <a:lumMod val="75000"/>
+            </a:schemeClr>
+          </a:solidFill>
+        </p:spPr>
+        <p:txBody>
+          <a:bodyPr rtlCol="0">
+            <a:normAutofit/>
+          </a:bodyPr>
+          <a:lstStyle>
+            <a:lvl1pPr marL="0" indent="0">
+              <a:buNone/>
+              <a:defRPr sz="3200"/>
+            </a:lvl1pPr>
+            <a:lvl2pPr marL="457200" indent="0">
+              <a:buNone/>
+              <a:defRPr sz="2800"/>
+            </a:lvl2pPr>
+            <a:lvl3pPr marL="914400" indent="0">
+              <a:buNone/>
+              <a:defRPr sz="2400"/>
+            </a:lvl3pPr>
+            <a:lvl4pPr marL="1371600" indent="0">
+              <a:buNone/>
+              <a:defRPr sz="2000"/>
+            </a:lvl4pPr>
+            <a:lvl5pPr marL="1828800" indent="0">
+              <a:buNone/>
+              <a:defRPr sz="2000"/>
+            </a:lvl5pPr>
+            <a:lvl6pPr marL="2286000" indent="0">
+              <a:buNone/>
+              <a:defRPr sz="2000"/>
+            </a:lvl6pPr>
+            <a:lvl7pPr marL="2743200" indent="0">
+              <a:buNone/>
+              <a:defRPr sz="2000"/>
+            </a:lvl7pPr>
+            <a:lvl8pPr marL="3200400" indent="0">
+              <a:buNone/>
+              <a:defRPr sz="2000"/>
+            </a:lvl8pPr>
+            <a:lvl9pPr marL="3657600" indent="0">
+              <a:buNone/>
+              <a:defRPr sz="2000"/>
+            </a:lvl9pPr>
+          </a:lstStyle>
+          <a:p>
+            <a:pPr lvl="0"/>
+            <a:r>
+              <a:rPr lang="pl-PL" noProof="0" smtClean="0"/>
+              <a:t>Kliknij ikonę, aby dodać obraz</a:t>
+            </a:r>
+            <a:endParaRPr lang="en-US" noProof="0"/>
+          </a:p>
+        </p:txBody>
+      </p:sp>
+      <p:sp>
+        <p:nvSpPr>
+          <p:cNvPr id="4" name="Text Placeholder 3"/>
+          <p:cNvSpPr>
+            <a:spLocks noGrp="1"/>
+          </p:cNvSpPr>
+          <p:nvPr>
+            <p:ph type="body" sz="half" idx="2"/>
+          </p:nvPr>
+        </p:nvSpPr>
+        <p:spPr>
+          <a:xfrm>
+            <a:off x="457200" y="5715000"/>
+            <a:ext cx="8153400" cy="457200"/>
+          </a:xfrm>
+        </p:spPr>
+        <p:txBody>
+          <a:bodyPr/>
+          <a:lstStyle>
+            <a:lvl1pPr marL="0" indent="0">
+              <a:buNone/>
+              <a:defRPr sz="1600"/>
+            </a:lvl1pPr>
+            <a:lvl2pPr marL="457200" indent="0">
+              <a:buNone/>
+              <a:defRPr sz="1200"/>
+            </a:lvl2pPr>
+            <a:lvl3pPr marL="914400" indent="0">
+              <a:buNone/>
+              <a:defRPr sz="1000"/>
+            </a:lvl3pPr>
+            <a:lvl4pPr marL="1371600" indent="0">
+              <a:buNone/>
+              <a:defRPr sz="900"/>
+            </a:lvl4pPr>
+            <a:lvl5pPr marL="1828800" indent="0">
+              <a:buNone/>
+              <a:defRPr sz="900"/>
+            </a:lvl5pPr>
+            <a:lvl6pPr marL="2286000" indent="0">
+              <a:buNone/>
+              <a:defRPr sz="900"/>
+            </a:lvl6pPr>
+            <a:lvl7pPr marL="2743200" indent="0">
+              <a:buNone/>
+              <a:defRPr sz="900"/>
+            </a:lvl7pPr>
+            <a:lvl8pPr marL="3200400" indent="0">
+              <a:buNone/>
+              <a:defRPr sz="900"/>
+            </a:lvl8pPr>
+            <a:lvl9pPr marL="3657600" indent="0">
+              <a:buNone/>
+              <a:defRPr sz="900"/>
+            </a:lvl9pPr>
+          </a:lstStyle>
+          <a:p>
+            <a:pPr lvl="0"/>
+            <a:r>
+              <a:rPr lang="pl-PL" smtClean="0"/>
+              <a:t>Kliknij, aby edytować style wzorca tekstu</a:t>
+            </a:r>
+          </a:p>
+        </p:txBody>
+      </p:sp>
+      <p:sp>
+        <p:nvSpPr>
+          <p:cNvPr id="8" name="Title 7"/>
+          <p:cNvSpPr>
+            <a:spLocks noGrp="1"/>
+          </p:cNvSpPr>
+          <p:nvPr>
+            <p:ph type="title"/>
+          </p:nvPr>
+        </p:nvSpPr>
+        <p:spPr>
+          <a:xfrm>
+            <a:off x="457200" y="4953000"/>
+            <a:ext cx="8153400" cy="762000"/>
+          </a:xfrm>
+        </p:spPr>
+        <p:txBody>
+          <a:bodyPr anchor="t"/>
+          <a:lstStyle>
+            <a:lvl1pPr>
+              <a:defRPr sz="3200"/>
+            </a:lvl1pPr>
+          </a:lstStyle>
+          <a:p>
+            <a:r>
+              <a:rPr lang="pl-PL" smtClean="0"/>
+              <a:t>Kliknij, aby edytować styl</a:t>
+            </a:r>
+            <a:endParaRPr lang="en-US" dirty="0"/>
+          </a:p>
+        </p:txBody>
+      </p:sp>
+      <p:sp>
+        <p:nvSpPr>
+          <p:cNvPr id="7" name="Date Placeholder 4"/>
+          <p:cNvSpPr>
+            <a:spLocks noGrp="1"/>
+          </p:cNvSpPr>
+          <p:nvPr>
+            <p:ph type="dt" sz="half" idx="10"/>
+          </p:nvPr>
+        </p:nvSpPr>
+        <p:spPr/>
+        <p:txBody>
+          <a:bodyPr/>
+          <a:lstStyle>
+            <a:lvl1pPr>
+              <a:defRPr/>
+            </a:lvl1pPr>
+          </a:lstStyle>
+          <a:p>
+            <a:pPr>
+              <a:defRPr/>
+            </a:pPr>
+            <a:fld id="{B04CCED1-2C0B-449F-A521-647431173219}" type="datetimeFigureOut">
+              <a:rPr lang="pl-PL"/>
+              <a:pPr>
+                <a:defRPr/>
+              </a:pPr>
+              <a:t>2014-01-21</a:t>
+            </a:fld>
+            <a:endParaRPr lang="pl-PL"/>
+          </a:p>
+        </p:txBody>
+      </p:sp>
+      <p:sp>
+        <p:nvSpPr>
+          <p:cNvPr id="9" name="Footer Placeholder 5"/>
+          <p:cNvSpPr>
+            <a:spLocks noGrp="1"/>
+          </p:cNvSpPr>
+          <p:nvPr>
+            <p:ph type="ftr" sz="quarter" idx="11"/>
+          </p:nvPr>
+        </p:nvSpPr>
+        <p:spPr/>
+        <p:txBody>
+          <a:bodyPr/>
+          <a:lstStyle>
+            <a:lvl1pPr>
+              <a:defRPr/>
+            </a:lvl1pPr>
+          </a:lstStyle>
+          <a:p>
+            <a:pPr>
+              <a:defRPr/>
+            </a:pPr>
+            <a:endParaRPr lang="pl-PL"/>
+          </a:p>
+        </p:txBody>
+      </p:sp>
+      <p:sp>
+        <p:nvSpPr>
+          <p:cNvPr id="10" name="Slide Number Placeholder 6"/>
+          <p:cNvSpPr>
+            <a:spLocks noGrp="1"/>
+          </p:cNvSpPr>
+          <p:nvPr>
+            <p:ph type="sldNum" sz="quarter" idx="12"/>
+          </p:nvPr>
+        </p:nvSpPr>
+        <p:spPr/>
+        <p:txBody>
+          <a:bodyPr/>
+          <a:lstStyle>
+            <a:lvl1pPr>
+              <a:defRPr smtClean="0">
+                <a:solidFill>
+                  <a:schemeClr val="tx1"/>
+                </a:solidFill>
+              </a:defRPr>
+            </a:lvl1pPr>
+          </a:lstStyle>
+          <a:p>
+            <a:pPr>
+              <a:defRPr/>
+            </a:pPr>
+            <a:fld id="{8572DCCB-5A65-4FE1-B104-ECD4161FE272}" type="slidenum">
+              <a:rPr lang="pl-PL"/>
+              <a:pPr>
+                <a:defRPr/>
+              </a:pPr>
+              <a:t>‹#›</a:t>
+            </a:fld>
+            <a:endParaRPr lang="pl-PL"/>
           </a:p>
         </p:txBody>
       </p:sp>
@@ -2841,14 +3391,7 @@
   <p:clrMapOvr>
     <a:masterClrMapping/>
   </p:clrMapOvr>
-  <mc:AlternateContent xmlns:mc="http://schemas.openxmlformats.org/markup-compatibility/2006">
-    <mc:Choice xmlns:p14="http://schemas.microsoft.com/office/powerpoint/2010/main" Requires="p14">
-      <p:transition p14:dur="10"/>
-    </mc:Choice>
-    <mc:Fallback>
-      <p:transition/>
-    </mc:Fallback>
-  </mc:AlternateContent>
+  <p:transition/>
 </p:sldLayout>
 </file>
 
@@ -2886,7 +3429,7 @@
         </p:nvSpPr>
         <p:spPr>
           <a:xfrm>
-            <a:off x="457200" y="152718"/>
+            <a:off x="457200" y="152400"/>
             <a:ext cx="5791200" cy="1371600"/>
           </a:xfrm>
           <a:prstGeom prst="rect">
@@ -2909,7 +3452,7 @@
       </p:sp>
       <p:sp>
         <p:nvSpPr>
-          <p:cNvPr id="3" name="Text Placeholder 2"/>
+          <p:cNvPr id="1027" name="Text Placeholder 2"/>
           <p:cNvSpPr>
             <a:spLocks noGrp="1"/>
           </p:cNvSpPr>
@@ -2917,7 +3460,7 @@
             <p:ph type="body" idx="1"/>
           </p:nvPr>
         </p:nvSpPr>
-        <p:spPr>
+        <p:spPr bwMode="auto">
           <a:xfrm>
             <a:off x="457200" y="1752600"/>
             <a:ext cx="7620000" cy="4373563"/>
@@ -2925,10 +3468,19 @@
           <a:prstGeom prst="rect">
             <a:avLst/>
           </a:prstGeom>
+          <a:noFill/>
+          <a:ln w="9525">
+            <a:noFill/>
+            <a:miter lim="800000"/>
+            <a:headEnd/>
+            <a:tailEnd/>
+          </a:ln>
         </p:spPr>
         <p:txBody>
-          <a:bodyPr vert="horz" lIns="91440" tIns="45720" rIns="91440" bIns="45720" rtlCol="0">
-            <a:normAutofit/>
+          <a:bodyPr vert="horz" wrap="square" lIns="91440" tIns="45720" rIns="91440" bIns="45720" numCol="1" anchor="t" anchorCtr="0" compatLnSpc="1">
+            <a:prstTxWarp prst="textNoShape">
+              <a:avLst/>
+            </a:prstTxWarp>
           </a:bodyPr>
           <a:lstStyle/>
           <a:p>
@@ -2965,7 +3517,7 @@
               <a:rPr lang="pl-PL" smtClean="0"/>
               <a:t>Piąty poziom</a:t>
             </a:r>
-            <a:endParaRPr lang="en-US" dirty="0"/>
+            <a:endParaRPr lang="en-US" smtClean="0"/>
           </a:p>
         </p:txBody>
       </p:sp>
@@ -2981,7 +3533,7 @@
         </p:nvSpPr>
         <p:spPr>
           <a:xfrm>
-            <a:off x="457200" y="6172201"/>
+            <a:off x="457200" y="6172200"/>
             <a:ext cx="3429000" cy="304800"/>
           </a:xfrm>
           <a:prstGeom prst="rect">
@@ -2991,17 +3543,31 @@
         <p:txBody>
           <a:bodyPr vert="horz" lIns="91440" tIns="45720" rIns="91440" bIns="0" rtlCol="0" anchor="b"/>
           <a:lstStyle>
-            <a:lvl1pPr algn="l">
-              <a:defRPr sz="1000">
+            <a:lvl1pPr algn="l" fontAlgn="auto">
+              <a:spcBef>
+                <a:spcPts val="0"/>
+              </a:spcBef>
+              <a:spcAft>
+                <a:spcPts val="0"/>
+              </a:spcAft>
+              <a:defRPr sz="1000" smtClean="0">
                 <a:solidFill>
                   <a:schemeClr val="tx1"/>
                 </a:solidFill>
+                <a:latin typeface="+mn-lt"/>
+                <a:cs typeface="+mn-cs"/>
               </a:defRPr>
             </a:lvl1pPr>
           </a:lstStyle>
           <a:p>
-            <a:fld id="{1E9A37FB-873B-49EF-ABF9-7D09E6B3C862}" type="datetimeFigureOut">
-              <a:rPr lang="pl-PL" smtClean="0"/>
+            <a:pPr>
+              <a:defRPr/>
+            </a:pPr>
+            <a:fld id="{0FC1A75B-56D6-42F8-8FB4-DD027CE15D7C}" type="datetimeFigureOut">
+              <a:rPr lang="pl-PL"/>
+              <a:pPr>
+                <a:defRPr/>
+              </a:pPr>
               <a:t>2014-01-21</a:t>
             </a:fld>
             <a:endParaRPr lang="pl-PL"/>
@@ -3021,7 +3587,7 @@
         <p:spPr>
           <a:xfrm>
             <a:off x="457200" y="6492875"/>
-            <a:ext cx="3429000" cy="283845"/>
+            <a:ext cx="3429000" cy="284163"/>
           </a:xfrm>
           <a:prstGeom prst="rect">
             <a:avLst/>
@@ -3030,15 +3596,26 @@
         <p:txBody>
           <a:bodyPr vert="horz" lIns="91440" tIns="45720" rIns="91440" bIns="45720" rtlCol="0" anchor="t"/>
           <a:lstStyle>
-            <a:lvl1pPr algn="l">
+            <a:lvl1pPr algn="l" fontAlgn="auto">
+              <a:spcBef>
+                <a:spcPts val="0"/>
+              </a:spcBef>
+              <a:spcAft>
+                <a:spcPts val="0"/>
+              </a:spcAft>
               <a:defRPr sz="1000">
                 <a:solidFill>
                   <a:schemeClr val="tx1"/>
                 </a:solidFill>
+                <a:latin typeface="+mn-lt"/>
+                <a:cs typeface="+mn-cs"/>
               </a:defRPr>
             </a:lvl1pPr>
           </a:lstStyle>
           <a:p>
+            <a:pPr>
+              <a:defRPr/>
+            </a:pPr>
             <a:endParaRPr lang="pl-PL"/>
           </a:p>
         </p:txBody>
@@ -3055,8 +3632,8 @@
         </p:nvSpPr>
         <p:spPr>
           <a:xfrm rot="16200000">
-            <a:off x="8227377" y="5885497"/>
-            <a:ext cx="1315721" cy="365125"/>
+            <a:off x="8227219" y="5885656"/>
+            <a:ext cx="1316038" cy="365125"/>
           </a:xfrm>
           <a:prstGeom prst="rect">
             <a:avLst/>
@@ -3065,17 +3642,31 @@
         <p:txBody>
           <a:bodyPr vert="horz" lIns="91440" tIns="45720" rIns="91440" bIns="45720" rtlCol="0" anchor="ctr"/>
           <a:lstStyle>
-            <a:lvl1pPr algn="l">
-              <a:defRPr sz="2400" b="1">
+            <a:lvl1pPr algn="l" fontAlgn="auto">
+              <a:spcBef>
+                <a:spcPts val="0"/>
+              </a:spcBef>
+              <a:spcAft>
+                <a:spcPts val="0"/>
+              </a:spcAft>
+              <a:defRPr sz="2400" b="1" smtClean="0">
                 <a:solidFill>
                   <a:schemeClr val="tx2"/>
                 </a:solidFill>
+                <a:latin typeface="+mn-lt"/>
+                <a:cs typeface="+mn-cs"/>
               </a:defRPr>
             </a:lvl1pPr>
           </a:lstStyle>
           <a:p>
-            <a:fld id="{477864F3-BF77-4663-A3CF-227649BA0A83}" type="slidenum">
-              <a:rPr lang="pl-PL" smtClean="0"/>
+            <a:pPr>
+              <a:defRPr/>
+            </a:pPr>
+            <a:fld id="{4628FFBA-D92C-460C-9891-9E82D564ADCE}" type="slidenum">
+              <a:rPr lang="pl-PL"/>
+              <a:pPr>
+                <a:defRPr/>
+              </a:pPr>
               <a:t>‹#›</a:t>
             </a:fld>
             <a:endParaRPr lang="pl-PL"/>
@@ -3090,8 +3681,8 @@
         </p:nvSpPr>
         <p:spPr>
           <a:xfrm>
-            <a:off x="9001124" y="0"/>
-            <a:ext cx="142876" cy="1371600"/>
+            <a:off x="9001125" y="0"/>
+            <a:ext cx="142875" cy="1371600"/>
           </a:xfrm>
           <a:prstGeom prst="rect">
             <a:avLst/>
@@ -3120,10 +3711,18 @@
           </a:fontRef>
         </p:style>
         <p:txBody>
-          <a:bodyPr rtlCol="0" anchor="ctr"/>
+          <a:bodyPr anchor="ctr"/>
           <a:lstStyle/>
           <a:p>
-            <a:pPr algn="ctr"/>
+            <a:pPr algn="ctr" fontAlgn="auto">
+              <a:spcBef>
+                <a:spcPts val="0"/>
+              </a:spcBef>
+              <a:spcAft>
+                <a:spcPts val="0"/>
+              </a:spcAft>
+              <a:defRPr/>
+            </a:pPr>
             <a:endParaRPr lang="en-US"/>
           </a:p>
         </p:txBody>
@@ -3136,8 +3735,8 @@
         </p:nvSpPr>
         <p:spPr>
           <a:xfrm>
-            <a:off x="9001124" y="1371600"/>
-            <a:ext cx="142876" cy="5486400"/>
+            <a:off x="9001125" y="1371600"/>
+            <a:ext cx="142875" cy="5486400"/>
           </a:xfrm>
           <a:prstGeom prst="rect">
             <a:avLst/>
@@ -3166,10 +3765,18 @@
           </a:fontRef>
         </p:style>
         <p:txBody>
-          <a:bodyPr rtlCol="0" anchor="ctr"/>
+          <a:bodyPr anchor="ctr"/>
           <a:lstStyle/>
           <a:p>
-            <a:pPr algn="ctr"/>
+            <a:pPr algn="ctr" fontAlgn="auto">
+              <a:spcBef>
+                <a:spcPts val="0"/>
+              </a:spcBef>
+              <a:spcAft>
+                <a:spcPts val="0"/>
+              </a:spcAft>
+              <a:defRPr/>
+            </a:pPr>
             <a:endParaRPr lang="en-US"/>
           </a:p>
         </p:txBody>
@@ -3178,34 +3785,30 @@
   </p:cSld>
   <p:clrMap bg1="lt1" tx1="dk1" bg2="lt2" tx2="dk2" accent1="accent1" accent2="accent2" accent3="accent3" accent4="accent4" accent5="accent5" accent6="accent6" hlink="hlink" folHlink="folHlink"/>
   <p:sldLayoutIdLst>
-    <p:sldLayoutId id="2147483661" r:id="rId1"/>
-    <p:sldLayoutId id="2147483662" r:id="rId2"/>
-    <p:sldLayoutId id="2147483663" r:id="rId3"/>
-    <p:sldLayoutId id="2147483664" r:id="rId4"/>
-    <p:sldLayoutId id="2147483665" r:id="rId5"/>
-    <p:sldLayoutId id="2147483666" r:id="rId6"/>
-    <p:sldLayoutId id="2147483667" r:id="rId7"/>
-    <p:sldLayoutId id="2147483668" r:id="rId8"/>
-    <p:sldLayoutId id="2147483669" r:id="rId9"/>
-    <p:sldLayoutId id="2147483670" r:id="rId10"/>
-    <p:sldLayoutId id="2147483671" r:id="rId11"/>
+    <p:sldLayoutId id="2147483673" r:id="rId1"/>
+    <p:sldLayoutId id="2147483671" r:id="rId2"/>
+    <p:sldLayoutId id="2147483670" r:id="rId3"/>
+    <p:sldLayoutId id="2147483669" r:id="rId4"/>
+    <p:sldLayoutId id="2147483668" r:id="rId5"/>
+    <p:sldLayoutId id="2147483667" r:id="rId6"/>
+    <p:sldLayoutId id="2147483666" r:id="rId7"/>
+    <p:sldLayoutId id="2147483665" r:id="rId8"/>
+    <p:sldLayoutId id="2147483674" r:id="rId9"/>
+    <p:sldLayoutId id="2147483664" r:id="rId10"/>
+    <p:sldLayoutId id="2147483663" r:id="rId11"/>
+    <p:sldLayoutId id="2147483672" r:id="rId12"/>
   </p:sldLayoutIdLst>
-  <mc:AlternateContent xmlns:mc="http://schemas.openxmlformats.org/markup-compatibility/2006">
-    <mc:Choice xmlns:p14="http://schemas.microsoft.com/office/powerpoint/2010/main" Requires="p14">
-      <p:transition p14:dur="10"/>
-    </mc:Choice>
-    <mc:Fallback>
-      <p:transition/>
-    </mc:Fallback>
-  </mc:AlternateContent>
+  <p:transition/>
   <p:txStyles>
     <p:titleStyle>
-      <a:lvl1pPr algn="l" defTabSz="914400" rtl="0" eaLnBrk="1" latinLnBrk="0" hangingPunct="1">
+      <a:lvl1pPr algn="l" rtl="0" fontAlgn="base">
         <a:spcBef>
           <a:spcPct val="0"/>
         </a:spcBef>
-        <a:buNone/>
-        <a:defRPr sz="3600" kern="1200" cap="all" spc="-60" baseline="0">
+        <a:spcAft>
+          <a:spcPct val="0"/>
+        </a:spcAft>
+        <a:defRPr sz="3600" kern="1200" cap="all" spc="-60">
           <a:solidFill>
             <a:schemeClr val="tx2"/>
           </a:solidFill>
@@ -3214,17 +3817,128 @@
           <a:cs typeface="+mj-cs"/>
         </a:defRPr>
       </a:lvl1pPr>
+      <a:lvl2pPr algn="l" rtl="0" fontAlgn="base">
+        <a:spcBef>
+          <a:spcPct val="0"/>
+        </a:spcBef>
+        <a:spcAft>
+          <a:spcPct val="0"/>
+        </a:spcAft>
+        <a:defRPr sz="3600">
+          <a:solidFill>
+            <a:schemeClr val="tx2"/>
+          </a:solidFill>
+          <a:latin typeface="Arial Black" pitchFamily="34" charset="0"/>
+        </a:defRPr>
+      </a:lvl2pPr>
+      <a:lvl3pPr algn="l" rtl="0" fontAlgn="base">
+        <a:spcBef>
+          <a:spcPct val="0"/>
+        </a:spcBef>
+        <a:spcAft>
+          <a:spcPct val="0"/>
+        </a:spcAft>
+        <a:defRPr sz="3600">
+          <a:solidFill>
+            <a:schemeClr val="tx2"/>
+          </a:solidFill>
+          <a:latin typeface="Arial Black" pitchFamily="34" charset="0"/>
+        </a:defRPr>
+      </a:lvl3pPr>
+      <a:lvl4pPr algn="l" rtl="0" fontAlgn="base">
+        <a:spcBef>
+          <a:spcPct val="0"/>
+        </a:spcBef>
+        <a:spcAft>
+          <a:spcPct val="0"/>
+        </a:spcAft>
+        <a:defRPr sz="3600">
+          <a:solidFill>
+            <a:schemeClr val="tx2"/>
+          </a:solidFill>
+          <a:latin typeface="Arial Black" pitchFamily="34" charset="0"/>
+        </a:defRPr>
+      </a:lvl4pPr>
+      <a:lvl5pPr algn="l" rtl="0" fontAlgn="base">
+        <a:spcBef>
+          <a:spcPct val="0"/>
+        </a:spcBef>
+        <a:spcAft>
+          <a:spcPct val="0"/>
+        </a:spcAft>
+        <a:defRPr sz="3600">
+          <a:solidFill>
+            <a:schemeClr val="tx2"/>
+          </a:solidFill>
+          <a:latin typeface="Arial Black" pitchFamily="34" charset="0"/>
+        </a:defRPr>
+      </a:lvl5pPr>
+      <a:lvl6pPr marL="457200" algn="l" rtl="0" fontAlgn="base">
+        <a:spcBef>
+          <a:spcPct val="0"/>
+        </a:spcBef>
+        <a:spcAft>
+          <a:spcPct val="0"/>
+        </a:spcAft>
+        <a:defRPr sz="3600">
+          <a:solidFill>
+            <a:schemeClr val="tx2"/>
+          </a:solidFill>
+          <a:latin typeface="Arial Black" pitchFamily="34" charset="0"/>
+        </a:defRPr>
+      </a:lvl6pPr>
+      <a:lvl7pPr marL="914400" algn="l" rtl="0" fontAlgn="base">
+        <a:spcBef>
+          <a:spcPct val="0"/>
+        </a:spcBef>
+        <a:spcAft>
+          <a:spcPct val="0"/>
+        </a:spcAft>
+        <a:defRPr sz="3600">
+          <a:solidFill>
+            <a:schemeClr val="tx2"/>
+          </a:solidFill>
+          <a:latin typeface="Arial Black" pitchFamily="34" charset="0"/>
+        </a:defRPr>
+      </a:lvl7pPr>
+      <a:lvl8pPr marL="1371600" algn="l" rtl="0" fontAlgn="base">
+        <a:spcBef>
+          <a:spcPct val="0"/>
+        </a:spcBef>
+        <a:spcAft>
+          <a:spcPct val="0"/>
+        </a:spcAft>
+        <a:defRPr sz="3600">
+          <a:solidFill>
+            <a:schemeClr val="tx2"/>
+          </a:solidFill>
+          <a:latin typeface="Arial Black" pitchFamily="34" charset="0"/>
+        </a:defRPr>
+      </a:lvl8pPr>
+      <a:lvl9pPr marL="1828800" algn="l" rtl="0" fontAlgn="base">
+        <a:spcBef>
+          <a:spcPct val="0"/>
+        </a:spcBef>
+        <a:spcAft>
+          <a:spcPct val="0"/>
+        </a:spcAft>
+        <a:defRPr sz="3600">
+          <a:solidFill>
+            <a:schemeClr val="tx2"/>
+          </a:solidFill>
+          <a:latin typeface="Arial Black" pitchFamily="34" charset="0"/>
+        </a:defRPr>
+      </a:lvl9pPr>
     </p:titleStyle>
     <p:bodyStyle>
-      <a:lvl1pPr marL="0" indent="0" algn="l" defTabSz="914400" rtl="0" eaLnBrk="1" latinLnBrk="0" hangingPunct="1">
+      <a:lvl1pPr algn="l" rtl="0" fontAlgn="base">
         <a:spcBef>
           <a:spcPct val="20000"/>
         </a:spcBef>
         <a:spcAft>
           <a:spcPts val="600"/>
         </a:spcAft>
-        <a:buFont typeface="Arial" pitchFamily="34" charset="0"/>
-        <a:buNone/>
+        <a:buFont typeface="Arial" charset="0"/>
         <a:defRPr sz="2000" b="1" kern="1200">
           <a:solidFill>
             <a:schemeClr val="tx1"/>
@@ -3234,14 +3948,17 @@
           <a:cs typeface="+mn-cs"/>
         </a:defRPr>
       </a:lvl1pPr>
-      <a:lvl2pPr marL="457200" indent="-182880" algn="l" defTabSz="914400" rtl="0" eaLnBrk="1" latinLnBrk="0" hangingPunct="1">
+      <a:lvl2pPr marL="457200" indent="-182563" algn="l" rtl="0" fontAlgn="base">
         <a:spcBef>
           <a:spcPct val="20000"/>
         </a:spcBef>
+        <a:spcAft>
+          <a:spcPct val="0"/>
+        </a:spcAft>
         <a:buClr>
           <a:schemeClr val="tx2"/>
         </a:buClr>
-        <a:buFont typeface="Arial" pitchFamily="34" charset="0"/>
+        <a:buFont typeface="Arial" charset="0"/>
         <a:buChar char="•"/>
         <a:defRPr sz="2000" kern="1200">
           <a:solidFill>
@@ -3252,16 +3969,19 @@
           <a:cs typeface="+mn-cs"/>
         </a:defRPr>
       </a:lvl2pPr>
-      <a:lvl3pPr marL="1143000" indent="-228600" algn="l" defTabSz="914400" rtl="0" eaLnBrk="1" latinLnBrk="0" hangingPunct="1">
+      <a:lvl3pPr marL="1143000" indent="-228600" algn="l" rtl="0" fontAlgn="base">
         <a:spcBef>
           <a:spcPct val="20000"/>
         </a:spcBef>
+        <a:spcAft>
+          <a:spcPct val="0"/>
+        </a:spcAft>
         <a:buClr>
           <a:schemeClr val="tx2"/>
         </a:buClr>
-        <a:buFont typeface="Arial" pitchFamily="34" charset="0"/>
+        <a:buFont typeface="Arial" charset="0"/>
         <a:buChar char="•"/>
-        <a:defRPr sz="1800" kern="1200">
+        <a:defRPr kern="1200">
           <a:solidFill>
             <a:schemeClr val="tx1"/>
           </a:solidFill>
@@ -3270,16 +3990,19 @@
           <a:cs typeface="+mn-cs"/>
         </a:defRPr>
       </a:lvl3pPr>
-      <a:lvl4pPr marL="1600200" indent="-228600" algn="l" defTabSz="914400" rtl="0" eaLnBrk="1" latinLnBrk="0" hangingPunct="1">
+      <a:lvl4pPr marL="1600200" indent="-228600" algn="l" rtl="0" fontAlgn="base">
         <a:spcBef>
           <a:spcPct val="20000"/>
         </a:spcBef>
+        <a:spcAft>
+          <a:spcPct val="0"/>
+        </a:spcAft>
         <a:buClr>
           <a:schemeClr val="tx2"/>
         </a:buClr>
-        <a:buFont typeface="Arial" pitchFamily="34" charset="0"/>
+        <a:buFont typeface="Arial" charset="0"/>
         <a:buChar char="•"/>
-        <a:defRPr sz="1800" kern="1200">
+        <a:defRPr kern="1200">
           <a:solidFill>
             <a:schemeClr val="tx1"/>
           </a:solidFill>
@@ -3288,16 +4011,19 @@
           <a:cs typeface="+mn-cs"/>
         </a:defRPr>
       </a:lvl4pPr>
-      <a:lvl5pPr marL="2057400" indent="-228600" algn="l" defTabSz="914400" rtl="0" eaLnBrk="1" latinLnBrk="0" hangingPunct="1">
+      <a:lvl5pPr marL="2057400" indent="-228600" algn="l" rtl="0" fontAlgn="base">
         <a:spcBef>
           <a:spcPct val="20000"/>
         </a:spcBef>
+        <a:spcAft>
+          <a:spcPct val="0"/>
+        </a:spcAft>
         <a:buClr>
           <a:schemeClr val="tx2"/>
         </a:buClr>
-        <a:buFont typeface="Arial" pitchFamily="34" charset="0"/>
+        <a:buFont typeface="Arial" charset="0"/>
         <a:buChar char="•"/>
-        <a:defRPr sz="1800" kern="1200" baseline="0">
+        <a:defRPr kern="1200">
           <a:solidFill>
             <a:schemeClr val="tx1"/>
           </a:solidFill>
@@ -3507,7 +4233,7 @@
         </p:nvSpPr>
         <p:spPr>
           <a:xfrm>
-            <a:off x="683568" y="908720"/>
+            <a:off x="684213" y="908050"/>
             <a:ext cx="7772400" cy="1470025"/>
           </a:xfrm>
         </p:spPr>
@@ -3517,7 +4243,12 @@
           </a:bodyPr>
           <a:lstStyle/>
           <a:p>
-            <a:pPr algn="ctr"/>
+            <a:pPr algn="ctr" fontAlgn="auto">
+              <a:spcAft>
+                <a:spcPts val="0"/>
+              </a:spcAft>
+              <a:defRPr/>
+            </a:pPr>
             <a:r>
               <a:rPr lang="pl-PL" sz="7200" b="1" dirty="0" smtClean="0">
                 <a:effectLst>
@@ -3554,76 +4285,136 @@
         </p:nvSpPr>
         <p:spPr>
           <a:xfrm>
-            <a:off x="1403648" y="3068960"/>
+            <a:off x="1403350" y="3068638"/>
             <a:ext cx="6400800" cy="1752600"/>
           </a:xfrm>
         </p:spPr>
         <p:txBody>
-          <a:bodyPr/>
+          <a:bodyPr>
+            <a:normAutofit/>
+          </a:bodyPr>
           <a:lstStyle/>
           <a:p>
-            <a:r>
-              <a:rPr lang="en-US" dirty="0" smtClean="0"/>
-              <a:t>A Distributed Robust DBMS for</a:t>
-            </a:r>
-          </a:p>
-          <a:p>
-            <a:r>
-              <a:rPr lang="en-US" dirty="0" smtClean="0"/>
-              <a:t>Telecommunications Applications</a:t>
-            </a:r>
-            <a:endParaRPr lang="pl-PL" dirty="0"/>
+            <a:pPr algn="ctr"/>
+            <a:r>
+              <a:rPr lang="en-US" cap="none" smtClean="0"/>
+              <a:t>A DISTRIBUTED ROBUST DBMS FOR</a:t>
+            </a:r>
+          </a:p>
+          <a:p>
+            <a:pPr algn="ctr"/>
+            <a:r>
+              <a:rPr lang="en-US" cap="none" smtClean="0"/>
+              <a:t>TELECOMMUNICATIONS APPLICATIONS</a:t>
+            </a:r>
+            <a:endParaRPr lang="pl-PL" cap="none" smtClean="0"/>
           </a:p>
         </p:txBody>
       </p:sp>
       <p:pic>
         <p:nvPicPr>
-          <p:cNvPr id="4" name="Obraz 3"/>
+          <p:cNvPr id="13315" name="Obraz 3"/>
           <p:cNvPicPr>
             <a:picLocks noChangeAspect="1"/>
           </p:cNvPicPr>
           <p:nvPr/>
         </p:nvPicPr>
         <p:blipFill>
-          <a:blip r:embed="rId2" cstate="print">
-            <a:extLst>
-              <a:ext uri="{28A0092B-C50C-407E-A947-70E740481C1C}">
-                <a14:useLocalDpi xmlns:a14="http://schemas.microsoft.com/office/drawing/2010/main" val="0"/>
-              </a:ext>
-            </a:extLst>
-          </a:blip>
+          <a:blip r:embed="rId2"/>
+          <a:srcRect/>
           <a:stretch>
             <a:fillRect/>
           </a:stretch>
         </p:blipFill>
-        <p:spPr>
+        <p:spPr bwMode="auto">
           <a:xfrm>
-            <a:off x="25749" y="6055624"/>
-            <a:ext cx="1216315" cy="736674"/>
+            <a:off x="25400" y="6056313"/>
+            <a:ext cx="1216025" cy="736600"/>
           </a:xfrm>
           <a:prstGeom prst="rect">
             <a:avLst/>
           </a:prstGeom>
+          <a:noFill/>
+          <a:ln w="9525">
+            <a:noFill/>
+            <a:miter lim="800000"/>
+            <a:headEnd/>
+            <a:tailEnd/>
+          </a:ln>
         </p:spPr>
       </p:pic>
+      <p:sp>
+        <p:nvSpPr>
+          <p:cNvPr id="13317" name="Text Box 5"/>
+          <p:cNvSpPr txBox="1">
+            <a:spLocks noChangeArrowheads="1"/>
+          </p:cNvSpPr>
+          <p:nvPr/>
+        </p:nvSpPr>
+        <p:spPr bwMode="auto">
+          <a:xfrm>
+            <a:off x="5580063" y="5373688"/>
+            <a:ext cx="3348037" cy="1192212"/>
+          </a:xfrm>
+          <a:prstGeom prst="rect">
+            <a:avLst/>
+          </a:prstGeom>
+          <a:noFill/>
+          <a:ln w="9525">
+            <a:noFill/>
+            <a:miter lim="800000"/>
+            <a:headEnd/>
+            <a:tailEnd/>
+          </a:ln>
+          <a:effectLst/>
+        </p:spPr>
+        <p:txBody>
+          <a:bodyPr>
+            <a:spAutoFit/>
+          </a:bodyPr>
+          <a:lstStyle/>
+          <a:p>
+            <a:pPr>
+              <a:spcBef>
+                <a:spcPct val="50000"/>
+              </a:spcBef>
+            </a:pPr>
+            <a:r>
+              <a:rPr lang="pl-PL"/>
+              <a:t>Prezentację przygotowali:</a:t>
+            </a:r>
+          </a:p>
+          <a:p>
+            <a:pPr>
+              <a:spcBef>
+                <a:spcPct val="50000"/>
+              </a:spcBef>
+            </a:pPr>
+            <a:r>
+              <a:rPr lang="pl-PL"/>
+              <a:t>Mateusz Kantor</a:t>
+            </a:r>
+          </a:p>
+          <a:p>
+            <a:pPr>
+              <a:spcBef>
+                <a:spcPct val="50000"/>
+              </a:spcBef>
+            </a:pPr>
+            <a:r>
+              <a:rPr lang="pl-PL"/>
+              <a:t>Magdalena Wilk</a:t>
+            </a:r>
+            <a:endParaRPr lang="en-US"/>
+          </a:p>
+        </p:txBody>
+      </p:sp>
     </p:spTree>
-    <p:extLst>
-      <p:ext uri="{BB962C8B-B14F-4D97-AF65-F5344CB8AC3E}">
-        <p14:creationId xmlns:p14="http://schemas.microsoft.com/office/powerpoint/2010/main" val="1327310831"/>
-      </p:ext>
-    </p:extLst>
   </p:cSld>
   <p:clrMapOvr>
     <a:masterClrMapping/>
   </p:clrMapOvr>
-  <mc:AlternateContent xmlns:mc="http://schemas.openxmlformats.org/markup-compatibility/2006">
-    <mc:Choice xmlns:p14="http://schemas.microsoft.com/office/powerpoint/2010/main" Requires="p14">
-      <p:transition p14:dur="10"/>
-    </mc:Choice>
-    <mc:Fallback>
-      <p:transition/>
-    </mc:Fallback>
-  </mc:AlternateContent>
+  <p:transition/>
   <p:timing>
     <p:tnLst>
       <p:par>
@@ -3653,32 +4444,34 @@
       </p:grpSpPr>
       <p:pic>
         <p:nvPicPr>
-          <p:cNvPr id="4" name="Obraz 3"/>
+          <p:cNvPr id="14337" name="Obraz 3"/>
           <p:cNvPicPr>
             <a:picLocks noChangeAspect="1"/>
           </p:cNvPicPr>
           <p:nvPr/>
         </p:nvPicPr>
         <p:blipFill>
-          <a:blip r:embed="rId2" cstate="print">
-            <a:extLst>
-              <a:ext uri="{28A0092B-C50C-407E-A947-70E740481C1C}">
-                <a14:useLocalDpi xmlns:a14="http://schemas.microsoft.com/office/drawing/2010/main" val="0"/>
-              </a:ext>
-            </a:extLst>
-          </a:blip>
+          <a:blip r:embed="rId2"/>
+          <a:srcRect/>
           <a:stretch>
             <a:fillRect/>
           </a:stretch>
         </p:blipFill>
-        <p:spPr>
+        <p:spPr bwMode="auto">
           <a:xfrm>
-            <a:off x="25749" y="6055624"/>
-            <a:ext cx="1216315" cy="736674"/>
+            <a:off x="25400" y="6056313"/>
+            <a:ext cx="1216025" cy="736600"/>
           </a:xfrm>
           <a:prstGeom prst="rect">
             <a:avLst/>
           </a:prstGeom>
+          <a:noFill/>
+          <a:ln w="9525">
+            <a:noFill/>
+            <a:miter lim="800000"/>
+            <a:headEnd/>
+            <a:tailEnd/>
+          </a:ln>
         </p:spPr>
       </p:pic>
       <p:sp>
@@ -3689,8 +4482,8 @@
         </p:nvSpPr>
         <p:spPr>
           <a:xfrm>
-            <a:off x="755576" y="620688"/>
-            <a:ext cx="7776864" cy="5047536"/>
+            <a:off x="755650" y="620713"/>
+            <a:ext cx="7777163" cy="5048250"/>
           </a:xfrm>
           <a:prstGeom prst="rect">
             <a:avLst/>
@@ -3698,7 +4491,7 @@
           <a:noFill/>
         </p:spPr>
         <p:txBody>
-          <a:bodyPr wrap="square" rtlCol="0">
+          <a:bodyPr>
             <a:spAutoFit/>
           </a:bodyPr>
           <a:lstStyle/>
@@ -3707,35 +4500,20 @@
               <a:buClr>
                 <a:srgbClr val="C00000"/>
               </a:buClr>
-              <a:buFont typeface="Arial" panose="020B0604020202020204" pitchFamily="34" charset="0"/>
+              <a:buFont typeface="Arial" charset="0"/>
               <a:buChar char="•"/>
             </a:pPr>
             <a:r>
-              <a:rPr lang="pl-PL" sz="3000" b="1" dirty="0" smtClean="0">
-                <a:latin typeface="Calibri" panose="020F0502020204030204" pitchFamily="34" charset="0"/>
-                <a:cs typeface="Calibri" panose="020F0502020204030204" pitchFamily="34" charset="0"/>
+              <a:rPr lang="pl-PL" sz="3000" b="1">
+                <a:latin typeface="Calibri" pitchFamily="34" charset="0"/>
               </a:rPr>
-              <a:t>Czym jest </a:t>
-            </a:r>
-            <a:r>
-              <a:rPr lang="pl-PL" sz="3000" b="1" dirty="0" err="1" smtClean="0">
-                <a:latin typeface="Calibri" panose="020F0502020204030204" pitchFamily="34" charset="0"/>
-                <a:cs typeface="Calibri" panose="020F0502020204030204" pitchFamily="34" charset="0"/>
-              </a:rPr>
-              <a:t>Mnesia</a:t>
-            </a:r>
-            <a:r>
-              <a:rPr lang="pl-PL" sz="3000" b="1" dirty="0" smtClean="0">
-                <a:latin typeface="Calibri" panose="020F0502020204030204" pitchFamily="34" charset="0"/>
-                <a:cs typeface="Calibri" panose="020F0502020204030204" pitchFamily="34" charset="0"/>
-              </a:rPr>
-              <a:t>?</a:t>
-            </a:r>
-          </a:p>
-          <a:p>
-            <a:endParaRPr lang="pl-PL" sz="3000" b="1" dirty="0" smtClean="0">
-              <a:latin typeface="Calibri" panose="020F0502020204030204" pitchFamily="34" charset="0"/>
-              <a:cs typeface="Calibri" panose="020F0502020204030204" pitchFamily="34" charset="0"/>
+              <a:t>Czym jest Mnesia?</a:t>
+            </a:r>
+          </a:p>
+          <a:p>
+            <a:pPr marL="342900" indent="-342900"/>
+            <a:endParaRPr lang="pl-PL" sz="3000" b="1">
+              <a:latin typeface="Calibri" pitchFamily="34" charset="0"/>
             </a:endParaRPr>
           </a:p>
           <a:p>
@@ -3743,13 +4521,12 @@
               <a:buClr>
                 <a:srgbClr val="C00000"/>
               </a:buClr>
-              <a:buFont typeface="Arial" panose="020B0604020202020204" pitchFamily="34" charset="0"/>
+              <a:buFont typeface="Arial" charset="0"/>
               <a:buChar char="•"/>
             </a:pPr>
             <a:r>
-              <a:rPr lang="pl-PL" sz="3000" b="1" dirty="0" smtClean="0">
-                <a:latin typeface="Calibri" panose="020F0502020204030204" pitchFamily="34" charset="0"/>
-                <a:cs typeface="Calibri" panose="020F0502020204030204" pitchFamily="34" charset="0"/>
+              <a:rPr lang="pl-PL" sz="3000" b="1">
+                <a:latin typeface="Calibri" pitchFamily="34" charset="0"/>
               </a:rPr>
               <a:t>Do czego służy?</a:t>
             </a:r>
@@ -3759,22 +4536,14 @@
               <a:buClr>
                 <a:srgbClr val="C00000"/>
               </a:buClr>
-              <a:buFont typeface="Calibri" panose="020F0502020204030204" pitchFamily="34" charset="0"/>
+              <a:buFont typeface="Calibri" pitchFamily="34" charset="0"/>
               <a:buChar char="›"/>
             </a:pPr>
             <a:r>
-              <a:rPr lang="pl-PL" sz="2400" dirty="0">
-                <a:latin typeface="Calibri" panose="020F0502020204030204" pitchFamily="34" charset="0"/>
-                <a:cs typeface="Calibri" panose="020F0502020204030204" pitchFamily="34" charset="0"/>
+              <a:rPr lang="pl-PL" sz="2400">
+                <a:latin typeface="Calibri" pitchFamily="34" charset="0"/>
               </a:rPr>
-              <a:t>s</a:t>
-            </a:r>
-            <a:r>
-              <a:rPr lang="pl-PL" sz="2400" dirty="0" smtClean="0">
-                <a:latin typeface="Calibri" panose="020F0502020204030204" pitchFamily="34" charset="0"/>
-                <a:cs typeface="Calibri" panose="020F0502020204030204" pitchFamily="34" charset="0"/>
-              </a:rPr>
-              <a:t>zybkie wyszukiwanie klucza/wartości w czasie rzeczywistym</a:t>
+              <a:t>szybkie wyszukiwanie klucza/wartości w czasie rzeczywistym</a:t>
             </a:r>
           </a:p>
           <a:p>
@@ -3782,22 +4551,14 @@
               <a:buClr>
                 <a:srgbClr val="C00000"/>
               </a:buClr>
-              <a:buFont typeface="Calibri" panose="020F0502020204030204" pitchFamily="34" charset="0"/>
+              <a:buFont typeface="Calibri" pitchFamily="34" charset="0"/>
               <a:buChar char="›"/>
             </a:pPr>
             <a:r>
-              <a:rPr lang="pl-PL" sz="2400" dirty="0">
-                <a:latin typeface="Calibri" panose="020F0502020204030204" pitchFamily="34" charset="0"/>
-                <a:cs typeface="Calibri" panose="020F0502020204030204" pitchFamily="34" charset="0"/>
+              <a:rPr lang="pl-PL" sz="2400">
+                <a:latin typeface="Calibri" pitchFamily="34" charset="0"/>
               </a:rPr>
-              <a:t>wykonywanie skomplikowanych i złożonych </a:t>
-            </a:r>
-            <a:r>
-              <a:rPr lang="pl-PL" sz="2400" dirty="0" smtClean="0">
-                <a:latin typeface="Calibri" panose="020F0502020204030204" pitchFamily="34" charset="0"/>
-                <a:cs typeface="Calibri" panose="020F0502020204030204" pitchFamily="34" charset="0"/>
-              </a:rPr>
-              <a:t>zapytań</a:t>
+              <a:t>wykonywanie skomplikowanych i złożonych zapytań</a:t>
             </a:r>
           </a:p>
           <a:p>
@@ -3805,13 +4566,12 @@
               <a:buClr>
                 <a:srgbClr val="C00000"/>
               </a:buClr>
-              <a:buFont typeface="Calibri" panose="020F0502020204030204" pitchFamily="34" charset="0"/>
+              <a:buFont typeface="Calibri" pitchFamily="34" charset="0"/>
               <a:buChar char="›"/>
             </a:pPr>
             <a:r>
-              <a:rPr lang="pl-PL" sz="2400" dirty="0">
-                <a:latin typeface="Calibri" panose="020F0502020204030204" pitchFamily="34" charset="0"/>
-                <a:cs typeface="Calibri" panose="020F0502020204030204" pitchFamily="34" charset="0"/>
+              <a:rPr lang="pl-PL" sz="2400">
+                <a:latin typeface="Calibri" pitchFamily="34" charset="0"/>
               </a:rPr>
               <a:t>rozproszone dane z uwagi na rozproszone aplikacje</a:t>
             </a:r>
@@ -3821,13 +4581,12 @@
               <a:buClr>
                 <a:srgbClr val="C00000"/>
               </a:buClr>
-              <a:buFont typeface="Calibri" panose="020F0502020204030204" pitchFamily="34" charset="0"/>
+              <a:buFont typeface="Calibri" pitchFamily="34" charset="0"/>
               <a:buChar char="›"/>
             </a:pPr>
             <a:r>
-              <a:rPr lang="pl-PL" sz="2400" dirty="0">
-                <a:latin typeface="Calibri" panose="020F0502020204030204" pitchFamily="34" charset="0"/>
-                <a:cs typeface="Calibri" panose="020F0502020204030204" pitchFamily="34" charset="0"/>
+              <a:rPr lang="pl-PL" sz="2400">
+                <a:latin typeface="Calibri" pitchFamily="34" charset="0"/>
               </a:rPr>
               <a:t>wysoka tolerancja na błędy</a:t>
             </a:r>
@@ -3837,13 +4596,12 @@
               <a:buClr>
                 <a:srgbClr val="C00000"/>
               </a:buClr>
-              <a:buFont typeface="Calibri" panose="020F0502020204030204" pitchFamily="34" charset="0"/>
+              <a:buFont typeface="Calibri" pitchFamily="34" charset="0"/>
               <a:buChar char="›"/>
             </a:pPr>
             <a:r>
-              <a:rPr lang="pl-PL" sz="2400" dirty="0">
-                <a:latin typeface="Calibri" panose="020F0502020204030204" pitchFamily="34" charset="0"/>
-                <a:cs typeface="Calibri" panose="020F0502020204030204" pitchFamily="34" charset="0"/>
+              <a:rPr lang="pl-PL" sz="2400">
+                <a:latin typeface="Calibri" pitchFamily="34" charset="0"/>
               </a:rPr>
               <a:t>dynamiczna rekonfiguracja (dodawanie, usuwanie danych podczas działania systemu)</a:t>
             </a:r>
@@ -3853,12 +4611,11 @@
               <a:buClr>
                 <a:srgbClr val="C00000"/>
               </a:buClr>
-              <a:buFont typeface="Calibri" panose="020F0502020204030204" pitchFamily="34" charset="0"/>
+              <a:buFont typeface="Calibri" pitchFamily="34" charset="0"/>
               <a:buChar char="›"/>
             </a:pPr>
-            <a:endParaRPr lang="pl-PL" sz="2000" b="1" dirty="0">
-              <a:latin typeface="Calibri" panose="020F0502020204030204" pitchFamily="34" charset="0"/>
-              <a:cs typeface="Calibri" panose="020F0502020204030204" pitchFamily="34" charset="0"/>
+            <a:endParaRPr lang="pl-PL" sz="2000" b="1">
+              <a:latin typeface="Calibri" pitchFamily="34" charset="0"/>
             </a:endParaRPr>
           </a:p>
           <a:p>
@@ -3866,40 +4623,27 @@
               <a:buClr>
                 <a:srgbClr val="C00000"/>
               </a:buClr>
-              <a:buFont typeface="Calibri" panose="020F0502020204030204" pitchFamily="34" charset="0"/>
+              <a:buFont typeface="Calibri" pitchFamily="34" charset="0"/>
               <a:buChar char="›"/>
             </a:pPr>
-            <a:endParaRPr lang="pl-PL" sz="2000" b="1" dirty="0" smtClean="0">
-              <a:latin typeface="Calibri" panose="020F0502020204030204" pitchFamily="34" charset="0"/>
-              <a:cs typeface="Calibri" panose="020F0502020204030204" pitchFamily="34" charset="0"/>
+            <a:endParaRPr lang="pl-PL" sz="2000" b="1">
+              <a:latin typeface="Calibri" pitchFamily="34" charset="0"/>
             </a:endParaRPr>
           </a:p>
           <a:p>
-            <a:endParaRPr lang="pl-PL" sz="2400" b="1" dirty="0">
-              <a:latin typeface="Calibri" panose="020F0502020204030204" pitchFamily="34" charset="0"/>
-              <a:cs typeface="Calibri" panose="020F0502020204030204" pitchFamily="34" charset="0"/>
+            <a:pPr marL="342900" indent="-342900"/>
+            <a:endParaRPr lang="pl-PL" sz="2400" b="1">
+              <a:latin typeface="Calibri" pitchFamily="34" charset="0"/>
             </a:endParaRPr>
           </a:p>
         </p:txBody>
       </p:sp>
     </p:spTree>
-    <p:extLst>
-      <p:ext uri="{BB962C8B-B14F-4D97-AF65-F5344CB8AC3E}">
-        <p14:creationId xmlns:p14="http://schemas.microsoft.com/office/powerpoint/2010/main" val="1661417794"/>
-      </p:ext>
-    </p:extLst>
   </p:cSld>
   <p:clrMapOvr>
     <a:masterClrMapping/>
   </p:clrMapOvr>
-  <mc:AlternateContent xmlns:mc="http://schemas.openxmlformats.org/markup-compatibility/2006">
-    <mc:Choice xmlns:p14="http://schemas.microsoft.com/office/powerpoint/2010/main" Requires="p14">
-      <p:transition p14:dur="10"/>
-    </mc:Choice>
-    <mc:Fallback>
-      <p:transition/>
-    </mc:Fallback>
-  </mc:AlternateContent>
+  <p:transition/>
   <p:timing>
     <p:tnLst>
       <p:par>
@@ -3929,32 +4673,34 @@
       </p:grpSpPr>
       <p:pic>
         <p:nvPicPr>
-          <p:cNvPr id="4" name="Obraz 3"/>
+          <p:cNvPr id="15361" name="Obraz 3"/>
           <p:cNvPicPr>
             <a:picLocks noChangeAspect="1"/>
           </p:cNvPicPr>
           <p:nvPr/>
         </p:nvPicPr>
         <p:blipFill>
-          <a:blip r:embed="rId2" cstate="print">
-            <a:extLst>
-              <a:ext uri="{28A0092B-C50C-407E-A947-70E740481C1C}">
-                <a14:useLocalDpi xmlns:a14="http://schemas.microsoft.com/office/drawing/2010/main" val="0"/>
-              </a:ext>
-            </a:extLst>
-          </a:blip>
+          <a:blip r:embed="rId2"/>
+          <a:srcRect/>
           <a:stretch>
             <a:fillRect/>
           </a:stretch>
         </p:blipFill>
-        <p:spPr>
+        <p:spPr bwMode="auto">
           <a:xfrm>
-            <a:off x="25749" y="6055624"/>
-            <a:ext cx="1216315" cy="736674"/>
+            <a:off x="25400" y="6056313"/>
+            <a:ext cx="1216025" cy="736600"/>
           </a:xfrm>
           <a:prstGeom prst="rect">
             <a:avLst/>
           </a:prstGeom>
+          <a:noFill/>
+          <a:ln w="9525">
+            <a:noFill/>
+            <a:miter lim="800000"/>
+            <a:headEnd/>
+            <a:tailEnd/>
+          </a:ln>
         </p:spPr>
       </p:pic>
       <p:sp>
@@ -3965,8 +4711,8 @@
         </p:nvSpPr>
         <p:spPr>
           <a:xfrm>
-            <a:off x="755576" y="620688"/>
-            <a:ext cx="7344816" cy="5016758"/>
+            <a:off x="755650" y="620713"/>
+            <a:ext cx="7345363" cy="5784850"/>
           </a:xfrm>
           <a:prstGeom prst="rect">
             <a:avLst/>
@@ -3974,7 +4720,7 @@
           <a:noFill/>
         </p:spPr>
         <p:txBody>
-          <a:bodyPr wrap="square" rtlCol="0">
+          <a:bodyPr>
             <a:spAutoFit/>
           </a:bodyPr>
           <a:lstStyle/>
@@ -3983,74 +4729,52 @@
               <a:buClr>
                 <a:srgbClr val="C00000"/>
               </a:buClr>
-              <a:buFont typeface="Arial" panose="020B0604020202020204" pitchFamily="34" charset="0"/>
+              <a:buFont typeface="Arial" charset="0"/>
               <a:buChar char="•"/>
             </a:pPr>
             <a:r>
-              <a:rPr lang="pl-PL" sz="3000" b="1" dirty="0" err="1" smtClean="0">
-                <a:latin typeface="Calibri" panose="020F0502020204030204" pitchFamily="34" charset="0"/>
-                <a:cs typeface="Calibri" panose="020F0502020204030204" pitchFamily="34" charset="0"/>
+              <a:rPr lang="pl-PL" sz="3000" b="1">
+                <a:latin typeface="Calibri" pitchFamily="34" charset="0"/>
               </a:rPr>
-              <a:t>Mnesia</a:t>
-            </a:r>
-            <a:r>
-              <a:rPr lang="pl-PL" sz="3000" b="1" dirty="0" smtClean="0">
-                <a:latin typeface="Calibri" panose="020F0502020204030204" pitchFamily="34" charset="0"/>
-                <a:cs typeface="Calibri" panose="020F0502020204030204" pitchFamily="34" charset="0"/>
-              </a:rPr>
-              <a:t> vs SQL</a:t>
-            </a:r>
-          </a:p>
-          <a:p>
-            <a:pPr>
-              <a:buClr>
-                <a:srgbClr val="C00000"/>
-              </a:buClr>
-            </a:pPr>
-            <a:endParaRPr lang="pl-PL" sz="3000" b="1" dirty="0" smtClean="0">
-              <a:latin typeface="Calibri" panose="020F0502020204030204" pitchFamily="34" charset="0"/>
-              <a:cs typeface="Calibri" panose="020F0502020204030204" pitchFamily="34" charset="0"/>
-            </a:endParaRPr>
+              <a:t>Mnesia vs SQL</a:t>
+            </a:r>
           </a:p>
           <a:p>
             <a:pPr marL="457200" indent="-457200">
               <a:buClr>
                 <a:srgbClr val="C00000"/>
               </a:buClr>
-              <a:buFont typeface="Arial" panose="020B0604020202020204" pitchFamily="34" charset="0"/>
+            </a:pPr>
+            <a:endParaRPr lang="pl-PL" sz="3000" b="1">
+              <a:latin typeface="Calibri" pitchFamily="34" charset="0"/>
+            </a:endParaRPr>
+          </a:p>
+          <a:p>
+            <a:pPr marL="457200" indent="-457200">
+              <a:buClr>
+                <a:srgbClr val="C00000"/>
+              </a:buClr>
+              <a:buFont typeface="Arial" charset="0"/>
               <a:buChar char="•"/>
             </a:pPr>
             <a:r>
-              <a:rPr lang="pl-PL" sz="3000" b="1" dirty="0" smtClean="0">
-                <a:latin typeface="Calibri" panose="020F0502020204030204" pitchFamily="34" charset="0"/>
-                <a:cs typeface="Calibri" panose="020F0502020204030204" pitchFamily="34" charset="0"/>
+              <a:rPr lang="pl-PL" sz="3000" b="1">
+                <a:latin typeface="Calibri" pitchFamily="34" charset="0"/>
               </a:rPr>
-              <a:t>Cechy </a:t>
-            </a:r>
-            <a:r>
-              <a:rPr lang="pl-PL" sz="3000" b="1" dirty="0" err="1" smtClean="0">
-                <a:latin typeface="Calibri" panose="020F0502020204030204" pitchFamily="34" charset="0"/>
-                <a:cs typeface="Calibri" panose="020F0502020204030204" pitchFamily="34" charset="0"/>
-              </a:rPr>
-              <a:t>Mnesii</a:t>
-            </a:r>
-            <a:endParaRPr lang="pl-PL" sz="3000" b="1" dirty="0" smtClean="0">
-              <a:latin typeface="Calibri" panose="020F0502020204030204" pitchFamily="34" charset="0"/>
-              <a:cs typeface="Calibri" panose="020F0502020204030204" pitchFamily="34" charset="0"/>
-            </a:endParaRPr>
+              <a:t>Cechy Mnesii</a:t>
+            </a:r>
           </a:p>
           <a:p>
             <a:pPr marL="914400" lvl="1" indent="-457200">
               <a:buClr>
                 <a:srgbClr val="C00000"/>
               </a:buClr>
-              <a:buFont typeface="Calibri" panose="020F0502020204030204" pitchFamily="34" charset="0"/>
+              <a:buFont typeface="Calibri" pitchFamily="34" charset="0"/>
               <a:buChar char="›"/>
             </a:pPr>
             <a:r>
-              <a:rPr lang="pl-PL" sz="2400" dirty="0" smtClean="0">
-                <a:latin typeface="Calibri" panose="020F0502020204030204" pitchFamily="34" charset="0"/>
-                <a:cs typeface="Calibri" panose="020F0502020204030204" pitchFamily="34" charset="0"/>
+              <a:rPr lang="pl-PL" sz="2400">
+                <a:latin typeface="Calibri" pitchFamily="34" charset="0"/>
               </a:rPr>
               <a:t>schemat bazy danych dynamicznie konfigurowany podczas pracy</a:t>
             </a:r>
@@ -4060,91 +4784,27 @@
               <a:buClr>
                 <a:srgbClr val="C00000"/>
               </a:buClr>
-              <a:buFont typeface="Calibri" panose="020F0502020204030204" pitchFamily="34" charset="0"/>
+              <a:buFont typeface="Calibri" pitchFamily="34" charset="0"/>
               <a:buChar char="›"/>
             </a:pPr>
             <a:r>
-              <a:rPr lang="pl-PL" sz="2400" dirty="0" smtClean="0">
-                <a:latin typeface="Calibri" panose="020F0502020204030204" pitchFamily="34" charset="0"/>
-                <a:cs typeface="Calibri" panose="020F0502020204030204" pitchFamily="34" charset="0"/>
+              <a:rPr lang="pl-PL" sz="2400">
+                <a:latin typeface="Calibri" pitchFamily="34" charset="0"/>
               </a:rPr>
               <a:t>replikacja tabel:</a:t>
             </a:r>
-          </a:p>
-          <a:p>
-            <a:pPr lvl="1">
-              <a:buClr>
-                <a:srgbClr val="C00000"/>
-              </a:buClr>
-            </a:pPr>
-            <a:r>
-              <a:rPr lang="pl-PL" sz="2400" dirty="0">
-                <a:latin typeface="Calibri" panose="020F0502020204030204" pitchFamily="34" charset="0"/>
-                <a:cs typeface="Calibri" panose="020F0502020204030204" pitchFamily="34" charset="0"/>
-              </a:rPr>
-              <a:t>	</a:t>
-            </a:r>
-            <a:r>
-              <a:rPr lang="pl-PL" sz="2400" dirty="0" err="1" smtClean="0">
-                <a:latin typeface="Calibri" panose="020F0502020204030204" pitchFamily="34" charset="0"/>
-                <a:cs typeface="Calibri" panose="020F0502020204030204" pitchFamily="34" charset="0"/>
-              </a:rPr>
-              <a:t>ram_copies</a:t>
-            </a:r>
-            <a:r>
-              <a:rPr lang="pl-PL" sz="2400" dirty="0" smtClean="0">
-                <a:latin typeface="Calibri" panose="020F0502020204030204" pitchFamily="34" charset="0"/>
-                <a:cs typeface="Calibri" panose="020F0502020204030204" pitchFamily="34" charset="0"/>
-              </a:rPr>
-              <a:t> 	</a:t>
-            </a:r>
-            <a:r>
-              <a:rPr lang="pl-PL" sz="2400" dirty="0" err="1" smtClean="0">
-                <a:latin typeface="Calibri" panose="020F0502020204030204" pitchFamily="34" charset="0"/>
-                <a:cs typeface="Calibri" panose="020F0502020204030204" pitchFamily="34" charset="0"/>
-              </a:rPr>
-              <a:t>disc_copies</a:t>
-            </a:r>
-            <a:r>
-              <a:rPr lang="pl-PL" sz="2400" dirty="0" smtClean="0">
-                <a:latin typeface="Calibri" panose="020F0502020204030204" pitchFamily="34" charset="0"/>
-                <a:cs typeface="Calibri" panose="020F0502020204030204" pitchFamily="34" charset="0"/>
-              </a:rPr>
-              <a:t>	</a:t>
-            </a:r>
-            <a:r>
-              <a:rPr lang="pl-PL" sz="2400" dirty="0" err="1" smtClean="0">
-                <a:latin typeface="Calibri" panose="020F0502020204030204" pitchFamily="34" charset="0"/>
-                <a:cs typeface="Calibri" panose="020F0502020204030204" pitchFamily="34" charset="0"/>
-              </a:rPr>
-              <a:t>disc_only_copies</a:t>
-            </a:r>
-            <a:endParaRPr lang="pl-PL" sz="2400" dirty="0" smtClean="0">
-              <a:latin typeface="Calibri" panose="020F0502020204030204" pitchFamily="34" charset="0"/>
-              <a:cs typeface="Calibri" panose="020F0502020204030204" pitchFamily="34" charset="0"/>
-            </a:endParaRPr>
           </a:p>
           <a:p>
             <a:pPr marL="914400" lvl="1" indent="-457200">
               <a:buClr>
                 <a:srgbClr val="C00000"/>
               </a:buClr>
-              <a:buFont typeface="Calibri" panose="020F0502020204030204" pitchFamily="34" charset="0"/>
-              <a:buChar char="›"/>
-            </a:pPr>
-            <a:r>
-              <a:rPr lang="pl-PL" sz="2400" dirty="0">
-                <a:latin typeface="Calibri" panose="020F0502020204030204" pitchFamily="34" charset="0"/>
-                <a:cs typeface="Calibri" panose="020F0502020204030204" pitchFamily="34" charset="0"/>
+            </a:pPr>
+            <a:r>
+              <a:rPr lang="pl-PL" sz="2400">
+                <a:latin typeface="Calibri" pitchFamily="34" charset="0"/>
               </a:rPr>
-              <a:t>l</a:t>
-            </a:r>
-            <a:r>
-              <a:rPr lang="pl-PL" sz="2400" dirty="0" smtClean="0">
-                <a:latin typeface="Calibri" panose="020F0502020204030204" pitchFamily="34" charset="0"/>
-                <a:cs typeface="Calibri" panose="020F0502020204030204" pitchFamily="34" charset="0"/>
-              </a:rPr>
-              <a:t>okacje tabel transparentne dla programisty</a:t>
+              <a:t>	ram_copies 	disc_copies	disc_only_copies</a:t>
             </a:r>
           </a:p>
           <a:p>
@@ -4152,82 +4812,120 @@
               <a:buClr>
                 <a:srgbClr val="C00000"/>
               </a:buClr>
-              <a:buFont typeface="Calibri" panose="020F0502020204030204" pitchFamily="34" charset="0"/>
+              <a:buFont typeface="Calibri" pitchFamily="34" charset="0"/>
               <a:buChar char="›"/>
             </a:pPr>
             <a:r>
-              <a:rPr lang="pl-PL" sz="2400" dirty="0" smtClean="0">
-                <a:latin typeface="Calibri" panose="020F0502020204030204" pitchFamily="34" charset="0"/>
-                <a:cs typeface="Calibri" panose="020F0502020204030204" pitchFamily="34" charset="0"/>
+              <a:rPr lang="pl-PL" sz="2400">
+                <a:latin typeface="Calibri" pitchFamily="34" charset="0"/>
               </a:rPr>
-              <a:t>transakcje</a:t>
-            </a:r>
-          </a:p>
-          <a:p>
-            <a:pPr marL="800100" lvl="1" indent="-342900">
+              <a:t>lokacje tabel transparentne dla programisty</a:t>
+            </a:r>
+          </a:p>
+          <a:p>
+            <a:pPr marL="914400" lvl="1" indent="-457200">
               <a:buClr>
                 <a:srgbClr val="C00000"/>
               </a:buClr>
-              <a:buFont typeface="Calibri" panose="020F0502020204030204" pitchFamily="34" charset="0"/>
+              <a:buFont typeface="Calibri" pitchFamily="34" charset="0"/>
               <a:buChar char="›"/>
             </a:pPr>
-            <a:endParaRPr lang="pl-PL" sz="2200" b="1" dirty="0" smtClean="0">
-              <a:latin typeface="Calibri" panose="020F0502020204030204" pitchFamily="34" charset="0"/>
-              <a:cs typeface="Calibri" panose="020F0502020204030204" pitchFamily="34" charset="0"/>
-            </a:endParaRPr>
-          </a:p>
-          <a:p>
-            <a:pPr marL="800100" lvl="1" indent="-342900">
+            <a:r>
+              <a:rPr lang="pl-PL" sz="2400">
+                <a:latin typeface="Calibri" pitchFamily="34" charset="0"/>
+              </a:rPr>
+              <a:t>Transakcje</a:t>
+            </a:r>
+          </a:p>
+          <a:p>
+            <a:pPr marL="914400" lvl="1" indent="-457200">
               <a:buClr>
                 <a:srgbClr val="C00000"/>
               </a:buClr>
-              <a:buFont typeface="Calibri" panose="020F0502020204030204" pitchFamily="34" charset="0"/>
-              <a:buChar char="›"/>
-            </a:pPr>
-            <a:endParaRPr lang="pl-PL" sz="2000" b="1" dirty="0">
-              <a:latin typeface="Calibri" panose="020F0502020204030204" pitchFamily="34" charset="0"/>
-              <a:cs typeface="Calibri" panose="020F0502020204030204" pitchFamily="34" charset="0"/>
+              <a:buFont typeface="Calibri" pitchFamily="34" charset="0"/>
+              <a:buNone/>
+            </a:pPr>
+            <a:r>
+              <a:rPr lang="pl-PL" sz="2400">
+                <a:latin typeface="Calibri" pitchFamily="34" charset="0"/>
+              </a:rPr>
+              <a:t>	transaction   sync_transaction   async_dirty</a:t>
+            </a:r>
+            <a:r>
+              <a:rPr lang="en-US" sz="2400">
+                <a:latin typeface="Calibri" pitchFamily="34" charset="0"/>
+              </a:rPr>
+              <a:t> </a:t>
+            </a:r>
+            <a:endParaRPr lang="pl-PL" sz="2400">
+              <a:latin typeface="Calibri" pitchFamily="34" charset="0"/>
             </a:endParaRPr>
           </a:p>
           <a:p>
-            <a:pPr marL="800100" lvl="1" indent="-342900">
+            <a:pPr marL="914400" lvl="1" indent="-457200">
               <a:buClr>
                 <a:srgbClr val="C00000"/>
               </a:buClr>
-              <a:buFont typeface="Calibri" panose="020F0502020204030204" pitchFamily="34" charset="0"/>
+              <a:buFont typeface="Calibri" pitchFamily="34" charset="0"/>
+              <a:buNone/>
+            </a:pPr>
+            <a:r>
+              <a:rPr lang="pl-PL" sz="2400">
+                <a:latin typeface="Calibri" pitchFamily="34" charset="0"/>
+              </a:rPr>
+              <a:t>	sync_dirty</a:t>
+            </a:r>
+          </a:p>
+          <a:p>
+            <a:pPr marL="914400" lvl="1" indent="-457200">
+              <a:buClr>
+                <a:srgbClr val="C00000"/>
+              </a:buClr>
+              <a:buFont typeface="Calibri" pitchFamily="34" charset="0"/>
               <a:buChar char="›"/>
             </a:pPr>
-            <a:endParaRPr lang="pl-PL" sz="2000" b="1" dirty="0" smtClean="0">
-              <a:latin typeface="Calibri" panose="020F0502020204030204" pitchFamily="34" charset="0"/>
-              <a:cs typeface="Calibri" panose="020F0502020204030204" pitchFamily="34" charset="0"/>
+            <a:endParaRPr lang="pl-PL" sz="2400" b="1">
+              <a:latin typeface="Calibri" pitchFamily="34" charset="0"/>
             </a:endParaRPr>
           </a:p>
           <a:p>
-            <a:endParaRPr lang="pl-PL" sz="2400" b="1" dirty="0">
-              <a:latin typeface="Calibri" panose="020F0502020204030204" pitchFamily="34" charset="0"/>
-              <a:cs typeface="Calibri" panose="020F0502020204030204" pitchFamily="34" charset="0"/>
+            <a:pPr marL="914400" lvl="1" indent="-457200">
+              <a:buClr>
+                <a:srgbClr val="C00000"/>
+              </a:buClr>
+              <a:buFont typeface="Calibri" pitchFamily="34" charset="0"/>
+              <a:buChar char="›"/>
+            </a:pPr>
+            <a:endParaRPr lang="pl-PL" sz="2400" b="1">
+              <a:latin typeface="Calibri" pitchFamily="34" charset="0"/>
             </a:endParaRPr>
           </a:p>
+          <a:p>
+            <a:pPr marL="914400" lvl="1" indent="-457200">
+              <a:buClr>
+                <a:srgbClr val="C00000"/>
+              </a:buClr>
+              <a:buFont typeface="Calibri" pitchFamily="34" charset="0"/>
+              <a:buChar char="›"/>
+            </a:pPr>
+            <a:endParaRPr lang="pl-PL" sz="2000" b="1">
+              <a:latin typeface="Calibri" pitchFamily="34" charset="0"/>
+            </a:endParaRPr>
+          </a:p>
+          <a:p>
+            <a:pPr marL="457200" indent="-457200"/>
+            <a:endParaRPr lang="pl-PL" sz="2400" b="1">
+              <a:latin typeface="Calibri" pitchFamily="34" charset="0"/>
+            </a:endParaRPr>
+          </a:p>
         </p:txBody>
       </p:sp>
     </p:spTree>
-    <p:extLst>
-      <p:ext uri="{BB962C8B-B14F-4D97-AF65-F5344CB8AC3E}">
-        <p14:creationId xmlns:p14="http://schemas.microsoft.com/office/powerpoint/2010/main" val="1170051862"/>
-      </p:ext>
-    </p:extLst>
   </p:cSld>
   <p:clrMapOvr>
     <a:masterClrMapping/>
   </p:clrMapOvr>
-  <mc:AlternateContent xmlns:mc="http://schemas.openxmlformats.org/markup-compatibility/2006">
-    <mc:Choice xmlns:p14="http://schemas.microsoft.com/office/powerpoint/2010/main" Requires="p14">
-      <p:transition p14:dur="10"/>
-    </mc:Choice>
-    <mc:Fallback>
-      <p:transition/>
-    </mc:Fallback>
-  </mc:AlternateContent>
+  <p:transition/>
   <p:timing>
     <p:tnLst>
       <p:par>
@@ -4257,32 +4955,34 @@
       </p:grpSpPr>
       <p:pic>
         <p:nvPicPr>
-          <p:cNvPr id="4" name="Obraz 3"/>
+          <p:cNvPr id="16385" name="Obraz 3"/>
           <p:cNvPicPr>
             <a:picLocks noChangeAspect="1"/>
           </p:cNvPicPr>
           <p:nvPr/>
         </p:nvPicPr>
         <p:blipFill>
-          <a:blip r:embed="rId2" cstate="print">
-            <a:extLst>
-              <a:ext uri="{28A0092B-C50C-407E-A947-70E740481C1C}">
-                <a14:useLocalDpi xmlns:a14="http://schemas.microsoft.com/office/drawing/2010/main" val="0"/>
-              </a:ext>
-            </a:extLst>
-          </a:blip>
+          <a:blip r:embed="rId2"/>
+          <a:srcRect/>
           <a:stretch>
             <a:fillRect/>
           </a:stretch>
         </p:blipFill>
-        <p:spPr>
+        <p:spPr bwMode="auto">
           <a:xfrm>
-            <a:off x="25749" y="6055624"/>
-            <a:ext cx="1216315" cy="736674"/>
+            <a:off x="25400" y="6056313"/>
+            <a:ext cx="1216025" cy="736600"/>
           </a:xfrm>
           <a:prstGeom prst="rect">
             <a:avLst/>
           </a:prstGeom>
+          <a:noFill/>
+          <a:ln w="9525">
+            <a:noFill/>
+            <a:miter lim="800000"/>
+            <a:headEnd/>
+            <a:tailEnd/>
+          </a:ln>
         </p:spPr>
       </p:pic>
       <p:sp>
@@ -4293,8 +4993,8 @@
         </p:nvSpPr>
         <p:spPr>
           <a:xfrm>
-            <a:off x="755576" y="620688"/>
-            <a:ext cx="7776864" cy="6586418"/>
+            <a:off x="755650" y="620713"/>
+            <a:ext cx="7777163" cy="6586537"/>
           </a:xfrm>
           <a:prstGeom prst="rect">
             <a:avLst/>
@@ -4302,7 +5002,7 @@
           <a:noFill/>
         </p:spPr>
         <p:txBody>
-          <a:bodyPr wrap="square" rtlCol="0">
+          <a:bodyPr>
             <a:spAutoFit/>
           </a:bodyPr>
           <a:lstStyle/>
@@ -4311,29 +5011,14 @@
               <a:buClr>
                 <a:srgbClr val="C00000"/>
               </a:buClr>
-              <a:buFont typeface="Arial" panose="020B0604020202020204" pitchFamily="34" charset="0"/>
+              <a:buFont typeface="Arial" charset="0"/>
               <a:buChar char="•"/>
             </a:pPr>
             <a:r>
-              <a:rPr lang="pl-PL" sz="3000" b="1" dirty="0" smtClean="0">
-                <a:latin typeface="Calibri" panose="020F0502020204030204" pitchFamily="34" charset="0"/>
-                <a:cs typeface="Calibri" panose="020F0502020204030204" pitchFamily="34" charset="0"/>
+              <a:rPr lang="pl-PL" sz="3000" b="1">
+                <a:latin typeface="Calibri" pitchFamily="34" charset="0"/>
               </a:rPr>
-              <a:t>Kiedy użyć </a:t>
-            </a:r>
-            <a:r>
-              <a:rPr lang="pl-PL" sz="3000" b="1" dirty="0" err="1" smtClean="0">
-                <a:latin typeface="Calibri" panose="020F0502020204030204" pitchFamily="34" charset="0"/>
-                <a:cs typeface="Calibri" panose="020F0502020204030204" pitchFamily="34" charset="0"/>
-              </a:rPr>
-              <a:t>Mnesii</a:t>
-            </a:r>
-            <a:r>
-              <a:rPr lang="pl-PL" sz="3000" b="1" dirty="0" smtClean="0">
-                <a:latin typeface="Calibri" panose="020F0502020204030204" pitchFamily="34" charset="0"/>
-                <a:cs typeface="Calibri" panose="020F0502020204030204" pitchFamily="34" charset="0"/>
-              </a:rPr>
-              <a:t>?</a:t>
+              <a:t>Kiedy użyć Mnesii?</a:t>
             </a:r>
           </a:p>
           <a:p>
@@ -4341,13 +5026,12 @@
               <a:buClr>
                 <a:srgbClr val="C00000"/>
               </a:buClr>
-              <a:buFont typeface="Calibri" panose="020F0502020204030204" pitchFamily="34" charset="0"/>
+              <a:buFont typeface="Calibri" pitchFamily="34" charset="0"/>
               <a:buChar char="›"/>
             </a:pPr>
             <a:r>
-              <a:rPr lang="pl-PL" sz="2400" dirty="0" smtClean="0">
-                <a:latin typeface="Calibri" panose="020F0502020204030204" pitchFamily="34" charset="0"/>
-                <a:cs typeface="Calibri" panose="020F0502020204030204" pitchFamily="34" charset="0"/>
+              <a:rPr lang="pl-PL" sz="2400">
+                <a:latin typeface="Calibri" pitchFamily="34" charset="0"/>
               </a:rPr>
               <a:t>potrzebujemy replikacji danych</a:t>
             </a:r>
@@ -4357,13 +5041,12 @@
               <a:buClr>
                 <a:srgbClr val="C00000"/>
               </a:buClr>
-              <a:buFont typeface="Calibri" panose="020F0502020204030204" pitchFamily="34" charset="0"/>
+              <a:buFont typeface="Calibri" pitchFamily="34" charset="0"/>
               <a:buChar char="›"/>
             </a:pPr>
             <a:r>
-              <a:rPr lang="pl-PL" sz="2400" dirty="0" smtClean="0">
-                <a:latin typeface="Calibri" panose="020F0502020204030204" pitchFamily="34" charset="0"/>
-                <a:cs typeface="Calibri" panose="020F0502020204030204" pitchFamily="34" charset="0"/>
+              <a:rPr lang="pl-PL" sz="2400">
+                <a:latin typeface="Calibri" pitchFamily="34" charset="0"/>
               </a:rPr>
               <a:t>chcemy wykonywać skomplikowane zapytania</a:t>
             </a:r>
@@ -4373,13 +5056,12 @@
               <a:buClr>
                 <a:srgbClr val="C00000"/>
               </a:buClr>
-              <a:buFont typeface="Calibri" panose="020F0502020204030204" pitchFamily="34" charset="0"/>
+              <a:buFont typeface="Calibri" pitchFamily="34" charset="0"/>
               <a:buChar char="›"/>
             </a:pPr>
             <a:r>
-              <a:rPr lang="pl-PL" sz="2400" dirty="0" smtClean="0">
-                <a:latin typeface="Calibri" panose="020F0502020204030204" pitchFamily="34" charset="0"/>
-                <a:cs typeface="Calibri" panose="020F0502020204030204" pitchFamily="34" charset="0"/>
+              <a:rPr lang="pl-PL" sz="2400">
+                <a:latin typeface="Calibri" pitchFamily="34" charset="0"/>
               </a:rPr>
               <a:t>potrzebujemy wykonania atomowych transakcji do aktualizacji kilku rekordów jednocześnie</a:t>
             </a:r>
@@ -4389,28 +5071,20 @@
               <a:buClr>
                 <a:srgbClr val="C00000"/>
               </a:buClr>
-              <a:buFont typeface="Calibri" panose="020F0502020204030204" pitchFamily="34" charset="0"/>
+              <a:buFont typeface="Calibri" pitchFamily="34" charset="0"/>
               <a:buChar char="›"/>
             </a:pPr>
             <a:r>
-              <a:rPr lang="pl-PL" sz="2400" dirty="0">
-                <a:latin typeface="Calibri" panose="020F0502020204030204" pitchFamily="34" charset="0"/>
-                <a:cs typeface="Calibri" panose="020F0502020204030204" pitchFamily="34" charset="0"/>
+              <a:rPr lang="pl-PL" sz="2400">
+                <a:latin typeface="Calibri" pitchFamily="34" charset="0"/>
               </a:rPr>
-              <a:t>c</a:t>
-            </a:r>
-            <a:r>
-              <a:rPr lang="pl-PL" sz="2400" dirty="0" smtClean="0">
-                <a:latin typeface="Calibri" panose="020F0502020204030204" pitchFamily="34" charset="0"/>
-                <a:cs typeface="Calibri" panose="020F0502020204030204" pitchFamily="34" charset="0"/>
-              </a:rPr>
-              <a:t>hcemy mieć system o wysokiej tolerancji na różnego rodzaju awarie</a:t>
-            </a:r>
-          </a:p>
-          <a:p>
-            <a:endParaRPr lang="pl-PL" sz="3000" b="1" dirty="0" smtClean="0">
-              <a:latin typeface="Calibri" panose="020F0502020204030204" pitchFamily="34" charset="0"/>
-              <a:cs typeface="Calibri" panose="020F0502020204030204" pitchFamily="34" charset="0"/>
+              <a:t>chcemy mieć system o wysokiej tolerancji na różnego rodzaju awarie</a:t>
+            </a:r>
+          </a:p>
+          <a:p>
+            <a:pPr marL="342900" indent="-342900"/>
+            <a:endParaRPr lang="pl-PL" sz="3000" b="1">
+              <a:latin typeface="Calibri" pitchFamily="34" charset="0"/>
             </a:endParaRPr>
           </a:p>
           <a:p>
@@ -4418,122 +5092,87 @@
               <a:buClr>
                 <a:srgbClr val="C00000"/>
               </a:buClr>
-              <a:buFont typeface="Arial" panose="020B0604020202020204" pitchFamily="34" charset="0"/>
+              <a:buFont typeface="Arial" charset="0"/>
               <a:buChar char="•"/>
             </a:pPr>
             <a:r>
-              <a:rPr lang="pl-PL" sz="3000" b="1" dirty="0" smtClean="0">
-                <a:latin typeface="Calibri" panose="020F0502020204030204" pitchFamily="34" charset="0"/>
-                <a:cs typeface="Calibri" panose="020F0502020204030204" pitchFamily="34" charset="0"/>
+              <a:rPr lang="pl-PL" sz="3000" b="1">
+                <a:latin typeface="Calibri" pitchFamily="34" charset="0"/>
               </a:rPr>
-              <a:t>Do czego nie używać </a:t>
-            </a:r>
-            <a:r>
-              <a:rPr lang="pl-PL" sz="3000" b="1" dirty="0" err="1" smtClean="0">
-                <a:latin typeface="Calibri" panose="020F0502020204030204" pitchFamily="34" charset="0"/>
-                <a:cs typeface="Calibri" panose="020F0502020204030204" pitchFamily="34" charset="0"/>
-              </a:rPr>
-              <a:t>Mnesii</a:t>
-            </a:r>
-            <a:r>
-              <a:rPr lang="pl-PL" sz="3000" b="1" dirty="0" smtClean="0">
-                <a:latin typeface="Calibri" panose="020F0502020204030204" pitchFamily="34" charset="0"/>
-                <a:cs typeface="Calibri" panose="020F0502020204030204" pitchFamily="34" charset="0"/>
-              </a:rPr>
-              <a:t>?</a:t>
-            </a:r>
-          </a:p>
-          <a:p>
-            <a:pPr marL="800100" lvl="1" indent="-342900">
+              <a:t>Do czego nie używać Mnesii?</a:t>
+            </a:r>
+          </a:p>
+          <a:p>
+            <a:pPr marL="914400" lvl="1" indent="-457200">
               <a:buClr>
                 <a:srgbClr val="C00000"/>
               </a:buClr>
-              <a:buFont typeface="Calibri" panose="020F0502020204030204" pitchFamily="34" charset="0"/>
+              <a:buFont typeface="Calibri" pitchFamily="34" charset="0"/>
               <a:buChar char="›"/>
             </a:pPr>
             <a:r>
-              <a:rPr lang="pl-PL" sz="2400" dirty="0" smtClean="0">
-                <a:latin typeface="Calibri" panose="020F0502020204030204" pitchFamily="34" charset="0"/>
-                <a:cs typeface="Calibri" panose="020F0502020204030204" pitchFamily="34" charset="0"/>
+              <a:rPr lang="pl-PL" sz="2400">
+                <a:latin typeface="Calibri" pitchFamily="34" charset="0"/>
               </a:rPr>
               <a:t>do programów przetwarzających teksty oraz pliki z danymi binarnymi</a:t>
             </a:r>
           </a:p>
           <a:p>
-            <a:pPr marL="800100" lvl="1" indent="-342900">
+            <a:pPr marL="914400" lvl="1" indent="-457200">
               <a:buClr>
                 <a:srgbClr val="C00000"/>
               </a:buClr>
-              <a:buFont typeface="Calibri" panose="020F0502020204030204" pitchFamily="34" charset="0"/>
+              <a:buFont typeface="Calibri" pitchFamily="34" charset="0"/>
               <a:buChar char="›"/>
             </a:pPr>
             <a:r>
-              <a:rPr lang="pl-PL" sz="2400" dirty="0" smtClean="0">
-                <a:latin typeface="Calibri" panose="020F0502020204030204" pitchFamily="34" charset="0"/>
-                <a:cs typeface="Calibri" panose="020F0502020204030204" pitchFamily="34" charset="0"/>
+              <a:rPr lang="pl-PL" sz="2400">
+                <a:latin typeface="Calibri" pitchFamily="34" charset="0"/>
               </a:rPr>
               <a:t>do bardzo dużych baz danych (dziesiątki i setki gigabajtów)</a:t>
             </a:r>
           </a:p>
           <a:p>
-            <a:pPr marL="800100" lvl="1" indent="-342900">
+            <a:pPr marL="914400" lvl="1" indent="-457200">
               <a:buClr>
                 <a:srgbClr val="C00000"/>
               </a:buClr>
-              <a:buFont typeface="Calibri" panose="020F0502020204030204" pitchFamily="34" charset="0"/>
+              <a:buFont typeface="Calibri" pitchFamily="34" charset="0"/>
               <a:buChar char="›"/>
             </a:pPr>
             <a:r>
-              <a:rPr lang="pl-PL" sz="2400" dirty="0" smtClean="0">
-                <a:latin typeface="Calibri" panose="020F0502020204030204" pitchFamily="34" charset="0"/>
-                <a:cs typeface="Calibri" panose="020F0502020204030204" pitchFamily="34" charset="0"/>
+              <a:rPr lang="pl-PL" sz="2400">
+                <a:latin typeface="Calibri" pitchFamily="34" charset="0"/>
               </a:rPr>
               <a:t>jako archiwum danych, np. przechowywanie kopii zapasowej </a:t>
             </a:r>
-            <a:endParaRPr lang="pl-PL" sz="2400" dirty="0">
-              <a:latin typeface="Calibri" panose="020F0502020204030204" pitchFamily="34" charset="0"/>
-              <a:cs typeface="Calibri" panose="020F0502020204030204" pitchFamily="34" charset="0"/>
-            </a:endParaRPr>
-          </a:p>
-          <a:p>
-            <a:pPr marL="800100" lvl="1" indent="-342900">
+          </a:p>
+          <a:p>
+            <a:pPr marL="914400" lvl="1" indent="-457200">
               <a:buClr>
                 <a:srgbClr val="C00000"/>
               </a:buClr>
-              <a:buFont typeface="Calibri" panose="020F0502020204030204" pitchFamily="34" charset="0"/>
+              <a:buFont typeface="Calibri" pitchFamily="34" charset="0"/>
               <a:buChar char="›"/>
             </a:pPr>
-            <a:endParaRPr lang="pl-PL" sz="2000" b="1" dirty="0" smtClean="0">
-              <a:latin typeface="Calibri" panose="020F0502020204030204" pitchFamily="34" charset="0"/>
-              <a:cs typeface="Calibri" panose="020F0502020204030204" pitchFamily="34" charset="0"/>
+            <a:endParaRPr lang="pl-PL" sz="2000" b="1">
+              <a:latin typeface="Calibri" pitchFamily="34" charset="0"/>
             </a:endParaRPr>
           </a:p>
           <a:p>
-            <a:endParaRPr lang="pl-PL" sz="2400" b="1" dirty="0">
-              <a:latin typeface="Calibri" panose="020F0502020204030204" pitchFamily="34" charset="0"/>
-              <a:cs typeface="Calibri" panose="020F0502020204030204" pitchFamily="34" charset="0"/>
+            <a:pPr marL="342900" indent="-342900"/>
+            <a:endParaRPr lang="pl-PL" sz="2400" b="1">
+              <a:latin typeface="Calibri" pitchFamily="34" charset="0"/>
             </a:endParaRPr>
           </a:p>
         </p:txBody>
       </p:sp>
     </p:spTree>
-    <p:extLst>
-      <p:ext uri="{BB962C8B-B14F-4D97-AF65-F5344CB8AC3E}">
-        <p14:creationId xmlns:p14="http://schemas.microsoft.com/office/powerpoint/2010/main" val="3507395674"/>
-      </p:ext>
-    </p:extLst>
   </p:cSld>
   <p:clrMapOvr>
     <a:masterClrMapping/>
   </p:clrMapOvr>
-  <mc:AlternateContent xmlns:mc="http://schemas.openxmlformats.org/markup-compatibility/2006">
-    <mc:Choice xmlns:p14="http://schemas.microsoft.com/office/powerpoint/2010/main" Requires="p14">
-      <p:transition p14:dur="10"/>
-    </mc:Choice>
-    <mc:Fallback>
-      <p:transition/>
-    </mc:Fallback>
-  </mc:AlternateContent>
+  <p:transition/>
   <p:timing>
     <p:tnLst>
       <p:par>
@@ -4563,32 +5202,34 @@
       </p:grpSpPr>
       <p:pic>
         <p:nvPicPr>
-          <p:cNvPr id="4" name="Obraz 3"/>
+          <p:cNvPr id="18433" name="Obraz 3"/>
           <p:cNvPicPr>
             <a:picLocks noChangeAspect="1"/>
           </p:cNvPicPr>
           <p:nvPr/>
         </p:nvPicPr>
         <p:blipFill>
-          <a:blip r:embed="rId2" cstate="print">
-            <a:extLst>
-              <a:ext uri="{28A0092B-C50C-407E-A947-70E740481C1C}">
-                <a14:useLocalDpi xmlns:a14="http://schemas.microsoft.com/office/drawing/2010/main" val="0"/>
-              </a:ext>
-            </a:extLst>
-          </a:blip>
+          <a:blip r:embed="rId2"/>
+          <a:srcRect/>
           <a:stretch>
             <a:fillRect/>
           </a:stretch>
         </p:blipFill>
-        <p:spPr>
+        <p:spPr bwMode="auto">
           <a:xfrm>
-            <a:off x="25749" y="6055624"/>
-            <a:ext cx="1216315" cy="736674"/>
+            <a:off x="25400" y="6056313"/>
+            <a:ext cx="1216025" cy="736600"/>
           </a:xfrm>
           <a:prstGeom prst="rect">
             <a:avLst/>
           </a:prstGeom>
+          <a:noFill/>
+          <a:ln w="9525">
+            <a:noFill/>
+            <a:miter lim="800000"/>
+            <a:headEnd/>
+            <a:tailEnd/>
+          </a:ln>
         </p:spPr>
       </p:pic>
       <p:sp>
@@ -4599,8 +5240,8 @@
         </p:nvSpPr>
         <p:spPr>
           <a:xfrm>
-            <a:off x="755576" y="620688"/>
-            <a:ext cx="7776864" cy="4247317"/>
+            <a:off x="755650" y="620713"/>
+            <a:ext cx="7777163" cy="3016250"/>
           </a:xfrm>
           <a:prstGeom prst="rect">
             <a:avLst/>
@@ -4608,7 +5249,7 @@
           <a:noFill/>
         </p:spPr>
         <p:txBody>
-          <a:bodyPr wrap="square" rtlCol="0">
+          <a:bodyPr>
             <a:spAutoFit/>
           </a:bodyPr>
           <a:lstStyle/>
@@ -4617,15 +5258,14 @@
               <a:buClr>
                 <a:srgbClr val="C00000"/>
               </a:buClr>
-              <a:buFont typeface="Arial" panose="020B0604020202020204" pitchFamily="34" charset="0"/>
+              <a:buFont typeface="Arial" charset="0"/>
               <a:buChar char="•"/>
             </a:pPr>
             <a:r>
-              <a:rPr lang="pl-PL" sz="3000" b="1" dirty="0" smtClean="0">
-                <a:latin typeface="Calibri" panose="020F0502020204030204" pitchFamily="34" charset="0"/>
-                <a:cs typeface="Calibri" panose="020F0502020204030204" pitchFamily="34" charset="0"/>
+              <a:rPr lang="pl-PL" sz="3000" b="1">
+                <a:latin typeface="Calibri" pitchFamily="34" charset="0"/>
               </a:rPr>
-              <a:t>Uruchamianie</a:t>
+              <a:t>Skąd się wzięła nazwa?</a:t>
             </a:r>
           </a:p>
           <a:p>
@@ -4635,36 +5275,37 @@
               </a:buClr>
             </a:pPr>
             <a:r>
-              <a:rPr lang="en-US" sz="2400" dirty="0" smtClean="0">
-                <a:latin typeface="Calibri" panose="020F0502020204030204" pitchFamily="34" charset="0"/>
-                <a:cs typeface="Calibri" panose="020F0502020204030204" pitchFamily="34" charset="0"/>
+              <a:rPr lang="en-US" sz="2400" i="1">
+                <a:latin typeface="Calibri" pitchFamily="34" charset="0"/>
               </a:rPr>
-              <a:t>1</a:t>
-            </a:r>
-            <a:r>
-              <a:rPr lang="en-US" sz="2400" dirty="0">
-                <a:latin typeface="Calibri" panose="020F0502020204030204" pitchFamily="34" charset="0"/>
-                <a:cs typeface="Calibri" panose="020F0502020204030204" pitchFamily="34" charset="0"/>
+              <a:t>„The original name was Amnesia. One of our bosses didn't like the name. He said, ’You can't possibly call it Amnesia</a:t>
+            </a:r>
+            <a:r>
+              <a:rPr lang="pl-PL" sz="2400" i="1">
+                <a:latin typeface="Calibri" pitchFamily="34" charset="0"/>
               </a:rPr>
-              <a:t>&gt; </a:t>
-            </a:r>
-            <a:r>
-              <a:rPr lang="en-US" sz="2400" dirty="0" err="1">
-                <a:latin typeface="Calibri" panose="020F0502020204030204" pitchFamily="34" charset="0"/>
-                <a:cs typeface="Calibri" panose="020F0502020204030204" pitchFamily="34" charset="0"/>
+              <a:t> </a:t>
+            </a:r>
+            <a:r>
+              <a:rPr lang="en-US" sz="2400" i="1">
+                <a:latin typeface="Calibri" pitchFamily="34" charset="0"/>
               </a:rPr>
-              <a:t>mnesia:create_schema</a:t>
-            </a:r>
-            <a:r>
-              <a:rPr lang="en-US" sz="2400" dirty="0">
-                <a:latin typeface="Calibri" panose="020F0502020204030204" pitchFamily="34" charset="0"/>
-                <a:cs typeface="Calibri" panose="020F0502020204030204" pitchFamily="34" charset="0"/>
+              <a:t>–</a:t>
+            </a:r>
+            <a:r>
+              <a:rPr lang="pl-PL" sz="2400" i="1">
+                <a:latin typeface="Calibri" pitchFamily="34" charset="0"/>
               </a:rPr>
-              <a:t>([node()]).        </a:t>
-            </a:r>
-            <a:endParaRPr lang="pl-PL" sz="2400" dirty="0" smtClean="0">
-              <a:latin typeface="Calibri" panose="020F0502020204030204" pitchFamily="34" charset="0"/>
-              <a:cs typeface="Calibri" panose="020F0502020204030204" pitchFamily="34" charset="0"/>
+              <a:t> </a:t>
+            </a:r>
+            <a:r>
+              <a:rPr lang="en-US" sz="2400" i="1">
+                <a:latin typeface="Calibri" pitchFamily="34" charset="0"/>
+              </a:rPr>
+              <a:t>you can't have a database that forgets things!’. So we dropped the A and the name stuck.“</a:t>
+            </a:r>
+            <a:endParaRPr lang="pl-PL" sz="2400" i="1">
+              <a:latin typeface="Calibri" pitchFamily="34" charset="0"/>
             </a:endParaRPr>
           </a:p>
           <a:p>
@@ -4674,23 +5315,17 @@
               </a:buClr>
             </a:pPr>
             <a:r>
-              <a:rPr lang="pl-PL" sz="2400" i="1" dirty="0">
-                <a:latin typeface="Calibri" panose="020F0502020204030204" pitchFamily="34" charset="0"/>
-                <a:cs typeface="Calibri" panose="020F0502020204030204" pitchFamily="34" charset="0"/>
+              <a:rPr lang="pl-PL" sz="2200" b="1" i="1">
+                <a:latin typeface="Calibri" pitchFamily="34" charset="0"/>
               </a:rPr>
-              <a:t>o</a:t>
-            </a:r>
-            <a:r>
-              <a:rPr lang="en-US" sz="2400" i="1" dirty="0" smtClean="0">
-                <a:latin typeface="Calibri" panose="020F0502020204030204" pitchFamily="34" charset="0"/>
-                <a:cs typeface="Calibri" panose="020F0502020204030204" pitchFamily="34" charset="0"/>
+              <a:t>					</a:t>
+            </a:r>
+            <a:r>
+              <a:rPr lang="pl-PL" b="1" i="1">
+                <a:latin typeface="Calibri" pitchFamily="34" charset="0"/>
               </a:rPr>
-              <a:t>k</a:t>
-            </a:r>
-            <a:endParaRPr lang="pl-PL" sz="2400" i="1" dirty="0" smtClean="0">
-              <a:latin typeface="Calibri" panose="020F0502020204030204" pitchFamily="34" charset="0"/>
-              <a:cs typeface="Calibri" panose="020F0502020204030204" pitchFamily="34" charset="0"/>
-            </a:endParaRPr>
+              <a:t>- Joe Armstrong </a:t>
+            </a:r>
           </a:p>
           <a:p>
             <a:pPr lvl="1">
@@ -4699,202 +5334,26 @@
               </a:buClr>
             </a:pPr>
             <a:r>
-              <a:rPr lang="en-US" sz="2400" dirty="0" smtClean="0">
-                <a:latin typeface="Calibri" panose="020F0502020204030204" pitchFamily="34" charset="0"/>
-                <a:cs typeface="Calibri" panose="020F0502020204030204" pitchFamily="34" charset="0"/>
+              <a:rPr lang="pl-PL" b="1" i="1">
+                <a:latin typeface="Calibri" pitchFamily="34" charset="0"/>
               </a:rPr>
-              <a:t>2&gt; </a:t>
-            </a:r>
-            <a:r>
-              <a:rPr lang="en-US" sz="2400" dirty="0" err="1">
-                <a:latin typeface="Calibri" panose="020F0502020204030204" pitchFamily="34" charset="0"/>
-                <a:cs typeface="Calibri" panose="020F0502020204030204" pitchFamily="34" charset="0"/>
-              </a:rPr>
-              <a:t>mnesia:start</a:t>
-            </a:r>
-            <a:r>
-              <a:rPr lang="en-US" sz="2400" dirty="0">
-                <a:latin typeface="Calibri" panose="020F0502020204030204" pitchFamily="34" charset="0"/>
-                <a:cs typeface="Calibri" panose="020F0502020204030204" pitchFamily="34" charset="0"/>
-              </a:rPr>
-              <a:t>().        </a:t>
-            </a:r>
-            <a:endParaRPr lang="pl-PL" sz="2400" dirty="0" smtClean="0">
-              <a:latin typeface="Calibri" panose="020F0502020204030204" pitchFamily="34" charset="0"/>
-              <a:cs typeface="Calibri" panose="020F0502020204030204" pitchFamily="34" charset="0"/>
+              <a:t>					twórca języka Erlang</a:t>
+            </a:r>
+          </a:p>
+          <a:p>
+            <a:pPr marL="342900" indent="-342900"/>
+            <a:endParaRPr lang="pl-PL" sz="2400" b="1">
+              <a:latin typeface="Calibri" pitchFamily="34" charset="0"/>
             </a:endParaRPr>
           </a:p>
-          <a:p>
-            <a:pPr lvl="1">
-              <a:buClr>
-                <a:srgbClr val="C00000"/>
-              </a:buClr>
-            </a:pPr>
-            <a:r>
-              <a:rPr lang="en-US" sz="2400" i="1" dirty="0" smtClean="0">
-                <a:latin typeface="Calibri" panose="020F0502020204030204" pitchFamily="34" charset="0"/>
-                <a:cs typeface="Calibri" panose="020F0502020204030204" pitchFamily="34" charset="0"/>
-              </a:rPr>
-              <a:t>ok</a:t>
-            </a:r>
-            <a:r>
-              <a:rPr lang="en-US" sz="2400" dirty="0" smtClean="0">
-                <a:latin typeface="Calibri" panose="020F0502020204030204" pitchFamily="34" charset="0"/>
-                <a:cs typeface="Calibri" panose="020F0502020204030204" pitchFamily="34" charset="0"/>
-              </a:rPr>
-              <a:t>        </a:t>
-            </a:r>
-            <a:endParaRPr lang="pl-PL" sz="2400" dirty="0" smtClean="0">
-              <a:latin typeface="Calibri" panose="020F0502020204030204" pitchFamily="34" charset="0"/>
-              <a:cs typeface="Calibri" panose="020F0502020204030204" pitchFamily="34" charset="0"/>
-            </a:endParaRPr>
-          </a:p>
-          <a:p>
-            <a:pPr lvl="1">
-              <a:buClr>
-                <a:srgbClr val="C00000"/>
-              </a:buClr>
-            </a:pPr>
-            <a:r>
-              <a:rPr lang="en-US" sz="2400" dirty="0" smtClean="0">
-                <a:latin typeface="Calibri" panose="020F0502020204030204" pitchFamily="34" charset="0"/>
-                <a:cs typeface="Calibri" panose="020F0502020204030204" pitchFamily="34" charset="0"/>
-              </a:rPr>
-              <a:t>3</a:t>
-            </a:r>
-            <a:r>
-              <a:rPr lang="en-US" sz="2400" dirty="0">
-                <a:latin typeface="Calibri" panose="020F0502020204030204" pitchFamily="34" charset="0"/>
-                <a:cs typeface="Calibri" panose="020F0502020204030204" pitchFamily="34" charset="0"/>
-              </a:rPr>
-              <a:t>&gt; </a:t>
-            </a:r>
-            <a:r>
-              <a:rPr lang="en-US" sz="2400" dirty="0" err="1">
-                <a:latin typeface="Calibri" panose="020F0502020204030204" pitchFamily="34" charset="0"/>
-                <a:cs typeface="Calibri" panose="020F0502020204030204" pitchFamily="34" charset="0"/>
-              </a:rPr>
-              <a:t>mnesia:create_table</a:t>
-            </a:r>
-            <a:r>
-              <a:rPr lang="en-US" sz="2400" dirty="0">
-                <a:latin typeface="Calibri" panose="020F0502020204030204" pitchFamily="34" charset="0"/>
-                <a:cs typeface="Calibri" panose="020F0502020204030204" pitchFamily="34" charset="0"/>
-              </a:rPr>
-              <a:t>(funky, </a:t>
-            </a:r>
-            <a:r>
-              <a:rPr lang="en-US" sz="2400" dirty="0" smtClean="0">
-                <a:latin typeface="Calibri" panose="020F0502020204030204" pitchFamily="34" charset="0"/>
-                <a:cs typeface="Calibri" panose="020F0502020204030204" pitchFamily="34" charset="0"/>
-              </a:rPr>
-              <a:t>[]).</a:t>
-            </a:r>
-            <a:endParaRPr lang="pl-PL" sz="2400" dirty="0" smtClean="0">
-              <a:latin typeface="Calibri" panose="020F0502020204030204" pitchFamily="34" charset="0"/>
-              <a:cs typeface="Calibri" panose="020F0502020204030204" pitchFamily="34" charset="0"/>
-            </a:endParaRPr>
-          </a:p>
-          <a:p>
-            <a:pPr lvl="1">
-              <a:buClr>
-                <a:srgbClr val="C00000"/>
-              </a:buClr>
-            </a:pPr>
-            <a:r>
-              <a:rPr lang="en-US" sz="2400" i="1" dirty="0">
-                <a:latin typeface="Calibri" panose="020F0502020204030204" pitchFamily="34" charset="0"/>
-                <a:cs typeface="Calibri" panose="020F0502020204030204" pitchFamily="34" charset="0"/>
-              </a:rPr>
-              <a:t>{</a:t>
-            </a:r>
-            <a:r>
-              <a:rPr lang="en-US" sz="2400" i="1" dirty="0" err="1">
-                <a:latin typeface="Calibri" panose="020F0502020204030204" pitchFamily="34" charset="0"/>
-                <a:cs typeface="Calibri" panose="020F0502020204030204" pitchFamily="34" charset="0"/>
-              </a:rPr>
-              <a:t>atomic,ok</a:t>
-            </a:r>
-            <a:r>
-              <a:rPr lang="en-US" sz="2400" i="1" dirty="0" smtClean="0">
-                <a:latin typeface="Calibri" panose="020F0502020204030204" pitchFamily="34" charset="0"/>
-                <a:cs typeface="Calibri" panose="020F0502020204030204" pitchFamily="34" charset="0"/>
-              </a:rPr>
-              <a:t>}</a:t>
-            </a:r>
-            <a:endParaRPr lang="pl-PL" sz="2400" i="1" dirty="0" smtClean="0">
-              <a:latin typeface="Calibri" panose="020F0502020204030204" pitchFamily="34" charset="0"/>
-              <a:cs typeface="Calibri" panose="020F0502020204030204" pitchFamily="34" charset="0"/>
-            </a:endParaRPr>
-          </a:p>
-          <a:p>
-            <a:pPr lvl="1">
-              <a:buClr>
-                <a:srgbClr val="C00000"/>
-              </a:buClr>
-            </a:pPr>
-            <a:endParaRPr lang="pl-PL" sz="2200" b="1" i="1" dirty="0">
-              <a:latin typeface="Calibri" panose="020F0502020204030204" pitchFamily="34" charset="0"/>
-              <a:cs typeface="Calibri" panose="020F0502020204030204" pitchFamily="34" charset="0"/>
-            </a:endParaRPr>
-          </a:p>
-          <a:p>
-            <a:pPr marL="342900" indent="-342900">
-              <a:buClr>
-                <a:srgbClr val="C00000"/>
-              </a:buClr>
-              <a:buFont typeface="Arial" panose="020B0604020202020204" pitchFamily="34" charset="0"/>
-              <a:buChar char="•"/>
-            </a:pPr>
-            <a:r>
-              <a:rPr lang="pl-PL" sz="3000" b="1" dirty="0" smtClean="0">
-                <a:latin typeface="Calibri" panose="020F0502020204030204" pitchFamily="34" charset="0"/>
-                <a:cs typeface="Calibri" panose="020F0502020204030204" pitchFamily="34" charset="0"/>
-              </a:rPr>
-              <a:t>Przykład</a:t>
-            </a:r>
-            <a:endParaRPr lang="pl-PL" sz="3000" b="1" dirty="0">
-              <a:latin typeface="Calibri" panose="020F0502020204030204" pitchFamily="34" charset="0"/>
-              <a:cs typeface="Calibri" panose="020F0502020204030204" pitchFamily="34" charset="0"/>
-            </a:endParaRPr>
-          </a:p>
-          <a:p>
-            <a:pPr>
-              <a:buClr>
-                <a:srgbClr val="C00000"/>
-              </a:buClr>
-            </a:pPr>
-            <a:endParaRPr lang="pl-PL" sz="2000" b="1" dirty="0" smtClean="0">
-              <a:latin typeface="Calibri" panose="020F0502020204030204" pitchFamily="34" charset="0"/>
-              <a:cs typeface="Calibri" panose="020F0502020204030204" pitchFamily="34" charset="0"/>
-            </a:endParaRPr>
-          </a:p>
-          <a:p>
-            <a:endParaRPr lang="pl-PL" sz="2400" b="1" dirty="0">
-              <a:latin typeface="Calibri" panose="020F0502020204030204" pitchFamily="34" charset="0"/>
-              <a:cs typeface="Calibri" panose="020F0502020204030204" pitchFamily="34" charset="0"/>
-            </a:endParaRPr>
-          </a:p>
         </p:txBody>
       </p:sp>
     </p:spTree>
-    <p:extLst>
-      <p:ext uri="{BB962C8B-B14F-4D97-AF65-F5344CB8AC3E}">
-        <p14:creationId xmlns:p14="http://schemas.microsoft.com/office/powerpoint/2010/main" val="926140520"/>
-      </p:ext>
-    </p:extLst>
   </p:cSld>
   <p:clrMapOvr>
     <a:masterClrMapping/>
   </p:clrMapOvr>
-  <mc:AlternateContent xmlns:mc="http://schemas.openxmlformats.org/markup-compatibility/2006">
-    <mc:Choice xmlns:p14="http://schemas.microsoft.com/office/powerpoint/2010/main" Requires="p14">
-      <p:transition p14:dur="10"/>
-    </mc:Choice>
-    <mc:Fallback>
-      <p:transition/>
-    </mc:Fallback>
-  </mc:AlternateContent>
+  <p:transition/>
   <p:timing>
     <p:tnLst>
       <p:par>
@@ -4922,194 +5381,130 @@
           <a:chExt cx="0" cy="0"/>
         </a:xfrm>
       </p:grpSpPr>
+      <p:sp>
+        <p:nvSpPr>
+          <p:cNvPr id="21506" name="Rectangle 2"/>
+          <p:cNvSpPr>
+            <a:spLocks noGrp="1"/>
+          </p:cNvSpPr>
+          <p:nvPr>
+            <p:ph type="title"/>
+          </p:nvPr>
+        </p:nvSpPr>
+        <p:spPr bwMode="auto">
+          <a:noFill/>
+        </p:spPr>
+        <p:txBody>
+          <a:bodyPr wrap="square" numCol="1" anchorCtr="0" compatLnSpc="1">
+            <a:prstTxWarp prst="textNoShape">
+              <a:avLst/>
+            </a:prstTxWarp>
+          </a:bodyPr>
+          <a:lstStyle/>
+          <a:p>
+            <a:r>
+              <a:rPr lang="pl-PL" sz="4800" b="1" cap="none" smtClean="0">
+                <a:latin typeface="Calibri" pitchFamily="34" charset="0"/>
+              </a:rPr>
+              <a:t>Przykład</a:t>
+            </a:r>
+            <a:r>
+              <a:rPr lang="pl-PL" cap="none" smtClean="0">
+                <a:latin typeface="Calibri" pitchFamily="34" charset="0"/>
+              </a:rPr>
+              <a:t> </a:t>
+            </a:r>
+            <a:endParaRPr lang="en-US" cap="none" smtClean="0">
+              <a:latin typeface="Calibri" pitchFamily="34" charset="0"/>
+            </a:endParaRPr>
+          </a:p>
+        </p:txBody>
+      </p:sp>
+      <p:sp>
+        <p:nvSpPr>
+          <p:cNvPr id="21507" name="Rectangle 3"/>
+          <p:cNvSpPr>
+            <a:spLocks noGrp="1"/>
+          </p:cNvSpPr>
+          <p:nvPr>
+            <p:ph type="body" sz="half" idx="1"/>
+          </p:nvPr>
+        </p:nvSpPr>
+        <p:spPr>
+          <a:xfrm>
+            <a:off x="395288" y="1700213"/>
+            <a:ext cx="7993062" cy="3076575"/>
+          </a:xfrm>
+        </p:spPr>
+        <p:txBody>
+          <a:bodyPr/>
+          <a:lstStyle/>
+          <a:p>
+            <a:r>
+              <a:rPr lang="pl-PL" sz="3200" smtClean="0">
+                <a:latin typeface="Calibri" pitchFamily="34" charset="0"/>
+              </a:rPr>
+              <a:t>„Przed wyruszeniem w drogę należy zebrać drużynę. ”</a:t>
+            </a:r>
+          </a:p>
+          <a:p>
+            <a:r>
+              <a:rPr lang="pl-PL" sz="3200" smtClean="0">
+                <a:latin typeface="Calibri" pitchFamily="34" charset="0"/>
+              </a:rPr>
+              <a:t>				                        </a:t>
+            </a:r>
+            <a:r>
+              <a:rPr lang="pl-PL" sz="1800" smtClean="0">
+                <a:latin typeface="Calibri" pitchFamily="34" charset="0"/>
+              </a:rPr>
+              <a:t>-Baldur’s Gate</a:t>
+            </a:r>
+          </a:p>
+          <a:p>
+            <a:endParaRPr lang="pl-PL" sz="1800" smtClean="0">
+              <a:latin typeface="Calibri" pitchFamily="34" charset="0"/>
+            </a:endParaRPr>
+          </a:p>
+          <a:p>
+            <a:endParaRPr lang="pl-PL" sz="3200" smtClean="0">
+              <a:latin typeface="Calibri" pitchFamily="34" charset="0"/>
+            </a:endParaRPr>
+          </a:p>
+        </p:txBody>
+      </p:sp>
       <p:pic>
         <p:nvPicPr>
-          <p:cNvPr id="4" name="Obraz 3"/>
+          <p:cNvPr id="21516" name="Obraz 3"/>
           <p:cNvPicPr>
             <a:picLocks noChangeAspect="1"/>
           </p:cNvPicPr>
-          <p:nvPr/>
+          <p:nvPr>
+            <p:ph sz="half" idx="2"/>
+          </p:nvPr>
         </p:nvPicPr>
         <p:blipFill>
-          <a:blip r:embed="rId2" cstate="print">
-            <a:extLst>
-              <a:ext uri="{28A0092B-C50C-407E-A947-70E740481C1C}">
-                <a14:useLocalDpi xmlns:a14="http://schemas.microsoft.com/office/drawing/2010/main" val="0"/>
-              </a:ext>
-            </a:extLst>
-          </a:blip>
+          <a:blip r:embed="rId2"/>
+          <a:srcRect/>
           <a:stretch>
             <a:fillRect/>
           </a:stretch>
         </p:blipFill>
         <p:spPr>
           <a:xfrm>
-            <a:off x="25749" y="6055624"/>
-            <a:ext cx="1216315" cy="736674"/>
+            <a:off x="0" y="6122988"/>
+            <a:ext cx="1217613" cy="735012"/>
           </a:xfrm>
-          <a:prstGeom prst="rect">
-            <a:avLst/>
-          </a:prstGeom>
+          <a:noFill/>
+          <a:ln/>
         </p:spPr>
       </p:pic>
-      <p:sp>
-        <p:nvSpPr>
-          <p:cNvPr id="6" name="pole tekstowe 5"/>
-          <p:cNvSpPr txBox="1"/>
-          <p:nvPr/>
-        </p:nvSpPr>
-        <p:spPr>
-          <a:xfrm>
-            <a:off x="755576" y="620688"/>
-            <a:ext cx="7776864" cy="3016210"/>
-          </a:xfrm>
-          <a:prstGeom prst="rect">
-            <a:avLst/>
-          </a:prstGeom>
-          <a:noFill/>
-        </p:spPr>
-        <p:txBody>
-          <a:bodyPr wrap="square" rtlCol="0">
-            <a:spAutoFit/>
-          </a:bodyPr>
-          <a:lstStyle/>
-          <a:p>
-            <a:pPr marL="342900" indent="-342900">
-              <a:buClr>
-                <a:srgbClr val="C00000"/>
-              </a:buClr>
-              <a:buFont typeface="Arial" panose="020B0604020202020204" pitchFamily="34" charset="0"/>
-              <a:buChar char="•"/>
-            </a:pPr>
-            <a:r>
-              <a:rPr lang="pl-PL" sz="3000" b="1" dirty="0" smtClean="0">
-                <a:latin typeface="Calibri" panose="020F0502020204030204" pitchFamily="34" charset="0"/>
-                <a:cs typeface="Calibri" panose="020F0502020204030204" pitchFamily="34" charset="0"/>
-              </a:rPr>
-              <a:t>Skąd się wzięła nazwa?</a:t>
-            </a:r>
-          </a:p>
-          <a:p>
-            <a:pPr lvl="1">
-              <a:buClr>
-                <a:srgbClr val="C00000"/>
-              </a:buClr>
-            </a:pPr>
-            <a:r>
-              <a:rPr lang="en-US" sz="2400" i="1" dirty="0" smtClean="0">
-                <a:latin typeface="Calibri" panose="020F0502020204030204" pitchFamily="34" charset="0"/>
-                <a:cs typeface="Calibri" panose="020F0502020204030204" pitchFamily="34" charset="0"/>
-              </a:rPr>
-              <a:t>„The original name was Amnesia. One of our bosses didn't like the name. He said, ’You can't possibly call it Amnesia</a:t>
-            </a:r>
-            <a:r>
-              <a:rPr lang="pl-PL" sz="2400" i="1" dirty="0" smtClean="0">
-                <a:latin typeface="Calibri" panose="020F0502020204030204" pitchFamily="34" charset="0"/>
-                <a:cs typeface="Calibri" panose="020F0502020204030204" pitchFamily="34" charset="0"/>
-              </a:rPr>
-              <a:t> </a:t>
-            </a:r>
-            <a:r>
-              <a:rPr lang="en-US" sz="2400" i="1" dirty="0" smtClean="0">
-                <a:latin typeface="Calibri" panose="020F0502020204030204" pitchFamily="34" charset="0"/>
-                <a:cs typeface="Calibri" panose="020F0502020204030204" pitchFamily="34" charset="0"/>
-              </a:rPr>
-              <a:t>–</a:t>
-            </a:r>
-            <a:r>
-              <a:rPr lang="pl-PL" sz="2400" i="1" dirty="0" smtClean="0">
-                <a:latin typeface="Calibri" panose="020F0502020204030204" pitchFamily="34" charset="0"/>
-                <a:cs typeface="Calibri" panose="020F0502020204030204" pitchFamily="34" charset="0"/>
-              </a:rPr>
-              <a:t> </a:t>
-            </a:r>
-            <a:r>
-              <a:rPr lang="en-US" sz="2400" i="1" dirty="0" smtClean="0">
-                <a:latin typeface="Calibri" panose="020F0502020204030204" pitchFamily="34" charset="0"/>
-                <a:cs typeface="Calibri" panose="020F0502020204030204" pitchFamily="34" charset="0"/>
-              </a:rPr>
-              <a:t>you can't have a database that forgets things!’. So we dropped the A and the name stuck.“</a:t>
-            </a:r>
-            <a:endParaRPr lang="pl-PL" sz="2400" i="1" dirty="0" smtClean="0">
-              <a:latin typeface="Calibri" panose="020F0502020204030204" pitchFamily="34" charset="0"/>
-              <a:cs typeface="Calibri" panose="020F0502020204030204" pitchFamily="34" charset="0"/>
-            </a:endParaRPr>
-          </a:p>
-          <a:p>
-            <a:pPr lvl="1">
-              <a:buClr>
-                <a:srgbClr val="C00000"/>
-              </a:buClr>
-            </a:pPr>
-            <a:r>
-              <a:rPr lang="pl-PL" sz="2200" b="1" i="1" dirty="0">
-                <a:latin typeface="Calibri" panose="020F0502020204030204" pitchFamily="34" charset="0"/>
-                <a:cs typeface="Calibri" panose="020F0502020204030204" pitchFamily="34" charset="0"/>
-              </a:rPr>
-              <a:t>	</a:t>
-            </a:r>
-            <a:r>
-              <a:rPr lang="pl-PL" sz="2200" b="1" i="1" dirty="0" smtClean="0">
-                <a:latin typeface="Calibri" panose="020F0502020204030204" pitchFamily="34" charset="0"/>
-                <a:cs typeface="Calibri" panose="020F0502020204030204" pitchFamily="34" charset="0"/>
-              </a:rPr>
-              <a:t>				</a:t>
-            </a:r>
-            <a:r>
-              <a:rPr lang="pl-PL" b="1" i="1" dirty="0" smtClean="0">
-                <a:latin typeface="Calibri" panose="020F0502020204030204" pitchFamily="34" charset="0"/>
-                <a:cs typeface="Calibri" panose="020F0502020204030204" pitchFamily="34" charset="0"/>
-              </a:rPr>
-              <a:t>- Joe Armstrong </a:t>
-            </a:r>
-          </a:p>
-          <a:p>
-            <a:pPr lvl="1">
-              <a:buClr>
-                <a:srgbClr val="C00000"/>
-              </a:buClr>
-            </a:pPr>
-            <a:r>
-              <a:rPr lang="pl-PL" b="1" i="1" dirty="0">
-                <a:latin typeface="Calibri" panose="020F0502020204030204" pitchFamily="34" charset="0"/>
-                <a:cs typeface="Calibri" panose="020F0502020204030204" pitchFamily="34" charset="0"/>
-              </a:rPr>
-              <a:t>	</a:t>
-            </a:r>
-            <a:r>
-              <a:rPr lang="pl-PL" b="1" i="1" dirty="0" smtClean="0">
-                <a:latin typeface="Calibri" panose="020F0502020204030204" pitchFamily="34" charset="0"/>
-                <a:cs typeface="Calibri" panose="020F0502020204030204" pitchFamily="34" charset="0"/>
-              </a:rPr>
-              <a:t>				twórca języka Erlang</a:t>
-            </a:r>
-          </a:p>
-          <a:p>
-            <a:endParaRPr lang="pl-PL" sz="2400" b="1" dirty="0">
-              <a:latin typeface="Calibri" panose="020F0502020204030204" pitchFamily="34" charset="0"/>
-              <a:cs typeface="Calibri" panose="020F0502020204030204" pitchFamily="34" charset="0"/>
-            </a:endParaRPr>
-          </a:p>
-        </p:txBody>
-      </p:sp>
     </p:spTree>
-    <p:extLst>
-      <p:ext uri="{BB962C8B-B14F-4D97-AF65-F5344CB8AC3E}">
-        <p14:creationId xmlns:p14="http://schemas.microsoft.com/office/powerpoint/2010/main" val="9815362"/>
-      </p:ext>
-    </p:extLst>
   </p:cSld>
   <p:clrMapOvr>
     <a:masterClrMapping/>
   </p:clrMapOvr>
-  <mc:AlternateContent xmlns:mc="http://schemas.openxmlformats.org/markup-compatibility/2006">
-    <mc:Choice xmlns:p14="http://schemas.microsoft.com/office/powerpoint/2010/main" Requires="p14">
-      <p:transition p14:dur="10"/>
-    </mc:Choice>
-    <mc:Fallback>
-      <p:transition/>
-    </mc:Fallback>
-  </mc:AlternateContent>
+  <p:transition/>
   <p:timing>
     <p:tnLst>
       <p:par>

--- a/prezentacja.pptx
+++ b/prezentacja.pptx
@@ -4483,7 +4483,7 @@
         <p:spPr>
           <a:xfrm>
             <a:off x="755650" y="620713"/>
-            <a:ext cx="7777163" cy="5048250"/>
+            <a:ext cx="7777163" cy="5416868"/>
           </a:xfrm>
           <a:prstGeom prst="rect">
             <a:avLst/>
@@ -4504,15 +4504,27 @@
               <a:buChar char="•"/>
             </a:pPr>
             <a:r>
-              <a:rPr lang="pl-PL" sz="3000" b="1">
+              <a:rPr lang="pl-PL" sz="3000" b="1" dirty="0">
                 <a:latin typeface="Calibri" pitchFamily="34" charset="0"/>
               </a:rPr>
-              <a:t>Czym jest Mnesia?</a:t>
+              <a:t>Czym jest </a:t>
+            </a:r>
+            <a:r>
+              <a:rPr lang="pl-PL" sz="3000" b="1" dirty="0" err="1">
+                <a:latin typeface="Calibri" pitchFamily="34" charset="0"/>
+              </a:rPr>
+              <a:t>Mnesia</a:t>
+            </a:r>
+            <a:r>
+              <a:rPr lang="pl-PL" sz="3000" b="1" dirty="0">
+                <a:latin typeface="Calibri" pitchFamily="34" charset="0"/>
+              </a:rPr>
+              <a:t>?</a:t>
             </a:r>
           </a:p>
           <a:p>
             <a:pPr marL="342900" indent="-342900"/>
-            <a:endParaRPr lang="pl-PL" sz="3000" b="1">
+            <a:endParaRPr lang="pl-PL" sz="3000" b="1" dirty="0">
               <a:latin typeface="Calibri" pitchFamily="34" charset="0"/>
             </a:endParaRPr>
           </a:p>
@@ -4525,10 +4537,16 @@
               <a:buChar char="•"/>
             </a:pPr>
             <a:r>
-              <a:rPr lang="pl-PL" sz="3000" b="1">
+              <a:rPr lang="pl-PL" sz="3000" b="1" dirty="0">
                 <a:latin typeface="Calibri" pitchFamily="34" charset="0"/>
               </a:rPr>
-              <a:t>Do czego służy?</a:t>
+              <a:t>Do czego służy</a:t>
+            </a:r>
+            <a:r>
+              <a:rPr lang="pl-PL" sz="3000" b="1" dirty="0" smtClean="0">
+                <a:latin typeface="Calibri" pitchFamily="34" charset="0"/>
+              </a:rPr>
+              <a:t>?</a:t>
             </a:r>
           </a:p>
           <a:p>
@@ -4543,7 +4561,7 @@
               <a:rPr lang="pl-PL" sz="2400">
                 <a:latin typeface="Calibri" pitchFamily="34" charset="0"/>
               </a:rPr>
-              <a:t>szybkie wyszukiwanie klucza/wartości w czasie rzeczywistym</a:t>
+              <a:t>obsługa złożonych obiektów (listy, drzewa, itp.)</a:t>
             </a:r>
           </a:p>
           <a:p>
@@ -4555,10 +4573,16 @@
               <a:buChar char="›"/>
             </a:pPr>
             <a:r>
-              <a:rPr lang="pl-PL" sz="2400">
+              <a:rPr lang="pl-PL" sz="2400" smtClean="0">
                 <a:latin typeface="Calibri" pitchFamily="34" charset="0"/>
               </a:rPr>
-              <a:t>wykonywanie skomplikowanych i złożonych zapytań</a:t>
+              <a:t>szybkie </a:t>
+            </a:r>
+            <a:r>
+              <a:rPr lang="pl-PL" sz="2400" dirty="0">
+                <a:latin typeface="Calibri" pitchFamily="34" charset="0"/>
+              </a:rPr>
+              <a:t>wyszukiwanie klucza/wartości w czasie rzeczywistym</a:t>
             </a:r>
           </a:p>
           <a:p>
@@ -4570,10 +4594,10 @@
               <a:buChar char="›"/>
             </a:pPr>
             <a:r>
-              <a:rPr lang="pl-PL" sz="2400">
+              <a:rPr lang="pl-PL" sz="2400" dirty="0">
                 <a:latin typeface="Calibri" pitchFamily="34" charset="0"/>
               </a:rPr>
-              <a:t>rozproszone dane z uwagi na rozproszone aplikacje</a:t>
+              <a:t>wykonywanie skomplikowanych i złożonych zapytań</a:t>
             </a:r>
           </a:p>
           <a:p>
@@ -4585,10 +4609,10 @@
               <a:buChar char="›"/>
             </a:pPr>
             <a:r>
-              <a:rPr lang="pl-PL" sz="2400">
+              <a:rPr lang="pl-PL" sz="2400" dirty="0">
                 <a:latin typeface="Calibri" pitchFamily="34" charset="0"/>
               </a:rPr>
-              <a:t>wysoka tolerancja na błędy</a:t>
+              <a:t>rozproszone dane z uwagi na rozproszone aplikacje</a:t>
             </a:r>
           </a:p>
           <a:p>
@@ -4600,10 +4624,10 @@
               <a:buChar char="›"/>
             </a:pPr>
             <a:r>
-              <a:rPr lang="pl-PL" sz="2400">
+              <a:rPr lang="pl-PL" sz="2400" dirty="0">
                 <a:latin typeface="Calibri" pitchFamily="34" charset="0"/>
               </a:rPr>
-              <a:t>dynamiczna rekonfiguracja (dodawanie, usuwanie danych podczas działania systemu)</a:t>
+              <a:t>wysoka tolerancja na błędy</a:t>
             </a:r>
           </a:p>
           <a:p>
@@ -4614,9 +4638,18 @@
               <a:buFont typeface="Calibri" pitchFamily="34" charset="0"/>
               <a:buChar char="›"/>
             </a:pPr>
-            <a:endParaRPr lang="pl-PL" sz="2000" b="1">
-              <a:latin typeface="Calibri" pitchFamily="34" charset="0"/>
-            </a:endParaRPr>
+            <a:r>
+              <a:rPr lang="pl-PL" sz="2400" dirty="0">
+                <a:latin typeface="Calibri" pitchFamily="34" charset="0"/>
+              </a:rPr>
+              <a:t>dynamiczna rekonfiguracja (dodawanie, usuwanie danych podczas działania systemu</a:t>
+            </a:r>
+            <a:r>
+              <a:rPr lang="pl-PL" sz="2400" dirty="0" smtClean="0">
+                <a:latin typeface="Calibri" pitchFamily="34" charset="0"/>
+              </a:rPr>
+              <a:t>)</a:t>
+            </a:r>
           </a:p>
           <a:p>
             <a:pPr marL="800100" lvl="1" indent="-342900">
@@ -4626,13 +4659,25 @@
               <a:buFont typeface="Calibri" pitchFamily="34" charset="0"/>
               <a:buChar char="›"/>
             </a:pPr>
-            <a:endParaRPr lang="pl-PL" sz="2000" b="1">
+            <a:endParaRPr lang="pl-PL" sz="2000" b="1" dirty="0">
               <a:latin typeface="Calibri" pitchFamily="34" charset="0"/>
             </a:endParaRPr>
           </a:p>
           <a:p>
+            <a:pPr marL="800100" lvl="1" indent="-342900">
+              <a:buClr>
+                <a:srgbClr val="C00000"/>
+              </a:buClr>
+              <a:buFont typeface="Calibri" pitchFamily="34" charset="0"/>
+              <a:buChar char="›"/>
+            </a:pPr>
+            <a:endParaRPr lang="pl-PL" sz="2000" b="1" dirty="0">
+              <a:latin typeface="Calibri" pitchFamily="34" charset="0"/>
+            </a:endParaRPr>
+          </a:p>
+          <a:p>
             <a:pPr marL="342900" indent="-342900"/>
-            <a:endParaRPr lang="pl-PL" sz="2400" b="1">
+            <a:endParaRPr lang="pl-PL" sz="2400" b="1" dirty="0">
               <a:latin typeface="Calibri" pitchFamily="34" charset="0"/>
             </a:endParaRPr>
           </a:p>
@@ -5477,7 +5522,7 @@
         <p:nvPicPr>
           <p:cNvPr id="21516" name="Obraz 3"/>
           <p:cNvPicPr>
-            <a:picLocks noChangeAspect="1"/>
+            <a:picLocks noGrp="1" noChangeAspect="1"/>
           </p:cNvPicPr>
           <p:nvPr>
             <p:ph sz="half" idx="2"/>
